--- a/Presentation1.pptx
+++ b/Presentation1.pptx
@@ -3,17 +3,18 @@
 <p:presentation xmlns:a="http://schemas.openxmlformats.org/drawingml/2006/main" xmlns:r="http://schemas.openxmlformats.org/officeDocument/2006/relationships" xmlns:p="http://schemas.openxmlformats.org/presentationml/2006/main" saveSubsetFonts="1">
   <p:sldMasterIdLst>
     <p:sldMasterId id="2147483648" r:id="rId1"/>
+    <p:sldMasterId id="2147483660" r:id="rId2"/>
   </p:sldMasterIdLst>
   <p:sldIdLst>
-    <p:sldId id="256" r:id="rId2"/>
-    <p:sldId id="257" r:id="rId3"/>
-    <p:sldId id="258" r:id="rId4"/>
-    <p:sldId id="259" r:id="rId5"/>
-    <p:sldId id="260" r:id="rId6"/>
-    <p:sldId id="261" r:id="rId7"/>
-    <p:sldId id="262" r:id="rId8"/>
-    <p:sldId id="263" r:id="rId9"/>
-    <p:sldId id="264" r:id="rId10"/>
+    <p:sldId id="256" r:id="rId3"/>
+    <p:sldId id="266" r:id="rId4"/>
+    <p:sldId id="258" r:id="rId5"/>
+    <p:sldId id="259" r:id="rId6"/>
+    <p:sldId id="260" r:id="rId7"/>
+    <p:sldId id="261" r:id="rId8"/>
+    <p:sldId id="262" r:id="rId9"/>
+    <p:sldId id="267" r:id="rId10"/>
+    <p:sldId id="264" r:id="rId11"/>
   </p:sldIdLst>
   <p:sldSz cx="12192000" cy="6858000"/>
   <p:notesSz cx="6858000" cy="9144000"/>
@@ -112,6 +113,11 @@
       </a:defRPr>
     </a:lvl9pPr>
   </p:defaultTextStyle>
+  <p:extLst>
+    <p:ext uri="{EFAFB233-063F-42B5-8137-9DF3F51BA10A}">
+      <p15:sldGuideLst xmlns:p15="http://schemas.microsoft.com/office/powerpoint/2012/main"/>
+    </p:ext>
+  </p:extLst>
 </p:presentation>
 </file>
 
@@ -157,7 +163,7 @@
           </a:lstStyle>
           <a:p>
             <a:r>
-              <a:rPr lang="en-US" smtClean="0"/>
+              <a:rPr lang="en-US"/>
               <a:t>Click to edit Master title style</a:t>
             </a:r>
             <a:endParaRPr lang="en-IN"/>
@@ -222,7 +228,7 @@
           </a:lstStyle>
           <a:p>
             <a:r>
-              <a:rPr lang="en-US" smtClean="0"/>
+              <a:rPr lang="en-US"/>
               <a:t>Click to edit Master subtitle style</a:t>
             </a:r>
             <a:endParaRPr lang="en-IN"/>
@@ -246,7 +252,7 @@
           <a:p>
             <a:fld id="{6136769B-7200-494A-8802-1B6C4D3CEF92}" type="datetimeFigureOut">
               <a:rPr lang="en-IN" smtClean="0"/>
-              <a:t>23-12-2025</a:t>
+              <a:t>08-01-2026</a:t>
             </a:fld>
             <a:endParaRPr lang="en-IN"/>
           </a:p>
@@ -340,7 +346,7 @@
           <a:lstStyle/>
           <a:p>
             <a:r>
-              <a:rPr lang="en-US" smtClean="0"/>
+              <a:rPr lang="en-US"/>
               <a:t>Click to edit Master title style</a:t>
             </a:r>
             <a:endParaRPr lang="en-IN"/>
@@ -364,35 +370,35 @@
           <a:p>
             <a:pPr lvl="0"/>
             <a:r>
-              <a:rPr lang="en-US" smtClean="0"/>
+              <a:rPr lang="en-US"/>
               <a:t>Click to edit Master text styles</a:t>
             </a:r>
           </a:p>
           <a:p>
             <a:pPr lvl="1"/>
             <a:r>
-              <a:rPr lang="en-US" smtClean="0"/>
+              <a:rPr lang="en-US"/>
               <a:t>Second level</a:t>
             </a:r>
           </a:p>
           <a:p>
             <a:pPr lvl="2"/>
             <a:r>
-              <a:rPr lang="en-US" smtClean="0"/>
+              <a:rPr lang="en-US"/>
               <a:t>Third level</a:t>
             </a:r>
           </a:p>
           <a:p>
             <a:pPr lvl="3"/>
             <a:r>
-              <a:rPr lang="en-US" smtClean="0"/>
+              <a:rPr lang="en-US"/>
               <a:t>Fourth level</a:t>
             </a:r>
           </a:p>
           <a:p>
             <a:pPr lvl="4"/>
             <a:r>
-              <a:rPr lang="en-US" smtClean="0"/>
+              <a:rPr lang="en-US"/>
               <a:t>Fifth level</a:t>
             </a:r>
             <a:endParaRPr lang="en-IN"/>
@@ -416,7 +422,7 @@
           <a:p>
             <a:fld id="{6136769B-7200-494A-8802-1B6C4D3CEF92}" type="datetimeFigureOut">
               <a:rPr lang="en-IN" smtClean="0"/>
-              <a:t>23-12-2025</a:t>
+              <a:t>08-01-2026</a:t>
             </a:fld>
             <a:endParaRPr lang="en-IN"/>
           </a:p>
@@ -515,7 +521,7 @@
           <a:lstStyle/>
           <a:p>
             <a:r>
-              <a:rPr lang="en-US" smtClean="0"/>
+              <a:rPr lang="en-US"/>
               <a:t>Click to edit Master title style</a:t>
             </a:r>
             <a:endParaRPr lang="en-IN"/>
@@ -544,35 +550,35 @@
           <a:p>
             <a:pPr lvl="0"/>
             <a:r>
-              <a:rPr lang="en-US" smtClean="0"/>
+              <a:rPr lang="en-US"/>
               <a:t>Click to edit Master text styles</a:t>
             </a:r>
           </a:p>
           <a:p>
             <a:pPr lvl="1"/>
             <a:r>
-              <a:rPr lang="en-US" smtClean="0"/>
+              <a:rPr lang="en-US"/>
               <a:t>Second level</a:t>
             </a:r>
           </a:p>
           <a:p>
             <a:pPr lvl="2"/>
             <a:r>
-              <a:rPr lang="en-US" smtClean="0"/>
+              <a:rPr lang="en-US"/>
               <a:t>Third level</a:t>
             </a:r>
           </a:p>
           <a:p>
             <a:pPr lvl="3"/>
             <a:r>
-              <a:rPr lang="en-US" smtClean="0"/>
+              <a:rPr lang="en-US"/>
               <a:t>Fourth level</a:t>
             </a:r>
           </a:p>
           <a:p>
             <a:pPr lvl="4"/>
             <a:r>
-              <a:rPr lang="en-US" smtClean="0"/>
+              <a:rPr lang="en-US"/>
               <a:t>Fifth level</a:t>
             </a:r>
             <a:endParaRPr lang="en-IN"/>
@@ -596,7 +602,7 @@
           <a:p>
             <a:fld id="{6136769B-7200-494A-8802-1B6C4D3CEF92}" type="datetimeFigureOut">
               <a:rPr lang="en-IN" smtClean="0"/>
-              <a:t>23-12-2025</a:t>
+              <a:t>08-01-2026</a:t>
             </a:fld>
             <a:endParaRPr lang="en-IN"/>
           </a:p>
@@ -648,6 +654,1850 @@
     <p:extLst>
       <p:ext uri="{BB962C8B-B14F-4D97-AF65-F5344CB8AC3E}">
         <p14:creationId xmlns:p14="http://schemas.microsoft.com/office/powerpoint/2010/main" val="3419749492"/>
+      </p:ext>
+    </p:extLst>
+  </p:cSld>
+  <p:clrMapOvr>
+    <a:masterClrMapping/>
+  </p:clrMapOvr>
+</p:sldLayout>
+</file>
+
+<file path=ppt/slideLayouts/slideLayout12.xml><?xml version="1.0" encoding="utf-8"?>
+<p:sldLayout xmlns:a="http://schemas.openxmlformats.org/drawingml/2006/main" xmlns:r="http://schemas.openxmlformats.org/officeDocument/2006/relationships" xmlns:p="http://schemas.openxmlformats.org/presentationml/2006/main" type="title" preserve="1">
+  <p:cSld name="Title Slide">
+    <p:spTree>
+      <p:nvGrpSpPr>
+        <p:cNvPr id="1" name=""/>
+        <p:cNvGrpSpPr/>
+        <p:nvPr/>
+      </p:nvGrpSpPr>
+      <p:grpSpPr>
+        <a:xfrm>
+          <a:off x="0" y="0"/>
+          <a:ext cx="0" cy="0"/>
+          <a:chOff x="0" y="0"/>
+          <a:chExt cx="0" cy="0"/>
+        </a:xfrm>
+      </p:grpSpPr>
+      <p:sp>
+        <p:nvSpPr>
+          <p:cNvPr id="2" name="Title 1"/>
+          <p:cNvSpPr>
+            <a:spLocks noGrp="1"/>
+          </p:cNvSpPr>
+          <p:nvPr>
+            <p:ph type="ctrTitle"/>
+          </p:nvPr>
+        </p:nvSpPr>
+        <p:spPr>
+          <a:xfrm>
+            <a:off x="914400" y="2130426"/>
+            <a:ext cx="10363200" cy="1470025"/>
+          </a:xfrm>
+        </p:spPr>
+        <p:txBody>
+          <a:bodyPr/>
+          <a:lstStyle/>
+          <a:p>
+            <a:r>
+              <a:rPr lang="en-US"/>
+              <a:t>Click to edit Master title style</a:t>
+            </a:r>
+          </a:p>
+        </p:txBody>
+      </p:sp>
+      <p:sp>
+        <p:nvSpPr>
+          <p:cNvPr id="3" name="Subtitle 2"/>
+          <p:cNvSpPr>
+            <a:spLocks noGrp="1"/>
+          </p:cNvSpPr>
+          <p:nvPr>
+            <p:ph type="subTitle" idx="1"/>
+          </p:nvPr>
+        </p:nvSpPr>
+        <p:spPr>
+          <a:xfrm>
+            <a:off x="1828800" y="3886200"/>
+            <a:ext cx="8534400" cy="1752600"/>
+          </a:xfrm>
+        </p:spPr>
+        <p:txBody>
+          <a:bodyPr/>
+          <a:lstStyle>
+            <a:lvl1pPr marL="0" indent="0" algn="ctr">
+              <a:buNone/>
+              <a:defRPr>
+                <a:solidFill>
+                  <a:schemeClr val="tx1">
+                    <a:tint val="75000"/>
+                  </a:schemeClr>
+                </a:solidFill>
+              </a:defRPr>
+            </a:lvl1pPr>
+            <a:lvl2pPr marL="457200" indent="0" algn="ctr">
+              <a:buNone/>
+              <a:defRPr>
+                <a:solidFill>
+                  <a:schemeClr val="tx1">
+                    <a:tint val="75000"/>
+                  </a:schemeClr>
+                </a:solidFill>
+              </a:defRPr>
+            </a:lvl2pPr>
+            <a:lvl3pPr marL="914400" indent="0" algn="ctr">
+              <a:buNone/>
+              <a:defRPr>
+                <a:solidFill>
+                  <a:schemeClr val="tx1">
+                    <a:tint val="75000"/>
+                  </a:schemeClr>
+                </a:solidFill>
+              </a:defRPr>
+            </a:lvl3pPr>
+            <a:lvl4pPr marL="1371600" indent="0" algn="ctr">
+              <a:buNone/>
+              <a:defRPr>
+                <a:solidFill>
+                  <a:schemeClr val="tx1">
+                    <a:tint val="75000"/>
+                  </a:schemeClr>
+                </a:solidFill>
+              </a:defRPr>
+            </a:lvl4pPr>
+            <a:lvl5pPr marL="1828800" indent="0" algn="ctr">
+              <a:buNone/>
+              <a:defRPr>
+                <a:solidFill>
+                  <a:schemeClr val="tx1">
+                    <a:tint val="75000"/>
+                  </a:schemeClr>
+                </a:solidFill>
+              </a:defRPr>
+            </a:lvl5pPr>
+            <a:lvl6pPr marL="2286000" indent="0" algn="ctr">
+              <a:buNone/>
+              <a:defRPr>
+                <a:solidFill>
+                  <a:schemeClr val="tx1">
+                    <a:tint val="75000"/>
+                  </a:schemeClr>
+                </a:solidFill>
+              </a:defRPr>
+            </a:lvl6pPr>
+            <a:lvl7pPr marL="2743200" indent="0" algn="ctr">
+              <a:buNone/>
+              <a:defRPr>
+                <a:solidFill>
+                  <a:schemeClr val="tx1">
+                    <a:tint val="75000"/>
+                  </a:schemeClr>
+                </a:solidFill>
+              </a:defRPr>
+            </a:lvl7pPr>
+            <a:lvl8pPr marL="3200400" indent="0" algn="ctr">
+              <a:buNone/>
+              <a:defRPr>
+                <a:solidFill>
+                  <a:schemeClr val="tx1">
+                    <a:tint val="75000"/>
+                  </a:schemeClr>
+                </a:solidFill>
+              </a:defRPr>
+            </a:lvl8pPr>
+            <a:lvl9pPr marL="3657600" indent="0" algn="ctr">
+              <a:buNone/>
+              <a:defRPr>
+                <a:solidFill>
+                  <a:schemeClr val="tx1">
+                    <a:tint val="75000"/>
+                  </a:schemeClr>
+                </a:solidFill>
+              </a:defRPr>
+            </a:lvl9pPr>
+          </a:lstStyle>
+          <a:p>
+            <a:r>
+              <a:rPr lang="en-US"/>
+              <a:t>Click to edit Master subtitle style</a:t>
+            </a:r>
+          </a:p>
+        </p:txBody>
+      </p:sp>
+      <p:sp>
+        <p:nvSpPr>
+          <p:cNvPr id="4" name="Date Placeholder 3"/>
+          <p:cNvSpPr>
+            <a:spLocks noGrp="1"/>
+          </p:cNvSpPr>
+          <p:nvPr>
+            <p:ph type="dt" sz="half" idx="10"/>
+          </p:nvPr>
+        </p:nvSpPr>
+        <p:spPr/>
+        <p:txBody>
+          <a:bodyPr/>
+          <a:lstStyle/>
+          <a:p>
+            <a:fld id="{5BCAD085-E8A6-8845-BD4E-CB4CCA059FC4}" type="datetimeFigureOut">
+              <a:rPr lang="en-US" smtClean="0"/>
+              <a:t>1/8/2026</a:t>
+            </a:fld>
+            <a:endParaRPr lang="en-US"/>
+          </a:p>
+        </p:txBody>
+      </p:sp>
+      <p:sp>
+        <p:nvSpPr>
+          <p:cNvPr id="5" name="Footer Placeholder 4"/>
+          <p:cNvSpPr>
+            <a:spLocks noGrp="1"/>
+          </p:cNvSpPr>
+          <p:nvPr>
+            <p:ph type="ftr" sz="quarter" idx="11"/>
+          </p:nvPr>
+        </p:nvSpPr>
+        <p:spPr/>
+        <p:txBody>
+          <a:bodyPr/>
+          <a:lstStyle/>
+          <a:p>
+            <a:endParaRPr lang="en-US"/>
+          </a:p>
+        </p:txBody>
+      </p:sp>
+      <p:sp>
+        <p:nvSpPr>
+          <p:cNvPr id="6" name="Slide Number Placeholder 5"/>
+          <p:cNvSpPr>
+            <a:spLocks noGrp="1"/>
+          </p:cNvSpPr>
+          <p:nvPr>
+            <p:ph type="sldNum" sz="quarter" idx="12"/>
+          </p:nvPr>
+        </p:nvSpPr>
+        <p:spPr/>
+        <p:txBody>
+          <a:bodyPr/>
+          <a:lstStyle/>
+          <a:p>
+            <a:fld id="{C1FF6DA9-008F-8B48-92A6-B652298478BF}" type="slidenum">
+              <a:rPr lang="en-US" smtClean="0"/>
+              <a:t>‹#›</a:t>
+            </a:fld>
+            <a:endParaRPr lang="en-US"/>
+          </a:p>
+        </p:txBody>
+      </p:sp>
+    </p:spTree>
+    <p:extLst>
+      <p:ext uri="{BB962C8B-B14F-4D97-AF65-F5344CB8AC3E}">
+        <p14:creationId xmlns:p14="http://schemas.microsoft.com/office/powerpoint/2010/main" val="3759258584"/>
+      </p:ext>
+    </p:extLst>
+  </p:cSld>
+  <p:clrMapOvr>
+    <a:masterClrMapping/>
+  </p:clrMapOvr>
+</p:sldLayout>
+</file>
+
+<file path=ppt/slideLayouts/slideLayout13.xml><?xml version="1.0" encoding="utf-8"?>
+<p:sldLayout xmlns:a="http://schemas.openxmlformats.org/drawingml/2006/main" xmlns:r="http://schemas.openxmlformats.org/officeDocument/2006/relationships" xmlns:p="http://schemas.openxmlformats.org/presentationml/2006/main" type="obj" preserve="1">
+  <p:cSld name="Title and Content">
+    <p:spTree>
+      <p:nvGrpSpPr>
+        <p:cNvPr id="1" name=""/>
+        <p:cNvGrpSpPr/>
+        <p:nvPr/>
+      </p:nvGrpSpPr>
+      <p:grpSpPr>
+        <a:xfrm>
+          <a:off x="0" y="0"/>
+          <a:ext cx="0" cy="0"/>
+          <a:chOff x="0" y="0"/>
+          <a:chExt cx="0" cy="0"/>
+        </a:xfrm>
+      </p:grpSpPr>
+      <p:sp>
+        <p:nvSpPr>
+          <p:cNvPr id="2" name="Title 1"/>
+          <p:cNvSpPr>
+            <a:spLocks noGrp="1"/>
+          </p:cNvSpPr>
+          <p:nvPr>
+            <p:ph type="title"/>
+          </p:nvPr>
+        </p:nvSpPr>
+        <p:spPr/>
+        <p:txBody>
+          <a:bodyPr/>
+          <a:lstStyle/>
+          <a:p>
+            <a:r>
+              <a:rPr lang="en-US"/>
+              <a:t>Click to edit Master title style</a:t>
+            </a:r>
+          </a:p>
+        </p:txBody>
+      </p:sp>
+      <p:sp>
+        <p:nvSpPr>
+          <p:cNvPr id="3" name="Content Placeholder 2"/>
+          <p:cNvSpPr>
+            <a:spLocks noGrp="1"/>
+          </p:cNvSpPr>
+          <p:nvPr>
+            <p:ph idx="1"/>
+          </p:nvPr>
+        </p:nvSpPr>
+        <p:spPr/>
+        <p:txBody>
+          <a:bodyPr/>
+          <a:lstStyle/>
+          <a:p>
+            <a:pPr lvl="0"/>
+            <a:r>
+              <a:rPr lang="en-US"/>
+              <a:t>Click to edit Master text styles</a:t>
+            </a:r>
+          </a:p>
+          <a:p>
+            <a:pPr lvl="1"/>
+            <a:r>
+              <a:rPr lang="en-US"/>
+              <a:t>Second level</a:t>
+            </a:r>
+          </a:p>
+          <a:p>
+            <a:pPr lvl="2"/>
+            <a:r>
+              <a:rPr lang="en-US"/>
+              <a:t>Third level</a:t>
+            </a:r>
+          </a:p>
+          <a:p>
+            <a:pPr lvl="3"/>
+            <a:r>
+              <a:rPr lang="en-US"/>
+              <a:t>Fourth level</a:t>
+            </a:r>
+          </a:p>
+          <a:p>
+            <a:pPr lvl="4"/>
+            <a:r>
+              <a:rPr lang="en-US"/>
+              <a:t>Fifth level</a:t>
+            </a:r>
+          </a:p>
+        </p:txBody>
+      </p:sp>
+      <p:sp>
+        <p:nvSpPr>
+          <p:cNvPr id="4" name="Date Placeholder 3"/>
+          <p:cNvSpPr>
+            <a:spLocks noGrp="1"/>
+          </p:cNvSpPr>
+          <p:nvPr>
+            <p:ph type="dt" sz="half" idx="10"/>
+          </p:nvPr>
+        </p:nvSpPr>
+        <p:spPr/>
+        <p:txBody>
+          <a:bodyPr/>
+          <a:lstStyle/>
+          <a:p>
+            <a:fld id="{5BCAD085-E8A6-8845-BD4E-CB4CCA059FC4}" type="datetimeFigureOut">
+              <a:rPr lang="en-US" smtClean="0"/>
+              <a:t>1/8/2026</a:t>
+            </a:fld>
+            <a:endParaRPr lang="en-US"/>
+          </a:p>
+        </p:txBody>
+      </p:sp>
+      <p:sp>
+        <p:nvSpPr>
+          <p:cNvPr id="5" name="Footer Placeholder 4"/>
+          <p:cNvSpPr>
+            <a:spLocks noGrp="1"/>
+          </p:cNvSpPr>
+          <p:nvPr>
+            <p:ph type="ftr" sz="quarter" idx="11"/>
+          </p:nvPr>
+        </p:nvSpPr>
+        <p:spPr/>
+        <p:txBody>
+          <a:bodyPr/>
+          <a:lstStyle/>
+          <a:p>
+            <a:endParaRPr lang="en-US"/>
+          </a:p>
+        </p:txBody>
+      </p:sp>
+      <p:sp>
+        <p:nvSpPr>
+          <p:cNvPr id="6" name="Slide Number Placeholder 5"/>
+          <p:cNvSpPr>
+            <a:spLocks noGrp="1"/>
+          </p:cNvSpPr>
+          <p:nvPr>
+            <p:ph type="sldNum" sz="quarter" idx="12"/>
+          </p:nvPr>
+        </p:nvSpPr>
+        <p:spPr/>
+        <p:txBody>
+          <a:bodyPr/>
+          <a:lstStyle/>
+          <a:p>
+            <a:fld id="{C1FF6DA9-008F-8B48-92A6-B652298478BF}" type="slidenum">
+              <a:rPr lang="en-US" smtClean="0"/>
+              <a:t>‹#›</a:t>
+            </a:fld>
+            <a:endParaRPr lang="en-US"/>
+          </a:p>
+        </p:txBody>
+      </p:sp>
+    </p:spTree>
+    <p:extLst>
+      <p:ext uri="{BB962C8B-B14F-4D97-AF65-F5344CB8AC3E}">
+        <p14:creationId xmlns:p14="http://schemas.microsoft.com/office/powerpoint/2010/main" val="3420675905"/>
+      </p:ext>
+    </p:extLst>
+  </p:cSld>
+  <p:clrMapOvr>
+    <a:masterClrMapping/>
+  </p:clrMapOvr>
+</p:sldLayout>
+</file>
+
+<file path=ppt/slideLayouts/slideLayout14.xml><?xml version="1.0" encoding="utf-8"?>
+<p:sldLayout xmlns:a="http://schemas.openxmlformats.org/drawingml/2006/main" xmlns:r="http://schemas.openxmlformats.org/officeDocument/2006/relationships" xmlns:p="http://schemas.openxmlformats.org/presentationml/2006/main" type="secHead" preserve="1">
+  <p:cSld name="Section Header">
+    <p:spTree>
+      <p:nvGrpSpPr>
+        <p:cNvPr id="1" name=""/>
+        <p:cNvGrpSpPr/>
+        <p:nvPr/>
+      </p:nvGrpSpPr>
+      <p:grpSpPr>
+        <a:xfrm>
+          <a:off x="0" y="0"/>
+          <a:ext cx="0" cy="0"/>
+          <a:chOff x="0" y="0"/>
+          <a:chExt cx="0" cy="0"/>
+        </a:xfrm>
+      </p:grpSpPr>
+      <p:sp>
+        <p:nvSpPr>
+          <p:cNvPr id="2" name="Title 1"/>
+          <p:cNvSpPr>
+            <a:spLocks noGrp="1"/>
+          </p:cNvSpPr>
+          <p:nvPr>
+            <p:ph type="title"/>
+          </p:nvPr>
+        </p:nvSpPr>
+        <p:spPr>
+          <a:xfrm>
+            <a:off x="963084" y="4406901"/>
+            <a:ext cx="10363200" cy="1362075"/>
+          </a:xfrm>
+        </p:spPr>
+        <p:txBody>
+          <a:bodyPr anchor="t"/>
+          <a:lstStyle>
+            <a:lvl1pPr algn="l">
+              <a:defRPr sz="4000" b="1" cap="all"/>
+            </a:lvl1pPr>
+          </a:lstStyle>
+          <a:p>
+            <a:r>
+              <a:rPr lang="en-US"/>
+              <a:t>Click to edit Master title style</a:t>
+            </a:r>
+          </a:p>
+        </p:txBody>
+      </p:sp>
+      <p:sp>
+        <p:nvSpPr>
+          <p:cNvPr id="3" name="Text Placeholder 2"/>
+          <p:cNvSpPr>
+            <a:spLocks noGrp="1"/>
+          </p:cNvSpPr>
+          <p:nvPr>
+            <p:ph type="body" idx="1"/>
+          </p:nvPr>
+        </p:nvSpPr>
+        <p:spPr>
+          <a:xfrm>
+            <a:off x="963084" y="2906713"/>
+            <a:ext cx="10363200" cy="1500187"/>
+          </a:xfrm>
+        </p:spPr>
+        <p:txBody>
+          <a:bodyPr anchor="b"/>
+          <a:lstStyle>
+            <a:lvl1pPr marL="0" indent="0">
+              <a:buNone/>
+              <a:defRPr sz="2000">
+                <a:solidFill>
+                  <a:schemeClr val="tx1">
+                    <a:tint val="75000"/>
+                  </a:schemeClr>
+                </a:solidFill>
+              </a:defRPr>
+            </a:lvl1pPr>
+            <a:lvl2pPr marL="457200" indent="0">
+              <a:buNone/>
+              <a:defRPr sz="1800">
+                <a:solidFill>
+                  <a:schemeClr val="tx1">
+                    <a:tint val="75000"/>
+                  </a:schemeClr>
+                </a:solidFill>
+              </a:defRPr>
+            </a:lvl2pPr>
+            <a:lvl3pPr marL="914400" indent="0">
+              <a:buNone/>
+              <a:defRPr sz="1600">
+                <a:solidFill>
+                  <a:schemeClr val="tx1">
+                    <a:tint val="75000"/>
+                  </a:schemeClr>
+                </a:solidFill>
+              </a:defRPr>
+            </a:lvl3pPr>
+            <a:lvl4pPr marL="1371600" indent="0">
+              <a:buNone/>
+              <a:defRPr sz="1400">
+                <a:solidFill>
+                  <a:schemeClr val="tx1">
+                    <a:tint val="75000"/>
+                  </a:schemeClr>
+                </a:solidFill>
+              </a:defRPr>
+            </a:lvl4pPr>
+            <a:lvl5pPr marL="1828800" indent="0">
+              <a:buNone/>
+              <a:defRPr sz="1400">
+                <a:solidFill>
+                  <a:schemeClr val="tx1">
+                    <a:tint val="75000"/>
+                  </a:schemeClr>
+                </a:solidFill>
+              </a:defRPr>
+            </a:lvl5pPr>
+            <a:lvl6pPr marL="2286000" indent="0">
+              <a:buNone/>
+              <a:defRPr sz="1400">
+                <a:solidFill>
+                  <a:schemeClr val="tx1">
+                    <a:tint val="75000"/>
+                  </a:schemeClr>
+                </a:solidFill>
+              </a:defRPr>
+            </a:lvl6pPr>
+            <a:lvl7pPr marL="2743200" indent="0">
+              <a:buNone/>
+              <a:defRPr sz="1400">
+                <a:solidFill>
+                  <a:schemeClr val="tx1">
+                    <a:tint val="75000"/>
+                  </a:schemeClr>
+                </a:solidFill>
+              </a:defRPr>
+            </a:lvl7pPr>
+            <a:lvl8pPr marL="3200400" indent="0">
+              <a:buNone/>
+              <a:defRPr sz="1400">
+                <a:solidFill>
+                  <a:schemeClr val="tx1">
+                    <a:tint val="75000"/>
+                  </a:schemeClr>
+                </a:solidFill>
+              </a:defRPr>
+            </a:lvl8pPr>
+            <a:lvl9pPr marL="3657600" indent="0">
+              <a:buNone/>
+              <a:defRPr sz="1400">
+                <a:solidFill>
+                  <a:schemeClr val="tx1">
+                    <a:tint val="75000"/>
+                  </a:schemeClr>
+                </a:solidFill>
+              </a:defRPr>
+            </a:lvl9pPr>
+          </a:lstStyle>
+          <a:p>
+            <a:pPr lvl="0"/>
+            <a:r>
+              <a:rPr lang="en-US"/>
+              <a:t>Click to edit Master text styles</a:t>
+            </a:r>
+          </a:p>
+        </p:txBody>
+      </p:sp>
+      <p:sp>
+        <p:nvSpPr>
+          <p:cNvPr id="4" name="Date Placeholder 3"/>
+          <p:cNvSpPr>
+            <a:spLocks noGrp="1"/>
+          </p:cNvSpPr>
+          <p:nvPr>
+            <p:ph type="dt" sz="half" idx="10"/>
+          </p:nvPr>
+        </p:nvSpPr>
+        <p:spPr/>
+        <p:txBody>
+          <a:bodyPr/>
+          <a:lstStyle/>
+          <a:p>
+            <a:fld id="{5BCAD085-E8A6-8845-BD4E-CB4CCA059FC4}" type="datetimeFigureOut">
+              <a:rPr lang="en-US" smtClean="0"/>
+              <a:t>1/8/2026</a:t>
+            </a:fld>
+            <a:endParaRPr lang="en-US"/>
+          </a:p>
+        </p:txBody>
+      </p:sp>
+      <p:sp>
+        <p:nvSpPr>
+          <p:cNvPr id="5" name="Footer Placeholder 4"/>
+          <p:cNvSpPr>
+            <a:spLocks noGrp="1"/>
+          </p:cNvSpPr>
+          <p:nvPr>
+            <p:ph type="ftr" sz="quarter" idx="11"/>
+          </p:nvPr>
+        </p:nvSpPr>
+        <p:spPr/>
+        <p:txBody>
+          <a:bodyPr/>
+          <a:lstStyle/>
+          <a:p>
+            <a:endParaRPr lang="en-US"/>
+          </a:p>
+        </p:txBody>
+      </p:sp>
+      <p:sp>
+        <p:nvSpPr>
+          <p:cNvPr id="6" name="Slide Number Placeholder 5"/>
+          <p:cNvSpPr>
+            <a:spLocks noGrp="1"/>
+          </p:cNvSpPr>
+          <p:nvPr>
+            <p:ph type="sldNum" sz="quarter" idx="12"/>
+          </p:nvPr>
+        </p:nvSpPr>
+        <p:spPr/>
+        <p:txBody>
+          <a:bodyPr/>
+          <a:lstStyle/>
+          <a:p>
+            <a:fld id="{C1FF6DA9-008F-8B48-92A6-B652298478BF}" type="slidenum">
+              <a:rPr lang="en-US" smtClean="0"/>
+              <a:t>‹#›</a:t>
+            </a:fld>
+            <a:endParaRPr lang="en-US"/>
+          </a:p>
+        </p:txBody>
+      </p:sp>
+    </p:spTree>
+    <p:extLst>
+      <p:ext uri="{BB962C8B-B14F-4D97-AF65-F5344CB8AC3E}">
+        <p14:creationId xmlns:p14="http://schemas.microsoft.com/office/powerpoint/2010/main" val="1376097913"/>
+      </p:ext>
+    </p:extLst>
+  </p:cSld>
+  <p:clrMapOvr>
+    <a:masterClrMapping/>
+  </p:clrMapOvr>
+</p:sldLayout>
+</file>
+
+<file path=ppt/slideLayouts/slideLayout15.xml><?xml version="1.0" encoding="utf-8"?>
+<p:sldLayout xmlns:a="http://schemas.openxmlformats.org/drawingml/2006/main" xmlns:r="http://schemas.openxmlformats.org/officeDocument/2006/relationships" xmlns:p="http://schemas.openxmlformats.org/presentationml/2006/main" type="twoObj" preserve="1">
+  <p:cSld name="Two Content">
+    <p:spTree>
+      <p:nvGrpSpPr>
+        <p:cNvPr id="1" name=""/>
+        <p:cNvGrpSpPr/>
+        <p:nvPr/>
+      </p:nvGrpSpPr>
+      <p:grpSpPr>
+        <a:xfrm>
+          <a:off x="0" y="0"/>
+          <a:ext cx="0" cy="0"/>
+          <a:chOff x="0" y="0"/>
+          <a:chExt cx="0" cy="0"/>
+        </a:xfrm>
+      </p:grpSpPr>
+      <p:sp>
+        <p:nvSpPr>
+          <p:cNvPr id="2" name="Title 1"/>
+          <p:cNvSpPr>
+            <a:spLocks noGrp="1"/>
+          </p:cNvSpPr>
+          <p:nvPr>
+            <p:ph type="title"/>
+          </p:nvPr>
+        </p:nvSpPr>
+        <p:spPr/>
+        <p:txBody>
+          <a:bodyPr/>
+          <a:lstStyle/>
+          <a:p>
+            <a:r>
+              <a:rPr lang="en-US"/>
+              <a:t>Click to edit Master title style</a:t>
+            </a:r>
+          </a:p>
+        </p:txBody>
+      </p:sp>
+      <p:sp>
+        <p:nvSpPr>
+          <p:cNvPr id="3" name="Content Placeholder 2"/>
+          <p:cNvSpPr>
+            <a:spLocks noGrp="1"/>
+          </p:cNvSpPr>
+          <p:nvPr>
+            <p:ph sz="half" idx="1"/>
+          </p:nvPr>
+        </p:nvSpPr>
+        <p:spPr>
+          <a:xfrm>
+            <a:off x="609600" y="1600201"/>
+            <a:ext cx="5384800" cy="4525963"/>
+          </a:xfrm>
+        </p:spPr>
+        <p:txBody>
+          <a:bodyPr/>
+          <a:lstStyle>
+            <a:lvl1pPr>
+              <a:defRPr sz="2800"/>
+            </a:lvl1pPr>
+            <a:lvl2pPr>
+              <a:defRPr sz="2400"/>
+            </a:lvl2pPr>
+            <a:lvl3pPr>
+              <a:defRPr sz="2000"/>
+            </a:lvl3pPr>
+            <a:lvl4pPr>
+              <a:defRPr sz="1800"/>
+            </a:lvl4pPr>
+            <a:lvl5pPr>
+              <a:defRPr sz="1800"/>
+            </a:lvl5pPr>
+            <a:lvl6pPr>
+              <a:defRPr sz="1800"/>
+            </a:lvl6pPr>
+            <a:lvl7pPr>
+              <a:defRPr sz="1800"/>
+            </a:lvl7pPr>
+            <a:lvl8pPr>
+              <a:defRPr sz="1800"/>
+            </a:lvl8pPr>
+            <a:lvl9pPr>
+              <a:defRPr sz="1800"/>
+            </a:lvl9pPr>
+          </a:lstStyle>
+          <a:p>
+            <a:pPr lvl="0"/>
+            <a:r>
+              <a:rPr lang="en-US"/>
+              <a:t>Click to edit Master text styles</a:t>
+            </a:r>
+          </a:p>
+          <a:p>
+            <a:pPr lvl="1"/>
+            <a:r>
+              <a:rPr lang="en-US"/>
+              <a:t>Second level</a:t>
+            </a:r>
+          </a:p>
+          <a:p>
+            <a:pPr lvl="2"/>
+            <a:r>
+              <a:rPr lang="en-US"/>
+              <a:t>Third level</a:t>
+            </a:r>
+          </a:p>
+          <a:p>
+            <a:pPr lvl="3"/>
+            <a:r>
+              <a:rPr lang="en-US"/>
+              <a:t>Fourth level</a:t>
+            </a:r>
+          </a:p>
+          <a:p>
+            <a:pPr lvl="4"/>
+            <a:r>
+              <a:rPr lang="en-US"/>
+              <a:t>Fifth level</a:t>
+            </a:r>
+          </a:p>
+        </p:txBody>
+      </p:sp>
+      <p:sp>
+        <p:nvSpPr>
+          <p:cNvPr id="4" name="Content Placeholder 3"/>
+          <p:cNvSpPr>
+            <a:spLocks noGrp="1"/>
+          </p:cNvSpPr>
+          <p:nvPr>
+            <p:ph sz="half" idx="2"/>
+          </p:nvPr>
+        </p:nvSpPr>
+        <p:spPr>
+          <a:xfrm>
+            <a:off x="6197600" y="1600201"/>
+            <a:ext cx="5384800" cy="4525963"/>
+          </a:xfrm>
+        </p:spPr>
+        <p:txBody>
+          <a:bodyPr/>
+          <a:lstStyle>
+            <a:lvl1pPr>
+              <a:defRPr sz="2800"/>
+            </a:lvl1pPr>
+            <a:lvl2pPr>
+              <a:defRPr sz="2400"/>
+            </a:lvl2pPr>
+            <a:lvl3pPr>
+              <a:defRPr sz="2000"/>
+            </a:lvl3pPr>
+            <a:lvl4pPr>
+              <a:defRPr sz="1800"/>
+            </a:lvl4pPr>
+            <a:lvl5pPr>
+              <a:defRPr sz="1800"/>
+            </a:lvl5pPr>
+            <a:lvl6pPr>
+              <a:defRPr sz="1800"/>
+            </a:lvl6pPr>
+            <a:lvl7pPr>
+              <a:defRPr sz="1800"/>
+            </a:lvl7pPr>
+            <a:lvl8pPr>
+              <a:defRPr sz="1800"/>
+            </a:lvl8pPr>
+            <a:lvl9pPr>
+              <a:defRPr sz="1800"/>
+            </a:lvl9pPr>
+          </a:lstStyle>
+          <a:p>
+            <a:pPr lvl="0"/>
+            <a:r>
+              <a:rPr lang="en-US"/>
+              <a:t>Click to edit Master text styles</a:t>
+            </a:r>
+          </a:p>
+          <a:p>
+            <a:pPr lvl="1"/>
+            <a:r>
+              <a:rPr lang="en-US"/>
+              <a:t>Second level</a:t>
+            </a:r>
+          </a:p>
+          <a:p>
+            <a:pPr lvl="2"/>
+            <a:r>
+              <a:rPr lang="en-US"/>
+              <a:t>Third level</a:t>
+            </a:r>
+          </a:p>
+          <a:p>
+            <a:pPr lvl="3"/>
+            <a:r>
+              <a:rPr lang="en-US"/>
+              <a:t>Fourth level</a:t>
+            </a:r>
+          </a:p>
+          <a:p>
+            <a:pPr lvl="4"/>
+            <a:r>
+              <a:rPr lang="en-US"/>
+              <a:t>Fifth level</a:t>
+            </a:r>
+          </a:p>
+        </p:txBody>
+      </p:sp>
+      <p:sp>
+        <p:nvSpPr>
+          <p:cNvPr id="5" name="Date Placeholder 4"/>
+          <p:cNvSpPr>
+            <a:spLocks noGrp="1"/>
+          </p:cNvSpPr>
+          <p:nvPr>
+            <p:ph type="dt" sz="half" idx="10"/>
+          </p:nvPr>
+        </p:nvSpPr>
+        <p:spPr/>
+        <p:txBody>
+          <a:bodyPr/>
+          <a:lstStyle/>
+          <a:p>
+            <a:fld id="{5BCAD085-E8A6-8845-BD4E-CB4CCA059FC4}" type="datetimeFigureOut">
+              <a:rPr lang="en-US" smtClean="0"/>
+              <a:t>1/8/2026</a:t>
+            </a:fld>
+            <a:endParaRPr lang="en-US"/>
+          </a:p>
+        </p:txBody>
+      </p:sp>
+      <p:sp>
+        <p:nvSpPr>
+          <p:cNvPr id="6" name="Footer Placeholder 5"/>
+          <p:cNvSpPr>
+            <a:spLocks noGrp="1"/>
+          </p:cNvSpPr>
+          <p:nvPr>
+            <p:ph type="ftr" sz="quarter" idx="11"/>
+          </p:nvPr>
+        </p:nvSpPr>
+        <p:spPr/>
+        <p:txBody>
+          <a:bodyPr/>
+          <a:lstStyle/>
+          <a:p>
+            <a:endParaRPr lang="en-US"/>
+          </a:p>
+        </p:txBody>
+      </p:sp>
+      <p:sp>
+        <p:nvSpPr>
+          <p:cNvPr id="7" name="Slide Number Placeholder 6"/>
+          <p:cNvSpPr>
+            <a:spLocks noGrp="1"/>
+          </p:cNvSpPr>
+          <p:nvPr>
+            <p:ph type="sldNum" sz="quarter" idx="12"/>
+          </p:nvPr>
+        </p:nvSpPr>
+        <p:spPr/>
+        <p:txBody>
+          <a:bodyPr/>
+          <a:lstStyle/>
+          <a:p>
+            <a:fld id="{C1FF6DA9-008F-8B48-92A6-B652298478BF}" type="slidenum">
+              <a:rPr lang="en-US" smtClean="0"/>
+              <a:t>‹#›</a:t>
+            </a:fld>
+            <a:endParaRPr lang="en-US"/>
+          </a:p>
+        </p:txBody>
+      </p:sp>
+    </p:spTree>
+    <p:extLst>
+      <p:ext uri="{BB962C8B-B14F-4D97-AF65-F5344CB8AC3E}">
+        <p14:creationId xmlns:p14="http://schemas.microsoft.com/office/powerpoint/2010/main" val="1236085350"/>
+      </p:ext>
+    </p:extLst>
+  </p:cSld>
+  <p:clrMapOvr>
+    <a:masterClrMapping/>
+  </p:clrMapOvr>
+</p:sldLayout>
+</file>
+
+<file path=ppt/slideLayouts/slideLayout16.xml><?xml version="1.0" encoding="utf-8"?>
+<p:sldLayout xmlns:a="http://schemas.openxmlformats.org/drawingml/2006/main" xmlns:r="http://schemas.openxmlformats.org/officeDocument/2006/relationships" xmlns:p="http://schemas.openxmlformats.org/presentationml/2006/main" type="twoTxTwoObj" preserve="1">
+  <p:cSld name="Comparison">
+    <p:spTree>
+      <p:nvGrpSpPr>
+        <p:cNvPr id="1" name=""/>
+        <p:cNvGrpSpPr/>
+        <p:nvPr/>
+      </p:nvGrpSpPr>
+      <p:grpSpPr>
+        <a:xfrm>
+          <a:off x="0" y="0"/>
+          <a:ext cx="0" cy="0"/>
+          <a:chOff x="0" y="0"/>
+          <a:chExt cx="0" cy="0"/>
+        </a:xfrm>
+      </p:grpSpPr>
+      <p:sp>
+        <p:nvSpPr>
+          <p:cNvPr id="2" name="Title 1"/>
+          <p:cNvSpPr>
+            <a:spLocks noGrp="1"/>
+          </p:cNvSpPr>
+          <p:nvPr>
+            <p:ph type="title"/>
+          </p:nvPr>
+        </p:nvSpPr>
+        <p:spPr/>
+        <p:txBody>
+          <a:bodyPr/>
+          <a:lstStyle>
+            <a:lvl1pPr>
+              <a:defRPr/>
+            </a:lvl1pPr>
+          </a:lstStyle>
+          <a:p>
+            <a:r>
+              <a:rPr lang="en-US"/>
+              <a:t>Click to edit Master title style</a:t>
+            </a:r>
+          </a:p>
+        </p:txBody>
+      </p:sp>
+      <p:sp>
+        <p:nvSpPr>
+          <p:cNvPr id="3" name="Text Placeholder 2"/>
+          <p:cNvSpPr>
+            <a:spLocks noGrp="1"/>
+          </p:cNvSpPr>
+          <p:nvPr>
+            <p:ph type="body" idx="1"/>
+          </p:nvPr>
+        </p:nvSpPr>
+        <p:spPr>
+          <a:xfrm>
+            <a:off x="609600" y="1535113"/>
+            <a:ext cx="5386917" cy="639762"/>
+          </a:xfrm>
+        </p:spPr>
+        <p:txBody>
+          <a:bodyPr anchor="b"/>
+          <a:lstStyle>
+            <a:lvl1pPr marL="0" indent="0">
+              <a:buNone/>
+              <a:defRPr sz="2400" b="1"/>
+            </a:lvl1pPr>
+            <a:lvl2pPr marL="457200" indent="0">
+              <a:buNone/>
+              <a:defRPr sz="2000" b="1"/>
+            </a:lvl2pPr>
+            <a:lvl3pPr marL="914400" indent="0">
+              <a:buNone/>
+              <a:defRPr sz="1800" b="1"/>
+            </a:lvl3pPr>
+            <a:lvl4pPr marL="1371600" indent="0">
+              <a:buNone/>
+              <a:defRPr sz="1600" b="1"/>
+            </a:lvl4pPr>
+            <a:lvl5pPr marL="1828800" indent="0">
+              <a:buNone/>
+              <a:defRPr sz="1600" b="1"/>
+            </a:lvl5pPr>
+            <a:lvl6pPr marL="2286000" indent="0">
+              <a:buNone/>
+              <a:defRPr sz="1600" b="1"/>
+            </a:lvl6pPr>
+            <a:lvl7pPr marL="2743200" indent="0">
+              <a:buNone/>
+              <a:defRPr sz="1600" b="1"/>
+            </a:lvl7pPr>
+            <a:lvl8pPr marL="3200400" indent="0">
+              <a:buNone/>
+              <a:defRPr sz="1600" b="1"/>
+            </a:lvl8pPr>
+            <a:lvl9pPr marL="3657600" indent="0">
+              <a:buNone/>
+              <a:defRPr sz="1600" b="1"/>
+            </a:lvl9pPr>
+          </a:lstStyle>
+          <a:p>
+            <a:pPr lvl="0"/>
+            <a:r>
+              <a:rPr lang="en-US"/>
+              <a:t>Click to edit Master text styles</a:t>
+            </a:r>
+          </a:p>
+        </p:txBody>
+      </p:sp>
+      <p:sp>
+        <p:nvSpPr>
+          <p:cNvPr id="4" name="Content Placeholder 3"/>
+          <p:cNvSpPr>
+            <a:spLocks noGrp="1"/>
+          </p:cNvSpPr>
+          <p:nvPr>
+            <p:ph sz="half" idx="2"/>
+          </p:nvPr>
+        </p:nvSpPr>
+        <p:spPr>
+          <a:xfrm>
+            <a:off x="609600" y="2174875"/>
+            <a:ext cx="5386917" cy="3951288"/>
+          </a:xfrm>
+        </p:spPr>
+        <p:txBody>
+          <a:bodyPr/>
+          <a:lstStyle>
+            <a:lvl1pPr>
+              <a:defRPr sz="2400"/>
+            </a:lvl1pPr>
+            <a:lvl2pPr>
+              <a:defRPr sz="2000"/>
+            </a:lvl2pPr>
+            <a:lvl3pPr>
+              <a:defRPr sz="1800"/>
+            </a:lvl3pPr>
+            <a:lvl4pPr>
+              <a:defRPr sz="1600"/>
+            </a:lvl4pPr>
+            <a:lvl5pPr>
+              <a:defRPr sz="1600"/>
+            </a:lvl5pPr>
+            <a:lvl6pPr>
+              <a:defRPr sz="1600"/>
+            </a:lvl6pPr>
+            <a:lvl7pPr>
+              <a:defRPr sz="1600"/>
+            </a:lvl7pPr>
+            <a:lvl8pPr>
+              <a:defRPr sz="1600"/>
+            </a:lvl8pPr>
+            <a:lvl9pPr>
+              <a:defRPr sz="1600"/>
+            </a:lvl9pPr>
+          </a:lstStyle>
+          <a:p>
+            <a:pPr lvl="0"/>
+            <a:r>
+              <a:rPr lang="en-US"/>
+              <a:t>Click to edit Master text styles</a:t>
+            </a:r>
+          </a:p>
+          <a:p>
+            <a:pPr lvl="1"/>
+            <a:r>
+              <a:rPr lang="en-US"/>
+              <a:t>Second level</a:t>
+            </a:r>
+          </a:p>
+          <a:p>
+            <a:pPr lvl="2"/>
+            <a:r>
+              <a:rPr lang="en-US"/>
+              <a:t>Third level</a:t>
+            </a:r>
+          </a:p>
+          <a:p>
+            <a:pPr lvl="3"/>
+            <a:r>
+              <a:rPr lang="en-US"/>
+              <a:t>Fourth level</a:t>
+            </a:r>
+          </a:p>
+          <a:p>
+            <a:pPr lvl="4"/>
+            <a:r>
+              <a:rPr lang="en-US"/>
+              <a:t>Fifth level</a:t>
+            </a:r>
+          </a:p>
+        </p:txBody>
+      </p:sp>
+      <p:sp>
+        <p:nvSpPr>
+          <p:cNvPr id="5" name="Text Placeholder 4"/>
+          <p:cNvSpPr>
+            <a:spLocks noGrp="1"/>
+          </p:cNvSpPr>
+          <p:nvPr>
+            <p:ph type="body" sz="quarter" idx="3"/>
+          </p:nvPr>
+        </p:nvSpPr>
+        <p:spPr>
+          <a:xfrm>
+            <a:off x="6193368" y="1535113"/>
+            <a:ext cx="5389033" cy="639762"/>
+          </a:xfrm>
+        </p:spPr>
+        <p:txBody>
+          <a:bodyPr anchor="b"/>
+          <a:lstStyle>
+            <a:lvl1pPr marL="0" indent="0">
+              <a:buNone/>
+              <a:defRPr sz="2400" b="1"/>
+            </a:lvl1pPr>
+            <a:lvl2pPr marL="457200" indent="0">
+              <a:buNone/>
+              <a:defRPr sz="2000" b="1"/>
+            </a:lvl2pPr>
+            <a:lvl3pPr marL="914400" indent="0">
+              <a:buNone/>
+              <a:defRPr sz="1800" b="1"/>
+            </a:lvl3pPr>
+            <a:lvl4pPr marL="1371600" indent="0">
+              <a:buNone/>
+              <a:defRPr sz="1600" b="1"/>
+            </a:lvl4pPr>
+            <a:lvl5pPr marL="1828800" indent="0">
+              <a:buNone/>
+              <a:defRPr sz="1600" b="1"/>
+            </a:lvl5pPr>
+            <a:lvl6pPr marL="2286000" indent="0">
+              <a:buNone/>
+              <a:defRPr sz="1600" b="1"/>
+            </a:lvl6pPr>
+            <a:lvl7pPr marL="2743200" indent="0">
+              <a:buNone/>
+              <a:defRPr sz="1600" b="1"/>
+            </a:lvl7pPr>
+            <a:lvl8pPr marL="3200400" indent="0">
+              <a:buNone/>
+              <a:defRPr sz="1600" b="1"/>
+            </a:lvl8pPr>
+            <a:lvl9pPr marL="3657600" indent="0">
+              <a:buNone/>
+              <a:defRPr sz="1600" b="1"/>
+            </a:lvl9pPr>
+          </a:lstStyle>
+          <a:p>
+            <a:pPr lvl="0"/>
+            <a:r>
+              <a:rPr lang="en-US"/>
+              <a:t>Click to edit Master text styles</a:t>
+            </a:r>
+          </a:p>
+        </p:txBody>
+      </p:sp>
+      <p:sp>
+        <p:nvSpPr>
+          <p:cNvPr id="6" name="Content Placeholder 5"/>
+          <p:cNvSpPr>
+            <a:spLocks noGrp="1"/>
+          </p:cNvSpPr>
+          <p:nvPr>
+            <p:ph sz="quarter" idx="4"/>
+          </p:nvPr>
+        </p:nvSpPr>
+        <p:spPr>
+          <a:xfrm>
+            <a:off x="6193368" y="2174875"/>
+            <a:ext cx="5389033" cy="3951288"/>
+          </a:xfrm>
+        </p:spPr>
+        <p:txBody>
+          <a:bodyPr/>
+          <a:lstStyle>
+            <a:lvl1pPr>
+              <a:defRPr sz="2400"/>
+            </a:lvl1pPr>
+            <a:lvl2pPr>
+              <a:defRPr sz="2000"/>
+            </a:lvl2pPr>
+            <a:lvl3pPr>
+              <a:defRPr sz="1800"/>
+            </a:lvl3pPr>
+            <a:lvl4pPr>
+              <a:defRPr sz="1600"/>
+            </a:lvl4pPr>
+            <a:lvl5pPr>
+              <a:defRPr sz="1600"/>
+            </a:lvl5pPr>
+            <a:lvl6pPr>
+              <a:defRPr sz="1600"/>
+            </a:lvl6pPr>
+            <a:lvl7pPr>
+              <a:defRPr sz="1600"/>
+            </a:lvl7pPr>
+            <a:lvl8pPr>
+              <a:defRPr sz="1600"/>
+            </a:lvl8pPr>
+            <a:lvl9pPr>
+              <a:defRPr sz="1600"/>
+            </a:lvl9pPr>
+          </a:lstStyle>
+          <a:p>
+            <a:pPr lvl="0"/>
+            <a:r>
+              <a:rPr lang="en-US"/>
+              <a:t>Click to edit Master text styles</a:t>
+            </a:r>
+          </a:p>
+          <a:p>
+            <a:pPr lvl="1"/>
+            <a:r>
+              <a:rPr lang="en-US"/>
+              <a:t>Second level</a:t>
+            </a:r>
+          </a:p>
+          <a:p>
+            <a:pPr lvl="2"/>
+            <a:r>
+              <a:rPr lang="en-US"/>
+              <a:t>Third level</a:t>
+            </a:r>
+          </a:p>
+          <a:p>
+            <a:pPr lvl="3"/>
+            <a:r>
+              <a:rPr lang="en-US"/>
+              <a:t>Fourth level</a:t>
+            </a:r>
+          </a:p>
+          <a:p>
+            <a:pPr lvl="4"/>
+            <a:r>
+              <a:rPr lang="en-US"/>
+              <a:t>Fifth level</a:t>
+            </a:r>
+          </a:p>
+        </p:txBody>
+      </p:sp>
+      <p:sp>
+        <p:nvSpPr>
+          <p:cNvPr id="7" name="Date Placeholder 6"/>
+          <p:cNvSpPr>
+            <a:spLocks noGrp="1"/>
+          </p:cNvSpPr>
+          <p:nvPr>
+            <p:ph type="dt" sz="half" idx="10"/>
+          </p:nvPr>
+        </p:nvSpPr>
+        <p:spPr/>
+        <p:txBody>
+          <a:bodyPr/>
+          <a:lstStyle/>
+          <a:p>
+            <a:fld id="{5BCAD085-E8A6-8845-BD4E-CB4CCA059FC4}" type="datetimeFigureOut">
+              <a:rPr lang="en-US" smtClean="0"/>
+              <a:t>1/8/2026</a:t>
+            </a:fld>
+            <a:endParaRPr lang="en-US"/>
+          </a:p>
+        </p:txBody>
+      </p:sp>
+      <p:sp>
+        <p:nvSpPr>
+          <p:cNvPr id="8" name="Footer Placeholder 7"/>
+          <p:cNvSpPr>
+            <a:spLocks noGrp="1"/>
+          </p:cNvSpPr>
+          <p:nvPr>
+            <p:ph type="ftr" sz="quarter" idx="11"/>
+          </p:nvPr>
+        </p:nvSpPr>
+        <p:spPr/>
+        <p:txBody>
+          <a:bodyPr/>
+          <a:lstStyle/>
+          <a:p>
+            <a:endParaRPr lang="en-US"/>
+          </a:p>
+        </p:txBody>
+      </p:sp>
+      <p:sp>
+        <p:nvSpPr>
+          <p:cNvPr id="9" name="Slide Number Placeholder 8"/>
+          <p:cNvSpPr>
+            <a:spLocks noGrp="1"/>
+          </p:cNvSpPr>
+          <p:nvPr>
+            <p:ph type="sldNum" sz="quarter" idx="12"/>
+          </p:nvPr>
+        </p:nvSpPr>
+        <p:spPr/>
+        <p:txBody>
+          <a:bodyPr/>
+          <a:lstStyle/>
+          <a:p>
+            <a:fld id="{C1FF6DA9-008F-8B48-92A6-B652298478BF}" type="slidenum">
+              <a:rPr lang="en-US" smtClean="0"/>
+              <a:t>‹#›</a:t>
+            </a:fld>
+            <a:endParaRPr lang="en-US"/>
+          </a:p>
+        </p:txBody>
+      </p:sp>
+    </p:spTree>
+    <p:extLst>
+      <p:ext uri="{BB962C8B-B14F-4D97-AF65-F5344CB8AC3E}">
+        <p14:creationId xmlns:p14="http://schemas.microsoft.com/office/powerpoint/2010/main" val="851664110"/>
+      </p:ext>
+    </p:extLst>
+  </p:cSld>
+  <p:clrMapOvr>
+    <a:masterClrMapping/>
+  </p:clrMapOvr>
+</p:sldLayout>
+</file>
+
+<file path=ppt/slideLayouts/slideLayout17.xml><?xml version="1.0" encoding="utf-8"?>
+<p:sldLayout xmlns:a="http://schemas.openxmlformats.org/drawingml/2006/main" xmlns:r="http://schemas.openxmlformats.org/officeDocument/2006/relationships" xmlns:p="http://schemas.openxmlformats.org/presentationml/2006/main" type="titleOnly" preserve="1">
+  <p:cSld name="Title Only">
+    <p:spTree>
+      <p:nvGrpSpPr>
+        <p:cNvPr id="1" name=""/>
+        <p:cNvGrpSpPr/>
+        <p:nvPr/>
+      </p:nvGrpSpPr>
+      <p:grpSpPr>
+        <a:xfrm>
+          <a:off x="0" y="0"/>
+          <a:ext cx="0" cy="0"/>
+          <a:chOff x="0" y="0"/>
+          <a:chExt cx="0" cy="0"/>
+        </a:xfrm>
+      </p:grpSpPr>
+      <p:sp>
+        <p:nvSpPr>
+          <p:cNvPr id="2" name="Title 1"/>
+          <p:cNvSpPr>
+            <a:spLocks noGrp="1"/>
+          </p:cNvSpPr>
+          <p:nvPr>
+            <p:ph type="title"/>
+          </p:nvPr>
+        </p:nvSpPr>
+        <p:spPr/>
+        <p:txBody>
+          <a:bodyPr/>
+          <a:lstStyle/>
+          <a:p>
+            <a:r>
+              <a:rPr lang="en-US"/>
+              <a:t>Click to edit Master title style</a:t>
+            </a:r>
+          </a:p>
+        </p:txBody>
+      </p:sp>
+      <p:sp>
+        <p:nvSpPr>
+          <p:cNvPr id="3" name="Date Placeholder 2"/>
+          <p:cNvSpPr>
+            <a:spLocks noGrp="1"/>
+          </p:cNvSpPr>
+          <p:nvPr>
+            <p:ph type="dt" sz="half" idx="10"/>
+          </p:nvPr>
+        </p:nvSpPr>
+        <p:spPr/>
+        <p:txBody>
+          <a:bodyPr/>
+          <a:lstStyle/>
+          <a:p>
+            <a:fld id="{5BCAD085-E8A6-8845-BD4E-CB4CCA059FC4}" type="datetimeFigureOut">
+              <a:rPr lang="en-US" smtClean="0"/>
+              <a:t>1/8/2026</a:t>
+            </a:fld>
+            <a:endParaRPr lang="en-US"/>
+          </a:p>
+        </p:txBody>
+      </p:sp>
+      <p:sp>
+        <p:nvSpPr>
+          <p:cNvPr id="4" name="Footer Placeholder 3"/>
+          <p:cNvSpPr>
+            <a:spLocks noGrp="1"/>
+          </p:cNvSpPr>
+          <p:nvPr>
+            <p:ph type="ftr" sz="quarter" idx="11"/>
+          </p:nvPr>
+        </p:nvSpPr>
+        <p:spPr/>
+        <p:txBody>
+          <a:bodyPr/>
+          <a:lstStyle/>
+          <a:p>
+            <a:endParaRPr lang="en-US"/>
+          </a:p>
+        </p:txBody>
+      </p:sp>
+      <p:sp>
+        <p:nvSpPr>
+          <p:cNvPr id="5" name="Slide Number Placeholder 4"/>
+          <p:cNvSpPr>
+            <a:spLocks noGrp="1"/>
+          </p:cNvSpPr>
+          <p:nvPr>
+            <p:ph type="sldNum" sz="quarter" idx="12"/>
+          </p:nvPr>
+        </p:nvSpPr>
+        <p:spPr/>
+        <p:txBody>
+          <a:bodyPr/>
+          <a:lstStyle/>
+          <a:p>
+            <a:fld id="{C1FF6DA9-008F-8B48-92A6-B652298478BF}" type="slidenum">
+              <a:rPr lang="en-US" smtClean="0"/>
+              <a:t>‹#›</a:t>
+            </a:fld>
+            <a:endParaRPr lang="en-US"/>
+          </a:p>
+        </p:txBody>
+      </p:sp>
+    </p:spTree>
+    <p:extLst>
+      <p:ext uri="{BB962C8B-B14F-4D97-AF65-F5344CB8AC3E}">
+        <p14:creationId xmlns:p14="http://schemas.microsoft.com/office/powerpoint/2010/main" val="2839014966"/>
+      </p:ext>
+    </p:extLst>
+  </p:cSld>
+  <p:clrMapOvr>
+    <a:masterClrMapping/>
+  </p:clrMapOvr>
+</p:sldLayout>
+</file>
+
+<file path=ppt/slideLayouts/slideLayout18.xml><?xml version="1.0" encoding="utf-8"?>
+<p:sldLayout xmlns:a="http://schemas.openxmlformats.org/drawingml/2006/main" xmlns:r="http://schemas.openxmlformats.org/officeDocument/2006/relationships" xmlns:p="http://schemas.openxmlformats.org/presentationml/2006/main" type="blank" preserve="1">
+  <p:cSld name="Blank">
+    <p:spTree>
+      <p:nvGrpSpPr>
+        <p:cNvPr id="1" name=""/>
+        <p:cNvGrpSpPr/>
+        <p:nvPr/>
+      </p:nvGrpSpPr>
+      <p:grpSpPr>
+        <a:xfrm>
+          <a:off x="0" y="0"/>
+          <a:ext cx="0" cy="0"/>
+          <a:chOff x="0" y="0"/>
+          <a:chExt cx="0" cy="0"/>
+        </a:xfrm>
+      </p:grpSpPr>
+      <p:sp>
+        <p:nvSpPr>
+          <p:cNvPr id="2" name="Date Placeholder 1"/>
+          <p:cNvSpPr>
+            <a:spLocks noGrp="1"/>
+          </p:cNvSpPr>
+          <p:nvPr>
+            <p:ph type="dt" sz="half" idx="10"/>
+          </p:nvPr>
+        </p:nvSpPr>
+        <p:spPr/>
+        <p:txBody>
+          <a:bodyPr/>
+          <a:lstStyle/>
+          <a:p>
+            <a:fld id="{5BCAD085-E8A6-8845-BD4E-CB4CCA059FC4}" type="datetimeFigureOut">
+              <a:rPr lang="en-US" smtClean="0"/>
+              <a:t>1/8/2026</a:t>
+            </a:fld>
+            <a:endParaRPr lang="en-US"/>
+          </a:p>
+        </p:txBody>
+      </p:sp>
+      <p:sp>
+        <p:nvSpPr>
+          <p:cNvPr id="3" name="Footer Placeholder 2"/>
+          <p:cNvSpPr>
+            <a:spLocks noGrp="1"/>
+          </p:cNvSpPr>
+          <p:nvPr>
+            <p:ph type="ftr" sz="quarter" idx="11"/>
+          </p:nvPr>
+        </p:nvSpPr>
+        <p:spPr/>
+        <p:txBody>
+          <a:bodyPr/>
+          <a:lstStyle/>
+          <a:p>
+            <a:endParaRPr lang="en-US"/>
+          </a:p>
+        </p:txBody>
+      </p:sp>
+      <p:sp>
+        <p:nvSpPr>
+          <p:cNvPr id="4" name="Slide Number Placeholder 3"/>
+          <p:cNvSpPr>
+            <a:spLocks noGrp="1"/>
+          </p:cNvSpPr>
+          <p:nvPr>
+            <p:ph type="sldNum" sz="quarter" idx="12"/>
+          </p:nvPr>
+        </p:nvSpPr>
+        <p:spPr/>
+        <p:txBody>
+          <a:bodyPr/>
+          <a:lstStyle/>
+          <a:p>
+            <a:fld id="{C1FF6DA9-008F-8B48-92A6-B652298478BF}" type="slidenum">
+              <a:rPr lang="en-US" smtClean="0"/>
+              <a:t>‹#›</a:t>
+            </a:fld>
+            <a:endParaRPr lang="en-US"/>
+          </a:p>
+        </p:txBody>
+      </p:sp>
+    </p:spTree>
+    <p:extLst>
+      <p:ext uri="{BB962C8B-B14F-4D97-AF65-F5344CB8AC3E}">
+        <p14:creationId xmlns:p14="http://schemas.microsoft.com/office/powerpoint/2010/main" val="3187145849"/>
+      </p:ext>
+    </p:extLst>
+  </p:cSld>
+  <p:clrMapOvr>
+    <a:masterClrMapping/>
+  </p:clrMapOvr>
+</p:sldLayout>
+</file>
+
+<file path=ppt/slideLayouts/slideLayout19.xml><?xml version="1.0" encoding="utf-8"?>
+<p:sldLayout xmlns:a="http://schemas.openxmlformats.org/drawingml/2006/main" xmlns:r="http://schemas.openxmlformats.org/officeDocument/2006/relationships" xmlns:p="http://schemas.openxmlformats.org/presentationml/2006/main" type="objTx" preserve="1">
+  <p:cSld name="Content with Caption">
+    <p:spTree>
+      <p:nvGrpSpPr>
+        <p:cNvPr id="1" name=""/>
+        <p:cNvGrpSpPr/>
+        <p:nvPr/>
+      </p:nvGrpSpPr>
+      <p:grpSpPr>
+        <a:xfrm>
+          <a:off x="0" y="0"/>
+          <a:ext cx="0" cy="0"/>
+          <a:chOff x="0" y="0"/>
+          <a:chExt cx="0" cy="0"/>
+        </a:xfrm>
+      </p:grpSpPr>
+      <p:sp>
+        <p:nvSpPr>
+          <p:cNvPr id="2" name="Title 1"/>
+          <p:cNvSpPr>
+            <a:spLocks noGrp="1"/>
+          </p:cNvSpPr>
+          <p:nvPr>
+            <p:ph type="title"/>
+          </p:nvPr>
+        </p:nvSpPr>
+        <p:spPr>
+          <a:xfrm>
+            <a:off x="609601" y="273050"/>
+            <a:ext cx="4011084" cy="1162050"/>
+          </a:xfrm>
+        </p:spPr>
+        <p:txBody>
+          <a:bodyPr anchor="b"/>
+          <a:lstStyle>
+            <a:lvl1pPr algn="l">
+              <a:defRPr sz="2000" b="1"/>
+            </a:lvl1pPr>
+          </a:lstStyle>
+          <a:p>
+            <a:r>
+              <a:rPr lang="en-US"/>
+              <a:t>Click to edit Master title style</a:t>
+            </a:r>
+          </a:p>
+        </p:txBody>
+      </p:sp>
+      <p:sp>
+        <p:nvSpPr>
+          <p:cNvPr id="3" name="Content Placeholder 2"/>
+          <p:cNvSpPr>
+            <a:spLocks noGrp="1"/>
+          </p:cNvSpPr>
+          <p:nvPr>
+            <p:ph idx="1"/>
+          </p:nvPr>
+        </p:nvSpPr>
+        <p:spPr>
+          <a:xfrm>
+            <a:off x="4766733" y="273051"/>
+            <a:ext cx="6815667" cy="5853113"/>
+          </a:xfrm>
+        </p:spPr>
+        <p:txBody>
+          <a:bodyPr/>
+          <a:lstStyle>
+            <a:lvl1pPr>
+              <a:defRPr sz="3200"/>
+            </a:lvl1pPr>
+            <a:lvl2pPr>
+              <a:defRPr sz="2800"/>
+            </a:lvl2pPr>
+            <a:lvl3pPr>
+              <a:defRPr sz="2400"/>
+            </a:lvl3pPr>
+            <a:lvl4pPr>
+              <a:defRPr sz="2000"/>
+            </a:lvl4pPr>
+            <a:lvl5pPr>
+              <a:defRPr sz="2000"/>
+            </a:lvl5pPr>
+            <a:lvl6pPr>
+              <a:defRPr sz="2000"/>
+            </a:lvl6pPr>
+            <a:lvl7pPr>
+              <a:defRPr sz="2000"/>
+            </a:lvl7pPr>
+            <a:lvl8pPr>
+              <a:defRPr sz="2000"/>
+            </a:lvl8pPr>
+            <a:lvl9pPr>
+              <a:defRPr sz="2000"/>
+            </a:lvl9pPr>
+          </a:lstStyle>
+          <a:p>
+            <a:pPr lvl="0"/>
+            <a:r>
+              <a:rPr lang="en-US"/>
+              <a:t>Click to edit Master text styles</a:t>
+            </a:r>
+          </a:p>
+          <a:p>
+            <a:pPr lvl="1"/>
+            <a:r>
+              <a:rPr lang="en-US"/>
+              <a:t>Second level</a:t>
+            </a:r>
+          </a:p>
+          <a:p>
+            <a:pPr lvl="2"/>
+            <a:r>
+              <a:rPr lang="en-US"/>
+              <a:t>Third level</a:t>
+            </a:r>
+          </a:p>
+          <a:p>
+            <a:pPr lvl="3"/>
+            <a:r>
+              <a:rPr lang="en-US"/>
+              <a:t>Fourth level</a:t>
+            </a:r>
+          </a:p>
+          <a:p>
+            <a:pPr lvl="4"/>
+            <a:r>
+              <a:rPr lang="en-US"/>
+              <a:t>Fifth level</a:t>
+            </a:r>
+          </a:p>
+        </p:txBody>
+      </p:sp>
+      <p:sp>
+        <p:nvSpPr>
+          <p:cNvPr id="4" name="Text Placeholder 3"/>
+          <p:cNvSpPr>
+            <a:spLocks noGrp="1"/>
+          </p:cNvSpPr>
+          <p:nvPr>
+            <p:ph type="body" sz="half" idx="2"/>
+          </p:nvPr>
+        </p:nvSpPr>
+        <p:spPr>
+          <a:xfrm>
+            <a:off x="609601" y="1435101"/>
+            <a:ext cx="4011084" cy="4691063"/>
+          </a:xfrm>
+        </p:spPr>
+        <p:txBody>
+          <a:bodyPr/>
+          <a:lstStyle>
+            <a:lvl1pPr marL="0" indent="0">
+              <a:buNone/>
+              <a:defRPr sz="1400"/>
+            </a:lvl1pPr>
+            <a:lvl2pPr marL="457200" indent="0">
+              <a:buNone/>
+              <a:defRPr sz="1200"/>
+            </a:lvl2pPr>
+            <a:lvl3pPr marL="914400" indent="0">
+              <a:buNone/>
+              <a:defRPr sz="1000"/>
+            </a:lvl3pPr>
+            <a:lvl4pPr marL="1371600" indent="0">
+              <a:buNone/>
+              <a:defRPr sz="900"/>
+            </a:lvl4pPr>
+            <a:lvl5pPr marL="1828800" indent="0">
+              <a:buNone/>
+              <a:defRPr sz="900"/>
+            </a:lvl5pPr>
+            <a:lvl6pPr marL="2286000" indent="0">
+              <a:buNone/>
+              <a:defRPr sz="900"/>
+            </a:lvl6pPr>
+            <a:lvl7pPr marL="2743200" indent="0">
+              <a:buNone/>
+              <a:defRPr sz="900"/>
+            </a:lvl7pPr>
+            <a:lvl8pPr marL="3200400" indent="0">
+              <a:buNone/>
+              <a:defRPr sz="900"/>
+            </a:lvl8pPr>
+            <a:lvl9pPr marL="3657600" indent="0">
+              <a:buNone/>
+              <a:defRPr sz="900"/>
+            </a:lvl9pPr>
+          </a:lstStyle>
+          <a:p>
+            <a:pPr lvl="0"/>
+            <a:r>
+              <a:rPr lang="en-US"/>
+              <a:t>Click to edit Master text styles</a:t>
+            </a:r>
+          </a:p>
+        </p:txBody>
+      </p:sp>
+      <p:sp>
+        <p:nvSpPr>
+          <p:cNvPr id="5" name="Date Placeholder 4"/>
+          <p:cNvSpPr>
+            <a:spLocks noGrp="1"/>
+          </p:cNvSpPr>
+          <p:nvPr>
+            <p:ph type="dt" sz="half" idx="10"/>
+          </p:nvPr>
+        </p:nvSpPr>
+        <p:spPr/>
+        <p:txBody>
+          <a:bodyPr/>
+          <a:lstStyle/>
+          <a:p>
+            <a:fld id="{5BCAD085-E8A6-8845-BD4E-CB4CCA059FC4}" type="datetimeFigureOut">
+              <a:rPr lang="en-US" smtClean="0"/>
+              <a:t>1/8/2026</a:t>
+            </a:fld>
+            <a:endParaRPr lang="en-US"/>
+          </a:p>
+        </p:txBody>
+      </p:sp>
+      <p:sp>
+        <p:nvSpPr>
+          <p:cNvPr id="6" name="Footer Placeholder 5"/>
+          <p:cNvSpPr>
+            <a:spLocks noGrp="1"/>
+          </p:cNvSpPr>
+          <p:nvPr>
+            <p:ph type="ftr" sz="quarter" idx="11"/>
+          </p:nvPr>
+        </p:nvSpPr>
+        <p:spPr/>
+        <p:txBody>
+          <a:bodyPr/>
+          <a:lstStyle/>
+          <a:p>
+            <a:endParaRPr lang="en-US"/>
+          </a:p>
+        </p:txBody>
+      </p:sp>
+      <p:sp>
+        <p:nvSpPr>
+          <p:cNvPr id="7" name="Slide Number Placeholder 6"/>
+          <p:cNvSpPr>
+            <a:spLocks noGrp="1"/>
+          </p:cNvSpPr>
+          <p:nvPr>
+            <p:ph type="sldNum" sz="quarter" idx="12"/>
+          </p:nvPr>
+        </p:nvSpPr>
+        <p:spPr/>
+        <p:txBody>
+          <a:bodyPr/>
+          <a:lstStyle/>
+          <a:p>
+            <a:fld id="{C1FF6DA9-008F-8B48-92A6-B652298478BF}" type="slidenum">
+              <a:rPr lang="en-US" smtClean="0"/>
+              <a:t>‹#›</a:t>
+            </a:fld>
+            <a:endParaRPr lang="en-US"/>
+          </a:p>
+        </p:txBody>
+      </p:sp>
+    </p:spTree>
+    <p:extLst>
+      <p:ext uri="{BB962C8B-B14F-4D97-AF65-F5344CB8AC3E}">
+        <p14:creationId xmlns:p14="http://schemas.microsoft.com/office/powerpoint/2010/main" val="302681951"/>
       </p:ext>
     </p:extLst>
   </p:cSld>
@@ -690,7 +2540,7 @@
           <a:lstStyle/>
           <a:p>
             <a:r>
-              <a:rPr lang="en-US" smtClean="0"/>
+              <a:rPr lang="en-US"/>
               <a:t>Click to edit Master title style</a:t>
             </a:r>
             <a:endParaRPr lang="en-IN"/>
@@ -714,35 +2564,35 @@
           <a:p>
             <a:pPr lvl="0"/>
             <a:r>
-              <a:rPr lang="en-US" smtClean="0"/>
+              <a:rPr lang="en-US"/>
               <a:t>Click to edit Master text styles</a:t>
             </a:r>
           </a:p>
           <a:p>
             <a:pPr lvl="1"/>
             <a:r>
-              <a:rPr lang="en-US" smtClean="0"/>
+              <a:rPr lang="en-US"/>
               <a:t>Second level</a:t>
             </a:r>
           </a:p>
           <a:p>
             <a:pPr lvl="2"/>
             <a:r>
-              <a:rPr lang="en-US" smtClean="0"/>
+              <a:rPr lang="en-US"/>
               <a:t>Third level</a:t>
             </a:r>
           </a:p>
           <a:p>
             <a:pPr lvl="3"/>
             <a:r>
-              <a:rPr lang="en-US" smtClean="0"/>
+              <a:rPr lang="en-US"/>
               <a:t>Fourth level</a:t>
             </a:r>
           </a:p>
           <a:p>
             <a:pPr lvl="4"/>
             <a:r>
-              <a:rPr lang="en-US" smtClean="0"/>
+              <a:rPr lang="en-US"/>
               <a:t>Fifth level</a:t>
             </a:r>
             <a:endParaRPr lang="en-IN"/>
@@ -766,7 +2616,7 @@
           <a:p>
             <a:fld id="{6136769B-7200-494A-8802-1B6C4D3CEF92}" type="datetimeFigureOut">
               <a:rPr lang="en-IN" smtClean="0"/>
-              <a:t>23-12-2025</a:t>
+              <a:t>08-01-2026</a:t>
             </a:fld>
             <a:endParaRPr lang="en-IN"/>
           </a:p>
@@ -818,6 +2668,604 @@
     <p:extLst>
       <p:ext uri="{BB962C8B-B14F-4D97-AF65-F5344CB8AC3E}">
         <p14:creationId xmlns:p14="http://schemas.microsoft.com/office/powerpoint/2010/main" val="3046484262"/>
+      </p:ext>
+    </p:extLst>
+  </p:cSld>
+  <p:clrMapOvr>
+    <a:masterClrMapping/>
+  </p:clrMapOvr>
+</p:sldLayout>
+</file>
+
+<file path=ppt/slideLayouts/slideLayout20.xml><?xml version="1.0" encoding="utf-8"?>
+<p:sldLayout xmlns:a="http://schemas.openxmlformats.org/drawingml/2006/main" xmlns:r="http://schemas.openxmlformats.org/officeDocument/2006/relationships" xmlns:p="http://schemas.openxmlformats.org/presentationml/2006/main" type="picTx" preserve="1">
+  <p:cSld name="Picture with Caption">
+    <p:spTree>
+      <p:nvGrpSpPr>
+        <p:cNvPr id="1" name=""/>
+        <p:cNvGrpSpPr/>
+        <p:nvPr/>
+      </p:nvGrpSpPr>
+      <p:grpSpPr>
+        <a:xfrm>
+          <a:off x="0" y="0"/>
+          <a:ext cx="0" cy="0"/>
+          <a:chOff x="0" y="0"/>
+          <a:chExt cx="0" cy="0"/>
+        </a:xfrm>
+      </p:grpSpPr>
+      <p:sp>
+        <p:nvSpPr>
+          <p:cNvPr id="2" name="Title 1"/>
+          <p:cNvSpPr>
+            <a:spLocks noGrp="1"/>
+          </p:cNvSpPr>
+          <p:nvPr>
+            <p:ph type="title"/>
+          </p:nvPr>
+        </p:nvSpPr>
+        <p:spPr>
+          <a:xfrm>
+            <a:off x="2389717" y="4800600"/>
+            <a:ext cx="7315200" cy="566738"/>
+          </a:xfrm>
+        </p:spPr>
+        <p:txBody>
+          <a:bodyPr anchor="b"/>
+          <a:lstStyle>
+            <a:lvl1pPr algn="l">
+              <a:defRPr sz="2000" b="1"/>
+            </a:lvl1pPr>
+          </a:lstStyle>
+          <a:p>
+            <a:r>
+              <a:rPr lang="en-US"/>
+              <a:t>Click to edit Master title style</a:t>
+            </a:r>
+          </a:p>
+        </p:txBody>
+      </p:sp>
+      <p:sp>
+        <p:nvSpPr>
+          <p:cNvPr id="3" name="Picture Placeholder 2"/>
+          <p:cNvSpPr>
+            <a:spLocks noGrp="1"/>
+          </p:cNvSpPr>
+          <p:nvPr>
+            <p:ph type="pic" idx="1"/>
+          </p:nvPr>
+        </p:nvSpPr>
+        <p:spPr>
+          <a:xfrm>
+            <a:off x="2389717" y="612775"/>
+            <a:ext cx="7315200" cy="4114800"/>
+          </a:xfrm>
+        </p:spPr>
+        <p:txBody>
+          <a:bodyPr/>
+          <a:lstStyle>
+            <a:lvl1pPr marL="0" indent="0">
+              <a:buNone/>
+              <a:defRPr sz="3200"/>
+            </a:lvl1pPr>
+            <a:lvl2pPr marL="457200" indent="0">
+              <a:buNone/>
+              <a:defRPr sz="2800"/>
+            </a:lvl2pPr>
+            <a:lvl3pPr marL="914400" indent="0">
+              <a:buNone/>
+              <a:defRPr sz="2400"/>
+            </a:lvl3pPr>
+            <a:lvl4pPr marL="1371600" indent="0">
+              <a:buNone/>
+              <a:defRPr sz="2000"/>
+            </a:lvl4pPr>
+            <a:lvl5pPr marL="1828800" indent="0">
+              <a:buNone/>
+              <a:defRPr sz="2000"/>
+            </a:lvl5pPr>
+            <a:lvl6pPr marL="2286000" indent="0">
+              <a:buNone/>
+              <a:defRPr sz="2000"/>
+            </a:lvl6pPr>
+            <a:lvl7pPr marL="2743200" indent="0">
+              <a:buNone/>
+              <a:defRPr sz="2000"/>
+            </a:lvl7pPr>
+            <a:lvl8pPr marL="3200400" indent="0">
+              <a:buNone/>
+              <a:defRPr sz="2000"/>
+            </a:lvl8pPr>
+            <a:lvl9pPr marL="3657600" indent="0">
+              <a:buNone/>
+              <a:defRPr sz="2000"/>
+            </a:lvl9pPr>
+          </a:lstStyle>
+          <a:p>
+            <a:endParaRPr lang="en-US"/>
+          </a:p>
+        </p:txBody>
+      </p:sp>
+      <p:sp>
+        <p:nvSpPr>
+          <p:cNvPr id="4" name="Text Placeholder 3"/>
+          <p:cNvSpPr>
+            <a:spLocks noGrp="1"/>
+          </p:cNvSpPr>
+          <p:nvPr>
+            <p:ph type="body" sz="half" idx="2"/>
+          </p:nvPr>
+        </p:nvSpPr>
+        <p:spPr>
+          <a:xfrm>
+            <a:off x="2389717" y="5367338"/>
+            <a:ext cx="7315200" cy="804862"/>
+          </a:xfrm>
+        </p:spPr>
+        <p:txBody>
+          <a:bodyPr/>
+          <a:lstStyle>
+            <a:lvl1pPr marL="0" indent="0">
+              <a:buNone/>
+              <a:defRPr sz="1400"/>
+            </a:lvl1pPr>
+            <a:lvl2pPr marL="457200" indent="0">
+              <a:buNone/>
+              <a:defRPr sz="1200"/>
+            </a:lvl2pPr>
+            <a:lvl3pPr marL="914400" indent="0">
+              <a:buNone/>
+              <a:defRPr sz="1000"/>
+            </a:lvl3pPr>
+            <a:lvl4pPr marL="1371600" indent="0">
+              <a:buNone/>
+              <a:defRPr sz="900"/>
+            </a:lvl4pPr>
+            <a:lvl5pPr marL="1828800" indent="0">
+              <a:buNone/>
+              <a:defRPr sz="900"/>
+            </a:lvl5pPr>
+            <a:lvl6pPr marL="2286000" indent="0">
+              <a:buNone/>
+              <a:defRPr sz="900"/>
+            </a:lvl6pPr>
+            <a:lvl7pPr marL="2743200" indent="0">
+              <a:buNone/>
+              <a:defRPr sz="900"/>
+            </a:lvl7pPr>
+            <a:lvl8pPr marL="3200400" indent="0">
+              <a:buNone/>
+              <a:defRPr sz="900"/>
+            </a:lvl8pPr>
+            <a:lvl9pPr marL="3657600" indent="0">
+              <a:buNone/>
+              <a:defRPr sz="900"/>
+            </a:lvl9pPr>
+          </a:lstStyle>
+          <a:p>
+            <a:pPr lvl="0"/>
+            <a:r>
+              <a:rPr lang="en-US"/>
+              <a:t>Click to edit Master text styles</a:t>
+            </a:r>
+          </a:p>
+        </p:txBody>
+      </p:sp>
+      <p:sp>
+        <p:nvSpPr>
+          <p:cNvPr id="5" name="Date Placeholder 4"/>
+          <p:cNvSpPr>
+            <a:spLocks noGrp="1"/>
+          </p:cNvSpPr>
+          <p:nvPr>
+            <p:ph type="dt" sz="half" idx="10"/>
+          </p:nvPr>
+        </p:nvSpPr>
+        <p:spPr/>
+        <p:txBody>
+          <a:bodyPr/>
+          <a:lstStyle/>
+          <a:p>
+            <a:fld id="{5BCAD085-E8A6-8845-BD4E-CB4CCA059FC4}" type="datetimeFigureOut">
+              <a:rPr lang="en-US" smtClean="0"/>
+              <a:t>1/8/2026</a:t>
+            </a:fld>
+            <a:endParaRPr lang="en-US"/>
+          </a:p>
+        </p:txBody>
+      </p:sp>
+      <p:sp>
+        <p:nvSpPr>
+          <p:cNvPr id="6" name="Footer Placeholder 5"/>
+          <p:cNvSpPr>
+            <a:spLocks noGrp="1"/>
+          </p:cNvSpPr>
+          <p:nvPr>
+            <p:ph type="ftr" sz="quarter" idx="11"/>
+          </p:nvPr>
+        </p:nvSpPr>
+        <p:spPr/>
+        <p:txBody>
+          <a:bodyPr/>
+          <a:lstStyle/>
+          <a:p>
+            <a:endParaRPr lang="en-US"/>
+          </a:p>
+        </p:txBody>
+      </p:sp>
+      <p:sp>
+        <p:nvSpPr>
+          <p:cNvPr id="7" name="Slide Number Placeholder 6"/>
+          <p:cNvSpPr>
+            <a:spLocks noGrp="1"/>
+          </p:cNvSpPr>
+          <p:nvPr>
+            <p:ph type="sldNum" sz="quarter" idx="12"/>
+          </p:nvPr>
+        </p:nvSpPr>
+        <p:spPr/>
+        <p:txBody>
+          <a:bodyPr/>
+          <a:lstStyle/>
+          <a:p>
+            <a:fld id="{C1FF6DA9-008F-8B48-92A6-B652298478BF}" type="slidenum">
+              <a:rPr lang="en-US" smtClean="0"/>
+              <a:t>‹#›</a:t>
+            </a:fld>
+            <a:endParaRPr lang="en-US"/>
+          </a:p>
+        </p:txBody>
+      </p:sp>
+    </p:spTree>
+    <p:extLst>
+      <p:ext uri="{BB962C8B-B14F-4D97-AF65-F5344CB8AC3E}">
+        <p14:creationId xmlns:p14="http://schemas.microsoft.com/office/powerpoint/2010/main" val="1441655651"/>
+      </p:ext>
+    </p:extLst>
+  </p:cSld>
+  <p:clrMapOvr>
+    <a:masterClrMapping/>
+  </p:clrMapOvr>
+</p:sldLayout>
+</file>
+
+<file path=ppt/slideLayouts/slideLayout21.xml><?xml version="1.0" encoding="utf-8"?>
+<p:sldLayout xmlns:a="http://schemas.openxmlformats.org/drawingml/2006/main" xmlns:r="http://schemas.openxmlformats.org/officeDocument/2006/relationships" xmlns:p="http://schemas.openxmlformats.org/presentationml/2006/main" type="vertTx" preserve="1">
+  <p:cSld name="Title and Vertical Text">
+    <p:spTree>
+      <p:nvGrpSpPr>
+        <p:cNvPr id="1" name=""/>
+        <p:cNvGrpSpPr/>
+        <p:nvPr/>
+      </p:nvGrpSpPr>
+      <p:grpSpPr>
+        <a:xfrm>
+          <a:off x="0" y="0"/>
+          <a:ext cx="0" cy="0"/>
+          <a:chOff x="0" y="0"/>
+          <a:chExt cx="0" cy="0"/>
+        </a:xfrm>
+      </p:grpSpPr>
+      <p:sp>
+        <p:nvSpPr>
+          <p:cNvPr id="2" name="Title 1"/>
+          <p:cNvSpPr>
+            <a:spLocks noGrp="1"/>
+          </p:cNvSpPr>
+          <p:nvPr>
+            <p:ph type="title"/>
+          </p:nvPr>
+        </p:nvSpPr>
+        <p:spPr/>
+        <p:txBody>
+          <a:bodyPr/>
+          <a:lstStyle/>
+          <a:p>
+            <a:r>
+              <a:rPr lang="en-US"/>
+              <a:t>Click to edit Master title style</a:t>
+            </a:r>
+          </a:p>
+        </p:txBody>
+      </p:sp>
+      <p:sp>
+        <p:nvSpPr>
+          <p:cNvPr id="3" name="Vertical Text Placeholder 2"/>
+          <p:cNvSpPr>
+            <a:spLocks noGrp="1"/>
+          </p:cNvSpPr>
+          <p:nvPr>
+            <p:ph type="body" orient="vert" idx="1"/>
+          </p:nvPr>
+        </p:nvSpPr>
+        <p:spPr/>
+        <p:txBody>
+          <a:bodyPr vert="eaVert"/>
+          <a:lstStyle/>
+          <a:p>
+            <a:pPr lvl="0"/>
+            <a:r>
+              <a:rPr lang="en-US"/>
+              <a:t>Click to edit Master text styles</a:t>
+            </a:r>
+          </a:p>
+          <a:p>
+            <a:pPr lvl="1"/>
+            <a:r>
+              <a:rPr lang="en-US"/>
+              <a:t>Second level</a:t>
+            </a:r>
+          </a:p>
+          <a:p>
+            <a:pPr lvl="2"/>
+            <a:r>
+              <a:rPr lang="en-US"/>
+              <a:t>Third level</a:t>
+            </a:r>
+          </a:p>
+          <a:p>
+            <a:pPr lvl="3"/>
+            <a:r>
+              <a:rPr lang="en-US"/>
+              <a:t>Fourth level</a:t>
+            </a:r>
+          </a:p>
+          <a:p>
+            <a:pPr lvl="4"/>
+            <a:r>
+              <a:rPr lang="en-US"/>
+              <a:t>Fifth level</a:t>
+            </a:r>
+          </a:p>
+        </p:txBody>
+      </p:sp>
+      <p:sp>
+        <p:nvSpPr>
+          <p:cNvPr id="4" name="Date Placeholder 3"/>
+          <p:cNvSpPr>
+            <a:spLocks noGrp="1"/>
+          </p:cNvSpPr>
+          <p:nvPr>
+            <p:ph type="dt" sz="half" idx="10"/>
+          </p:nvPr>
+        </p:nvSpPr>
+        <p:spPr/>
+        <p:txBody>
+          <a:bodyPr/>
+          <a:lstStyle/>
+          <a:p>
+            <a:fld id="{5BCAD085-E8A6-8845-BD4E-CB4CCA059FC4}" type="datetimeFigureOut">
+              <a:rPr lang="en-US" smtClean="0"/>
+              <a:t>1/8/2026</a:t>
+            </a:fld>
+            <a:endParaRPr lang="en-US"/>
+          </a:p>
+        </p:txBody>
+      </p:sp>
+      <p:sp>
+        <p:nvSpPr>
+          <p:cNvPr id="5" name="Footer Placeholder 4"/>
+          <p:cNvSpPr>
+            <a:spLocks noGrp="1"/>
+          </p:cNvSpPr>
+          <p:nvPr>
+            <p:ph type="ftr" sz="quarter" idx="11"/>
+          </p:nvPr>
+        </p:nvSpPr>
+        <p:spPr/>
+        <p:txBody>
+          <a:bodyPr/>
+          <a:lstStyle/>
+          <a:p>
+            <a:endParaRPr lang="en-US"/>
+          </a:p>
+        </p:txBody>
+      </p:sp>
+      <p:sp>
+        <p:nvSpPr>
+          <p:cNvPr id="6" name="Slide Number Placeholder 5"/>
+          <p:cNvSpPr>
+            <a:spLocks noGrp="1"/>
+          </p:cNvSpPr>
+          <p:nvPr>
+            <p:ph type="sldNum" sz="quarter" idx="12"/>
+          </p:nvPr>
+        </p:nvSpPr>
+        <p:spPr/>
+        <p:txBody>
+          <a:bodyPr/>
+          <a:lstStyle/>
+          <a:p>
+            <a:fld id="{C1FF6DA9-008F-8B48-92A6-B652298478BF}" type="slidenum">
+              <a:rPr lang="en-US" smtClean="0"/>
+              <a:t>‹#›</a:t>
+            </a:fld>
+            <a:endParaRPr lang="en-US"/>
+          </a:p>
+        </p:txBody>
+      </p:sp>
+    </p:spTree>
+    <p:extLst>
+      <p:ext uri="{BB962C8B-B14F-4D97-AF65-F5344CB8AC3E}">
+        <p14:creationId xmlns:p14="http://schemas.microsoft.com/office/powerpoint/2010/main" val="2580675096"/>
+      </p:ext>
+    </p:extLst>
+  </p:cSld>
+  <p:clrMapOvr>
+    <a:masterClrMapping/>
+  </p:clrMapOvr>
+</p:sldLayout>
+</file>
+
+<file path=ppt/slideLayouts/slideLayout22.xml><?xml version="1.0" encoding="utf-8"?>
+<p:sldLayout xmlns:a="http://schemas.openxmlformats.org/drawingml/2006/main" xmlns:r="http://schemas.openxmlformats.org/officeDocument/2006/relationships" xmlns:p="http://schemas.openxmlformats.org/presentationml/2006/main" type="vertTitleAndTx" preserve="1">
+  <p:cSld name="Vertical Title and Text">
+    <p:spTree>
+      <p:nvGrpSpPr>
+        <p:cNvPr id="1" name=""/>
+        <p:cNvGrpSpPr/>
+        <p:nvPr/>
+      </p:nvGrpSpPr>
+      <p:grpSpPr>
+        <a:xfrm>
+          <a:off x="0" y="0"/>
+          <a:ext cx="0" cy="0"/>
+          <a:chOff x="0" y="0"/>
+          <a:chExt cx="0" cy="0"/>
+        </a:xfrm>
+      </p:grpSpPr>
+      <p:sp>
+        <p:nvSpPr>
+          <p:cNvPr id="2" name="Vertical Title 1"/>
+          <p:cNvSpPr>
+            <a:spLocks noGrp="1"/>
+          </p:cNvSpPr>
+          <p:nvPr>
+            <p:ph type="title" orient="vert"/>
+          </p:nvPr>
+        </p:nvSpPr>
+        <p:spPr>
+          <a:xfrm>
+            <a:off x="8839200" y="274639"/>
+            <a:ext cx="2743200" cy="5851525"/>
+          </a:xfrm>
+        </p:spPr>
+        <p:txBody>
+          <a:bodyPr vert="eaVert"/>
+          <a:lstStyle/>
+          <a:p>
+            <a:r>
+              <a:rPr lang="en-US"/>
+              <a:t>Click to edit Master title style</a:t>
+            </a:r>
+          </a:p>
+        </p:txBody>
+      </p:sp>
+      <p:sp>
+        <p:nvSpPr>
+          <p:cNvPr id="3" name="Vertical Text Placeholder 2"/>
+          <p:cNvSpPr>
+            <a:spLocks noGrp="1"/>
+          </p:cNvSpPr>
+          <p:nvPr>
+            <p:ph type="body" orient="vert" idx="1"/>
+          </p:nvPr>
+        </p:nvSpPr>
+        <p:spPr>
+          <a:xfrm>
+            <a:off x="609600" y="274639"/>
+            <a:ext cx="8026400" cy="5851525"/>
+          </a:xfrm>
+        </p:spPr>
+        <p:txBody>
+          <a:bodyPr vert="eaVert"/>
+          <a:lstStyle/>
+          <a:p>
+            <a:pPr lvl="0"/>
+            <a:r>
+              <a:rPr lang="en-US"/>
+              <a:t>Click to edit Master text styles</a:t>
+            </a:r>
+          </a:p>
+          <a:p>
+            <a:pPr lvl="1"/>
+            <a:r>
+              <a:rPr lang="en-US"/>
+              <a:t>Second level</a:t>
+            </a:r>
+          </a:p>
+          <a:p>
+            <a:pPr lvl="2"/>
+            <a:r>
+              <a:rPr lang="en-US"/>
+              <a:t>Third level</a:t>
+            </a:r>
+          </a:p>
+          <a:p>
+            <a:pPr lvl="3"/>
+            <a:r>
+              <a:rPr lang="en-US"/>
+              <a:t>Fourth level</a:t>
+            </a:r>
+          </a:p>
+          <a:p>
+            <a:pPr lvl="4"/>
+            <a:r>
+              <a:rPr lang="en-US"/>
+              <a:t>Fifth level</a:t>
+            </a:r>
+          </a:p>
+        </p:txBody>
+      </p:sp>
+      <p:sp>
+        <p:nvSpPr>
+          <p:cNvPr id="4" name="Date Placeholder 3"/>
+          <p:cNvSpPr>
+            <a:spLocks noGrp="1"/>
+          </p:cNvSpPr>
+          <p:nvPr>
+            <p:ph type="dt" sz="half" idx="10"/>
+          </p:nvPr>
+        </p:nvSpPr>
+        <p:spPr/>
+        <p:txBody>
+          <a:bodyPr/>
+          <a:lstStyle/>
+          <a:p>
+            <a:fld id="{5BCAD085-E8A6-8845-BD4E-CB4CCA059FC4}" type="datetimeFigureOut">
+              <a:rPr lang="en-US" smtClean="0"/>
+              <a:t>1/8/2026</a:t>
+            </a:fld>
+            <a:endParaRPr lang="en-US"/>
+          </a:p>
+        </p:txBody>
+      </p:sp>
+      <p:sp>
+        <p:nvSpPr>
+          <p:cNvPr id="5" name="Footer Placeholder 4"/>
+          <p:cNvSpPr>
+            <a:spLocks noGrp="1"/>
+          </p:cNvSpPr>
+          <p:nvPr>
+            <p:ph type="ftr" sz="quarter" idx="11"/>
+          </p:nvPr>
+        </p:nvSpPr>
+        <p:spPr/>
+        <p:txBody>
+          <a:bodyPr/>
+          <a:lstStyle/>
+          <a:p>
+            <a:endParaRPr lang="en-US"/>
+          </a:p>
+        </p:txBody>
+      </p:sp>
+      <p:sp>
+        <p:nvSpPr>
+          <p:cNvPr id="6" name="Slide Number Placeholder 5"/>
+          <p:cNvSpPr>
+            <a:spLocks noGrp="1"/>
+          </p:cNvSpPr>
+          <p:nvPr>
+            <p:ph type="sldNum" sz="quarter" idx="12"/>
+          </p:nvPr>
+        </p:nvSpPr>
+        <p:spPr/>
+        <p:txBody>
+          <a:bodyPr/>
+          <a:lstStyle/>
+          <a:p>
+            <a:fld id="{C1FF6DA9-008F-8B48-92A6-B652298478BF}" type="slidenum">
+              <a:rPr lang="en-US" smtClean="0"/>
+              <a:t>‹#›</a:t>
+            </a:fld>
+            <a:endParaRPr lang="en-US"/>
+          </a:p>
+        </p:txBody>
+      </p:sp>
+    </p:spTree>
+    <p:extLst>
+      <p:ext uri="{BB962C8B-B14F-4D97-AF65-F5344CB8AC3E}">
+        <p14:creationId xmlns:p14="http://schemas.microsoft.com/office/powerpoint/2010/main" val="1667754073"/>
       </p:ext>
     </p:extLst>
   </p:cSld>
@@ -869,7 +3317,7 @@
           </a:lstStyle>
           <a:p>
             <a:r>
-              <a:rPr lang="en-US" smtClean="0"/>
+              <a:rPr lang="en-US"/>
               <a:t>Click to edit Master title style</a:t>
             </a:r>
             <a:endParaRPr lang="en-IN"/>
@@ -989,7 +3437,7 @@
           <a:p>
             <a:pPr lvl="0"/>
             <a:r>
-              <a:rPr lang="en-US" smtClean="0"/>
+              <a:rPr lang="en-US"/>
               <a:t>Click to edit Master text styles</a:t>
             </a:r>
           </a:p>
@@ -1012,7 +3460,7 @@
           <a:p>
             <a:fld id="{6136769B-7200-494A-8802-1B6C4D3CEF92}" type="datetimeFigureOut">
               <a:rPr lang="en-IN" smtClean="0"/>
-              <a:t>23-12-2025</a:t>
+              <a:t>08-01-2026</a:t>
             </a:fld>
             <a:endParaRPr lang="en-IN"/>
           </a:p>
@@ -1106,7 +3554,7 @@
           <a:lstStyle/>
           <a:p>
             <a:r>
-              <a:rPr lang="en-US" smtClean="0"/>
+              <a:rPr lang="en-US"/>
               <a:t>Click to edit Master title style</a:t>
             </a:r>
             <a:endParaRPr lang="en-IN"/>
@@ -1135,35 +3583,35 @@
           <a:p>
             <a:pPr lvl="0"/>
             <a:r>
-              <a:rPr lang="en-US" smtClean="0"/>
+              <a:rPr lang="en-US"/>
               <a:t>Click to edit Master text styles</a:t>
             </a:r>
           </a:p>
           <a:p>
             <a:pPr lvl="1"/>
             <a:r>
-              <a:rPr lang="en-US" smtClean="0"/>
+              <a:rPr lang="en-US"/>
               <a:t>Second level</a:t>
             </a:r>
           </a:p>
           <a:p>
             <a:pPr lvl="2"/>
             <a:r>
-              <a:rPr lang="en-US" smtClean="0"/>
+              <a:rPr lang="en-US"/>
               <a:t>Third level</a:t>
             </a:r>
           </a:p>
           <a:p>
             <a:pPr lvl="3"/>
             <a:r>
-              <a:rPr lang="en-US" smtClean="0"/>
+              <a:rPr lang="en-US"/>
               <a:t>Fourth level</a:t>
             </a:r>
           </a:p>
           <a:p>
             <a:pPr lvl="4"/>
             <a:r>
-              <a:rPr lang="en-US" smtClean="0"/>
+              <a:rPr lang="en-US"/>
               <a:t>Fifth level</a:t>
             </a:r>
             <a:endParaRPr lang="en-IN"/>
@@ -1192,35 +3640,35 @@
           <a:p>
             <a:pPr lvl="0"/>
             <a:r>
-              <a:rPr lang="en-US" smtClean="0"/>
+              <a:rPr lang="en-US"/>
               <a:t>Click to edit Master text styles</a:t>
             </a:r>
           </a:p>
           <a:p>
             <a:pPr lvl="1"/>
             <a:r>
-              <a:rPr lang="en-US" smtClean="0"/>
+              <a:rPr lang="en-US"/>
               <a:t>Second level</a:t>
             </a:r>
           </a:p>
           <a:p>
             <a:pPr lvl="2"/>
             <a:r>
-              <a:rPr lang="en-US" smtClean="0"/>
+              <a:rPr lang="en-US"/>
               <a:t>Third level</a:t>
             </a:r>
           </a:p>
           <a:p>
             <a:pPr lvl="3"/>
             <a:r>
-              <a:rPr lang="en-US" smtClean="0"/>
+              <a:rPr lang="en-US"/>
               <a:t>Fourth level</a:t>
             </a:r>
           </a:p>
           <a:p>
             <a:pPr lvl="4"/>
             <a:r>
-              <a:rPr lang="en-US" smtClean="0"/>
+              <a:rPr lang="en-US"/>
               <a:t>Fifth level</a:t>
             </a:r>
             <a:endParaRPr lang="en-IN"/>
@@ -1244,7 +3692,7 @@
           <a:p>
             <a:fld id="{6136769B-7200-494A-8802-1B6C4D3CEF92}" type="datetimeFigureOut">
               <a:rPr lang="en-IN" smtClean="0"/>
-              <a:t>23-12-2025</a:t>
+              <a:t>08-01-2026</a:t>
             </a:fld>
             <a:endParaRPr lang="en-IN"/>
           </a:p>
@@ -1343,7 +3791,7 @@
           <a:lstStyle/>
           <a:p>
             <a:r>
-              <a:rPr lang="en-US" smtClean="0"/>
+              <a:rPr lang="en-US"/>
               <a:t>Click to edit Master title style</a:t>
             </a:r>
             <a:endParaRPr lang="en-IN"/>
@@ -1409,7 +3857,7 @@
           <a:p>
             <a:pPr lvl="0"/>
             <a:r>
-              <a:rPr lang="en-US" smtClean="0"/>
+              <a:rPr lang="en-US"/>
               <a:t>Click to edit Master text styles</a:t>
             </a:r>
           </a:p>
@@ -1437,35 +3885,35 @@
           <a:p>
             <a:pPr lvl="0"/>
             <a:r>
-              <a:rPr lang="en-US" smtClean="0"/>
+              <a:rPr lang="en-US"/>
               <a:t>Click to edit Master text styles</a:t>
             </a:r>
           </a:p>
           <a:p>
             <a:pPr lvl="1"/>
             <a:r>
-              <a:rPr lang="en-US" smtClean="0"/>
+              <a:rPr lang="en-US"/>
               <a:t>Second level</a:t>
             </a:r>
           </a:p>
           <a:p>
             <a:pPr lvl="2"/>
             <a:r>
-              <a:rPr lang="en-US" smtClean="0"/>
+              <a:rPr lang="en-US"/>
               <a:t>Third level</a:t>
             </a:r>
           </a:p>
           <a:p>
             <a:pPr lvl="3"/>
             <a:r>
-              <a:rPr lang="en-US" smtClean="0"/>
+              <a:rPr lang="en-US"/>
               <a:t>Fourth level</a:t>
             </a:r>
           </a:p>
           <a:p>
             <a:pPr lvl="4"/>
             <a:r>
-              <a:rPr lang="en-US" smtClean="0"/>
+              <a:rPr lang="en-US"/>
               <a:t>Fifth level</a:t>
             </a:r>
             <a:endParaRPr lang="en-IN"/>
@@ -1531,7 +3979,7 @@
           <a:p>
             <a:pPr lvl="0"/>
             <a:r>
-              <a:rPr lang="en-US" smtClean="0"/>
+              <a:rPr lang="en-US"/>
               <a:t>Click to edit Master text styles</a:t>
             </a:r>
           </a:p>
@@ -1559,35 +4007,35 @@
           <a:p>
             <a:pPr lvl="0"/>
             <a:r>
-              <a:rPr lang="en-US" smtClean="0"/>
+              <a:rPr lang="en-US"/>
               <a:t>Click to edit Master text styles</a:t>
             </a:r>
           </a:p>
           <a:p>
             <a:pPr lvl="1"/>
             <a:r>
-              <a:rPr lang="en-US" smtClean="0"/>
+              <a:rPr lang="en-US"/>
               <a:t>Second level</a:t>
             </a:r>
           </a:p>
           <a:p>
             <a:pPr lvl="2"/>
             <a:r>
-              <a:rPr lang="en-US" smtClean="0"/>
+              <a:rPr lang="en-US"/>
               <a:t>Third level</a:t>
             </a:r>
           </a:p>
           <a:p>
             <a:pPr lvl="3"/>
             <a:r>
-              <a:rPr lang="en-US" smtClean="0"/>
+              <a:rPr lang="en-US"/>
               <a:t>Fourth level</a:t>
             </a:r>
           </a:p>
           <a:p>
             <a:pPr lvl="4"/>
             <a:r>
-              <a:rPr lang="en-US" smtClean="0"/>
+              <a:rPr lang="en-US"/>
               <a:t>Fifth level</a:t>
             </a:r>
             <a:endParaRPr lang="en-IN"/>
@@ -1611,7 +4059,7 @@
           <a:p>
             <a:fld id="{6136769B-7200-494A-8802-1B6C4D3CEF92}" type="datetimeFigureOut">
               <a:rPr lang="en-IN" smtClean="0"/>
-              <a:t>23-12-2025</a:t>
+              <a:t>08-01-2026</a:t>
             </a:fld>
             <a:endParaRPr lang="en-IN"/>
           </a:p>
@@ -1705,7 +4153,7 @@
           <a:lstStyle/>
           <a:p>
             <a:r>
-              <a:rPr lang="en-US" smtClean="0"/>
+              <a:rPr lang="en-US"/>
               <a:t>Click to edit Master title style</a:t>
             </a:r>
             <a:endParaRPr lang="en-IN"/>
@@ -1729,7 +4177,7 @@
           <a:p>
             <a:fld id="{6136769B-7200-494A-8802-1B6C4D3CEF92}" type="datetimeFigureOut">
               <a:rPr lang="en-IN" smtClean="0"/>
-              <a:t>23-12-2025</a:t>
+              <a:t>08-01-2026</a:t>
             </a:fld>
             <a:endParaRPr lang="en-IN"/>
           </a:p>
@@ -1824,7 +4272,7 @@
           <a:p>
             <a:fld id="{6136769B-7200-494A-8802-1B6C4D3CEF92}" type="datetimeFigureOut">
               <a:rPr lang="en-IN" smtClean="0"/>
-              <a:t>23-12-2025</a:t>
+              <a:t>08-01-2026</a:t>
             </a:fld>
             <a:endParaRPr lang="en-IN"/>
           </a:p>
@@ -1927,7 +4375,7 @@
           </a:lstStyle>
           <a:p>
             <a:r>
-              <a:rPr lang="en-US" smtClean="0"/>
+              <a:rPr lang="en-US"/>
               <a:t>Click to edit Master title style</a:t>
             </a:r>
             <a:endParaRPr lang="en-IN"/>
@@ -1984,35 +4432,35 @@
           <a:p>
             <a:pPr lvl="0"/>
             <a:r>
-              <a:rPr lang="en-US" smtClean="0"/>
+              <a:rPr lang="en-US"/>
               <a:t>Click to edit Master text styles</a:t>
             </a:r>
           </a:p>
           <a:p>
             <a:pPr lvl="1"/>
             <a:r>
-              <a:rPr lang="en-US" smtClean="0"/>
+              <a:rPr lang="en-US"/>
               <a:t>Second level</a:t>
             </a:r>
           </a:p>
           <a:p>
             <a:pPr lvl="2"/>
             <a:r>
-              <a:rPr lang="en-US" smtClean="0"/>
+              <a:rPr lang="en-US"/>
               <a:t>Third level</a:t>
             </a:r>
           </a:p>
           <a:p>
             <a:pPr lvl="3"/>
             <a:r>
-              <a:rPr lang="en-US" smtClean="0"/>
+              <a:rPr lang="en-US"/>
               <a:t>Fourth level</a:t>
             </a:r>
           </a:p>
           <a:p>
             <a:pPr lvl="4"/>
             <a:r>
-              <a:rPr lang="en-US" smtClean="0"/>
+              <a:rPr lang="en-US"/>
               <a:t>Fifth level</a:t>
             </a:r>
             <a:endParaRPr lang="en-IN"/>
@@ -2078,7 +4526,7 @@
           <a:p>
             <a:pPr lvl="0"/>
             <a:r>
-              <a:rPr lang="en-US" smtClean="0"/>
+              <a:rPr lang="en-US"/>
               <a:t>Click to edit Master text styles</a:t>
             </a:r>
           </a:p>
@@ -2101,7 +4549,7 @@
           <a:p>
             <a:fld id="{6136769B-7200-494A-8802-1B6C4D3CEF92}" type="datetimeFigureOut">
               <a:rPr lang="en-IN" smtClean="0"/>
-              <a:t>23-12-2025</a:t>
+              <a:t>08-01-2026</a:t>
             </a:fld>
             <a:endParaRPr lang="en-IN"/>
           </a:p>
@@ -2204,7 +4652,7 @@
           </a:lstStyle>
           <a:p>
             <a:r>
-              <a:rPr lang="en-US" smtClean="0"/>
+              <a:rPr lang="en-US"/>
               <a:t>Click to edit Master title style</a:t>
             </a:r>
             <a:endParaRPr lang="en-IN"/>
@@ -2331,7 +4779,7 @@
           <a:p>
             <a:pPr lvl="0"/>
             <a:r>
-              <a:rPr lang="en-US" smtClean="0"/>
+              <a:rPr lang="en-US"/>
               <a:t>Click to edit Master text styles</a:t>
             </a:r>
           </a:p>
@@ -2354,7 +4802,7 @@
           <a:p>
             <a:fld id="{6136769B-7200-494A-8802-1B6C4D3CEF92}" type="datetimeFigureOut">
               <a:rPr lang="en-IN" smtClean="0"/>
-              <a:t>23-12-2025</a:t>
+              <a:t>08-01-2026</a:t>
             </a:fld>
             <a:endParaRPr lang="en-IN"/>
           </a:p>
@@ -2463,7 +4911,7 @@
           <a:lstStyle/>
           <a:p>
             <a:r>
-              <a:rPr lang="en-US" smtClean="0"/>
+              <a:rPr lang="en-US"/>
               <a:t>Click to edit Master title style</a:t>
             </a:r>
             <a:endParaRPr lang="en-IN"/>
@@ -2497,35 +4945,35 @@
           <a:p>
             <a:pPr lvl="0"/>
             <a:r>
-              <a:rPr lang="en-US" smtClean="0"/>
+              <a:rPr lang="en-US"/>
               <a:t>Click to edit Master text styles</a:t>
             </a:r>
           </a:p>
           <a:p>
             <a:pPr lvl="1"/>
             <a:r>
-              <a:rPr lang="en-US" smtClean="0"/>
+              <a:rPr lang="en-US"/>
               <a:t>Second level</a:t>
             </a:r>
           </a:p>
           <a:p>
             <a:pPr lvl="2"/>
             <a:r>
-              <a:rPr lang="en-US" smtClean="0"/>
+              <a:rPr lang="en-US"/>
               <a:t>Third level</a:t>
             </a:r>
           </a:p>
           <a:p>
             <a:pPr lvl="3"/>
             <a:r>
-              <a:rPr lang="en-US" smtClean="0"/>
+              <a:rPr lang="en-US"/>
               <a:t>Fourth level</a:t>
             </a:r>
           </a:p>
           <a:p>
             <a:pPr lvl="4"/>
             <a:r>
-              <a:rPr lang="en-US" smtClean="0"/>
+              <a:rPr lang="en-US"/>
               <a:t>Fifth level</a:t>
             </a:r>
             <a:endParaRPr lang="en-IN"/>
@@ -2567,7 +5015,7 @@
           <a:p>
             <a:fld id="{6136769B-7200-494A-8802-1B6C4D3CEF92}" type="datetimeFigureOut">
               <a:rPr lang="en-IN" smtClean="0"/>
-              <a:t>23-12-2025</a:t>
+              <a:t>08-01-2026</a:t>
             </a:fld>
             <a:endParaRPr lang="en-IN"/>
           </a:p>
@@ -2955,6 +5403,514 @@
 </p:sldMaster>
 </file>
 
+<file path=ppt/slideMasters/slideMaster2.xml><?xml version="1.0" encoding="utf-8"?>
+<p:sldMaster xmlns:a="http://schemas.openxmlformats.org/drawingml/2006/main" xmlns:r="http://schemas.openxmlformats.org/officeDocument/2006/relationships" xmlns:p="http://schemas.openxmlformats.org/presentationml/2006/main">
+  <p:cSld>
+    <p:bg>
+      <p:bgRef idx="1001">
+        <a:schemeClr val="bg1"/>
+      </p:bgRef>
+    </p:bg>
+    <p:spTree>
+      <p:nvGrpSpPr>
+        <p:cNvPr id="1" name=""/>
+        <p:cNvGrpSpPr/>
+        <p:nvPr/>
+      </p:nvGrpSpPr>
+      <p:grpSpPr>
+        <a:xfrm>
+          <a:off x="0" y="0"/>
+          <a:ext cx="0" cy="0"/>
+          <a:chOff x="0" y="0"/>
+          <a:chExt cx="0" cy="0"/>
+        </a:xfrm>
+      </p:grpSpPr>
+      <p:sp>
+        <p:nvSpPr>
+          <p:cNvPr id="2" name="Title Placeholder 1"/>
+          <p:cNvSpPr>
+            <a:spLocks noGrp="1"/>
+          </p:cNvSpPr>
+          <p:nvPr>
+            <p:ph type="title"/>
+          </p:nvPr>
+        </p:nvSpPr>
+        <p:spPr>
+          <a:xfrm>
+            <a:off x="609600" y="274638"/>
+            <a:ext cx="10972800" cy="1143000"/>
+          </a:xfrm>
+          <a:prstGeom prst="rect">
+            <a:avLst/>
+          </a:prstGeom>
+        </p:spPr>
+        <p:txBody>
+          <a:bodyPr vert="horz" lIns="91440" tIns="45720" rIns="91440" bIns="45720" rtlCol="0" anchor="ctr">
+            <a:normAutofit/>
+          </a:bodyPr>
+          <a:lstStyle/>
+          <a:p>
+            <a:r>
+              <a:rPr lang="en-US"/>
+              <a:t>Click to edit Master title style</a:t>
+            </a:r>
+          </a:p>
+        </p:txBody>
+      </p:sp>
+      <p:sp>
+        <p:nvSpPr>
+          <p:cNvPr id="3" name="Text Placeholder 2"/>
+          <p:cNvSpPr>
+            <a:spLocks noGrp="1"/>
+          </p:cNvSpPr>
+          <p:nvPr>
+            <p:ph type="body" idx="1"/>
+          </p:nvPr>
+        </p:nvSpPr>
+        <p:spPr>
+          <a:xfrm>
+            <a:off x="609600" y="1600201"/>
+            <a:ext cx="10972800" cy="4525963"/>
+          </a:xfrm>
+          <a:prstGeom prst="rect">
+            <a:avLst/>
+          </a:prstGeom>
+        </p:spPr>
+        <p:txBody>
+          <a:bodyPr vert="horz" lIns="91440" tIns="45720" rIns="91440" bIns="45720" rtlCol="0">
+            <a:normAutofit/>
+          </a:bodyPr>
+          <a:lstStyle/>
+          <a:p>
+            <a:pPr lvl="0"/>
+            <a:r>
+              <a:rPr lang="en-US"/>
+              <a:t>Click to edit Master text styles</a:t>
+            </a:r>
+          </a:p>
+          <a:p>
+            <a:pPr lvl="1"/>
+            <a:r>
+              <a:rPr lang="en-US"/>
+              <a:t>Second level</a:t>
+            </a:r>
+          </a:p>
+          <a:p>
+            <a:pPr lvl="2"/>
+            <a:r>
+              <a:rPr lang="en-US"/>
+              <a:t>Third level</a:t>
+            </a:r>
+          </a:p>
+          <a:p>
+            <a:pPr lvl="3"/>
+            <a:r>
+              <a:rPr lang="en-US"/>
+              <a:t>Fourth level</a:t>
+            </a:r>
+          </a:p>
+          <a:p>
+            <a:pPr lvl="4"/>
+            <a:r>
+              <a:rPr lang="en-US"/>
+              <a:t>Fifth level</a:t>
+            </a:r>
+          </a:p>
+        </p:txBody>
+      </p:sp>
+      <p:sp>
+        <p:nvSpPr>
+          <p:cNvPr id="4" name="Date Placeholder 3"/>
+          <p:cNvSpPr>
+            <a:spLocks noGrp="1"/>
+          </p:cNvSpPr>
+          <p:nvPr>
+            <p:ph type="dt" sz="half" idx="2"/>
+          </p:nvPr>
+        </p:nvSpPr>
+        <p:spPr>
+          <a:xfrm>
+            <a:off x="609600" y="6356351"/>
+            <a:ext cx="2844800" cy="365125"/>
+          </a:xfrm>
+          <a:prstGeom prst="rect">
+            <a:avLst/>
+          </a:prstGeom>
+        </p:spPr>
+        <p:txBody>
+          <a:bodyPr vert="horz" lIns="91440" tIns="45720" rIns="91440" bIns="45720" rtlCol="0" anchor="ctr"/>
+          <a:lstStyle>
+            <a:lvl1pPr algn="l">
+              <a:defRPr sz="1200">
+                <a:solidFill>
+                  <a:schemeClr val="tx1">
+                    <a:tint val="75000"/>
+                  </a:schemeClr>
+                </a:solidFill>
+              </a:defRPr>
+            </a:lvl1pPr>
+          </a:lstStyle>
+          <a:p>
+            <a:fld id="{5BCAD085-E8A6-8845-BD4E-CB4CCA059FC4}" type="datetimeFigureOut">
+              <a:rPr lang="en-US" smtClean="0"/>
+              <a:t>1/8/2026</a:t>
+            </a:fld>
+            <a:endParaRPr lang="en-US"/>
+          </a:p>
+        </p:txBody>
+      </p:sp>
+      <p:sp>
+        <p:nvSpPr>
+          <p:cNvPr id="5" name="Footer Placeholder 4"/>
+          <p:cNvSpPr>
+            <a:spLocks noGrp="1"/>
+          </p:cNvSpPr>
+          <p:nvPr>
+            <p:ph type="ftr" sz="quarter" idx="3"/>
+          </p:nvPr>
+        </p:nvSpPr>
+        <p:spPr>
+          <a:xfrm>
+            <a:off x="4165600" y="6356351"/>
+            <a:ext cx="3860800" cy="365125"/>
+          </a:xfrm>
+          <a:prstGeom prst="rect">
+            <a:avLst/>
+          </a:prstGeom>
+        </p:spPr>
+        <p:txBody>
+          <a:bodyPr vert="horz" lIns="91440" tIns="45720" rIns="91440" bIns="45720" rtlCol="0" anchor="ctr"/>
+          <a:lstStyle>
+            <a:lvl1pPr algn="ctr">
+              <a:defRPr sz="1200">
+                <a:solidFill>
+                  <a:schemeClr val="tx1">
+                    <a:tint val="75000"/>
+                  </a:schemeClr>
+                </a:solidFill>
+              </a:defRPr>
+            </a:lvl1pPr>
+          </a:lstStyle>
+          <a:p>
+            <a:endParaRPr lang="en-US"/>
+          </a:p>
+        </p:txBody>
+      </p:sp>
+      <p:sp>
+        <p:nvSpPr>
+          <p:cNvPr id="6" name="Slide Number Placeholder 5"/>
+          <p:cNvSpPr>
+            <a:spLocks noGrp="1"/>
+          </p:cNvSpPr>
+          <p:nvPr>
+            <p:ph type="sldNum" sz="quarter" idx="4"/>
+          </p:nvPr>
+        </p:nvSpPr>
+        <p:spPr>
+          <a:xfrm>
+            <a:off x="8737600" y="6356351"/>
+            <a:ext cx="2844800" cy="365125"/>
+          </a:xfrm>
+          <a:prstGeom prst="rect">
+            <a:avLst/>
+          </a:prstGeom>
+        </p:spPr>
+        <p:txBody>
+          <a:bodyPr vert="horz" lIns="91440" tIns="45720" rIns="91440" bIns="45720" rtlCol="0" anchor="ctr"/>
+          <a:lstStyle>
+            <a:lvl1pPr algn="r">
+              <a:defRPr sz="1200">
+                <a:solidFill>
+                  <a:schemeClr val="tx1">
+                    <a:tint val="75000"/>
+                  </a:schemeClr>
+                </a:solidFill>
+              </a:defRPr>
+            </a:lvl1pPr>
+          </a:lstStyle>
+          <a:p>
+            <a:fld id="{C1FF6DA9-008F-8B48-92A6-B652298478BF}" type="slidenum">
+              <a:rPr lang="en-US" smtClean="0"/>
+              <a:t>‹#›</a:t>
+            </a:fld>
+            <a:endParaRPr lang="en-US"/>
+          </a:p>
+        </p:txBody>
+      </p:sp>
+    </p:spTree>
+    <p:extLst>
+      <p:ext uri="{BB962C8B-B14F-4D97-AF65-F5344CB8AC3E}">
+        <p14:creationId xmlns:p14="http://schemas.microsoft.com/office/powerpoint/2010/main" val="1301329756"/>
+      </p:ext>
+    </p:extLst>
+  </p:cSld>
+  <p:clrMap bg1="lt1" tx1="dk1" bg2="lt2" tx2="dk2" accent1="accent1" accent2="accent2" accent3="accent3" accent4="accent4" accent5="accent5" accent6="accent6" hlink="hlink" folHlink="folHlink"/>
+  <p:sldLayoutIdLst>
+    <p:sldLayoutId id="2147483661" r:id="rId1"/>
+    <p:sldLayoutId id="2147483662" r:id="rId2"/>
+    <p:sldLayoutId id="2147483663" r:id="rId3"/>
+    <p:sldLayoutId id="2147483664" r:id="rId4"/>
+    <p:sldLayoutId id="2147483665" r:id="rId5"/>
+    <p:sldLayoutId id="2147483666" r:id="rId6"/>
+    <p:sldLayoutId id="2147483667" r:id="rId7"/>
+    <p:sldLayoutId id="2147483668" r:id="rId8"/>
+    <p:sldLayoutId id="2147483669" r:id="rId9"/>
+    <p:sldLayoutId id="2147483670" r:id="rId10"/>
+    <p:sldLayoutId id="2147483671" r:id="rId11"/>
+  </p:sldLayoutIdLst>
+  <p:txStyles>
+    <p:titleStyle>
+      <a:lvl1pPr algn="ctr" defTabSz="457200" rtl="0" eaLnBrk="1" latinLnBrk="0" hangingPunct="1">
+        <a:spcBef>
+          <a:spcPct val="0"/>
+        </a:spcBef>
+        <a:buNone/>
+        <a:defRPr sz="4400" kern="1200">
+          <a:solidFill>
+            <a:schemeClr val="tx1"/>
+          </a:solidFill>
+          <a:latin typeface="+mj-lt"/>
+          <a:ea typeface="+mj-ea"/>
+          <a:cs typeface="+mj-cs"/>
+        </a:defRPr>
+      </a:lvl1pPr>
+    </p:titleStyle>
+    <p:bodyStyle>
+      <a:lvl1pPr marL="342900" indent="-342900" algn="l" defTabSz="457200" rtl="0" eaLnBrk="1" latinLnBrk="0" hangingPunct="1">
+        <a:spcBef>
+          <a:spcPct val="20000"/>
+        </a:spcBef>
+        <a:buFont typeface="Arial"/>
+        <a:buChar char="•"/>
+        <a:defRPr sz="3200" kern="1200">
+          <a:solidFill>
+            <a:schemeClr val="tx1"/>
+          </a:solidFill>
+          <a:latin typeface="+mn-lt"/>
+          <a:ea typeface="+mn-ea"/>
+          <a:cs typeface="+mn-cs"/>
+        </a:defRPr>
+      </a:lvl1pPr>
+      <a:lvl2pPr marL="742950" indent="-285750" algn="l" defTabSz="457200" rtl="0" eaLnBrk="1" latinLnBrk="0" hangingPunct="1">
+        <a:spcBef>
+          <a:spcPct val="20000"/>
+        </a:spcBef>
+        <a:buFont typeface="Arial"/>
+        <a:buChar char="–"/>
+        <a:defRPr sz="2800" kern="1200">
+          <a:solidFill>
+            <a:schemeClr val="tx1"/>
+          </a:solidFill>
+          <a:latin typeface="+mn-lt"/>
+          <a:ea typeface="+mn-ea"/>
+          <a:cs typeface="+mn-cs"/>
+        </a:defRPr>
+      </a:lvl2pPr>
+      <a:lvl3pPr marL="1143000" indent="-228600" algn="l" defTabSz="457200" rtl="0" eaLnBrk="1" latinLnBrk="0" hangingPunct="1">
+        <a:spcBef>
+          <a:spcPct val="20000"/>
+        </a:spcBef>
+        <a:buFont typeface="Arial"/>
+        <a:buChar char="•"/>
+        <a:defRPr sz="2400" kern="1200">
+          <a:solidFill>
+            <a:schemeClr val="tx1"/>
+          </a:solidFill>
+          <a:latin typeface="+mn-lt"/>
+          <a:ea typeface="+mn-ea"/>
+          <a:cs typeface="+mn-cs"/>
+        </a:defRPr>
+      </a:lvl3pPr>
+      <a:lvl4pPr marL="1600200" indent="-228600" algn="l" defTabSz="457200" rtl="0" eaLnBrk="1" latinLnBrk="0" hangingPunct="1">
+        <a:spcBef>
+          <a:spcPct val="20000"/>
+        </a:spcBef>
+        <a:buFont typeface="Arial"/>
+        <a:buChar char="–"/>
+        <a:defRPr sz="2000" kern="1200">
+          <a:solidFill>
+            <a:schemeClr val="tx1"/>
+          </a:solidFill>
+          <a:latin typeface="+mn-lt"/>
+          <a:ea typeface="+mn-ea"/>
+          <a:cs typeface="+mn-cs"/>
+        </a:defRPr>
+      </a:lvl4pPr>
+      <a:lvl5pPr marL="2057400" indent="-228600" algn="l" defTabSz="457200" rtl="0" eaLnBrk="1" latinLnBrk="0" hangingPunct="1">
+        <a:spcBef>
+          <a:spcPct val="20000"/>
+        </a:spcBef>
+        <a:buFont typeface="Arial"/>
+        <a:buChar char="»"/>
+        <a:defRPr sz="2000" kern="1200">
+          <a:solidFill>
+            <a:schemeClr val="tx1"/>
+          </a:solidFill>
+          <a:latin typeface="+mn-lt"/>
+          <a:ea typeface="+mn-ea"/>
+          <a:cs typeface="+mn-cs"/>
+        </a:defRPr>
+      </a:lvl5pPr>
+      <a:lvl6pPr marL="2514600" indent="-228600" algn="l" defTabSz="457200" rtl="0" eaLnBrk="1" latinLnBrk="0" hangingPunct="1">
+        <a:spcBef>
+          <a:spcPct val="20000"/>
+        </a:spcBef>
+        <a:buFont typeface="Arial"/>
+        <a:buChar char="•"/>
+        <a:defRPr sz="2000" kern="1200">
+          <a:solidFill>
+            <a:schemeClr val="tx1"/>
+          </a:solidFill>
+          <a:latin typeface="+mn-lt"/>
+          <a:ea typeface="+mn-ea"/>
+          <a:cs typeface="+mn-cs"/>
+        </a:defRPr>
+      </a:lvl6pPr>
+      <a:lvl7pPr marL="2971800" indent="-228600" algn="l" defTabSz="457200" rtl="0" eaLnBrk="1" latinLnBrk="0" hangingPunct="1">
+        <a:spcBef>
+          <a:spcPct val="20000"/>
+        </a:spcBef>
+        <a:buFont typeface="Arial"/>
+        <a:buChar char="•"/>
+        <a:defRPr sz="2000" kern="1200">
+          <a:solidFill>
+            <a:schemeClr val="tx1"/>
+          </a:solidFill>
+          <a:latin typeface="+mn-lt"/>
+          <a:ea typeface="+mn-ea"/>
+          <a:cs typeface="+mn-cs"/>
+        </a:defRPr>
+      </a:lvl7pPr>
+      <a:lvl8pPr marL="3429000" indent="-228600" algn="l" defTabSz="457200" rtl="0" eaLnBrk="1" latinLnBrk="0" hangingPunct="1">
+        <a:spcBef>
+          <a:spcPct val="20000"/>
+        </a:spcBef>
+        <a:buFont typeface="Arial"/>
+        <a:buChar char="•"/>
+        <a:defRPr sz="2000" kern="1200">
+          <a:solidFill>
+            <a:schemeClr val="tx1"/>
+          </a:solidFill>
+          <a:latin typeface="+mn-lt"/>
+          <a:ea typeface="+mn-ea"/>
+          <a:cs typeface="+mn-cs"/>
+        </a:defRPr>
+      </a:lvl8pPr>
+      <a:lvl9pPr marL="3886200" indent="-228600" algn="l" defTabSz="457200" rtl="0" eaLnBrk="1" latinLnBrk="0" hangingPunct="1">
+        <a:spcBef>
+          <a:spcPct val="20000"/>
+        </a:spcBef>
+        <a:buFont typeface="Arial"/>
+        <a:buChar char="•"/>
+        <a:defRPr sz="2000" kern="1200">
+          <a:solidFill>
+            <a:schemeClr val="tx1"/>
+          </a:solidFill>
+          <a:latin typeface="+mn-lt"/>
+          <a:ea typeface="+mn-ea"/>
+          <a:cs typeface="+mn-cs"/>
+        </a:defRPr>
+      </a:lvl9pPr>
+    </p:bodyStyle>
+    <p:otherStyle>
+      <a:defPPr>
+        <a:defRPr lang="en-US"/>
+      </a:defPPr>
+      <a:lvl1pPr marL="0" algn="l" defTabSz="457200" rtl="0" eaLnBrk="1" latinLnBrk="0" hangingPunct="1">
+        <a:defRPr sz="1800" kern="1200">
+          <a:solidFill>
+            <a:schemeClr val="tx1"/>
+          </a:solidFill>
+          <a:latin typeface="+mn-lt"/>
+          <a:ea typeface="+mn-ea"/>
+          <a:cs typeface="+mn-cs"/>
+        </a:defRPr>
+      </a:lvl1pPr>
+      <a:lvl2pPr marL="457200" algn="l" defTabSz="457200" rtl="0" eaLnBrk="1" latinLnBrk="0" hangingPunct="1">
+        <a:defRPr sz="1800" kern="1200">
+          <a:solidFill>
+            <a:schemeClr val="tx1"/>
+          </a:solidFill>
+          <a:latin typeface="+mn-lt"/>
+          <a:ea typeface="+mn-ea"/>
+          <a:cs typeface="+mn-cs"/>
+        </a:defRPr>
+      </a:lvl2pPr>
+      <a:lvl3pPr marL="914400" algn="l" defTabSz="457200" rtl="0" eaLnBrk="1" latinLnBrk="0" hangingPunct="1">
+        <a:defRPr sz="1800" kern="1200">
+          <a:solidFill>
+            <a:schemeClr val="tx1"/>
+          </a:solidFill>
+          <a:latin typeface="+mn-lt"/>
+          <a:ea typeface="+mn-ea"/>
+          <a:cs typeface="+mn-cs"/>
+        </a:defRPr>
+      </a:lvl3pPr>
+      <a:lvl4pPr marL="1371600" algn="l" defTabSz="457200" rtl="0" eaLnBrk="1" latinLnBrk="0" hangingPunct="1">
+        <a:defRPr sz="1800" kern="1200">
+          <a:solidFill>
+            <a:schemeClr val="tx1"/>
+          </a:solidFill>
+          <a:latin typeface="+mn-lt"/>
+          <a:ea typeface="+mn-ea"/>
+          <a:cs typeface="+mn-cs"/>
+        </a:defRPr>
+      </a:lvl4pPr>
+      <a:lvl5pPr marL="1828800" algn="l" defTabSz="457200" rtl="0" eaLnBrk="1" latinLnBrk="0" hangingPunct="1">
+        <a:defRPr sz="1800" kern="1200">
+          <a:solidFill>
+            <a:schemeClr val="tx1"/>
+          </a:solidFill>
+          <a:latin typeface="+mn-lt"/>
+          <a:ea typeface="+mn-ea"/>
+          <a:cs typeface="+mn-cs"/>
+        </a:defRPr>
+      </a:lvl5pPr>
+      <a:lvl6pPr marL="2286000" algn="l" defTabSz="457200" rtl="0" eaLnBrk="1" latinLnBrk="0" hangingPunct="1">
+        <a:defRPr sz="1800" kern="1200">
+          <a:solidFill>
+            <a:schemeClr val="tx1"/>
+          </a:solidFill>
+          <a:latin typeface="+mn-lt"/>
+          <a:ea typeface="+mn-ea"/>
+          <a:cs typeface="+mn-cs"/>
+        </a:defRPr>
+      </a:lvl6pPr>
+      <a:lvl7pPr marL="2743200" algn="l" defTabSz="457200" rtl="0" eaLnBrk="1" latinLnBrk="0" hangingPunct="1">
+        <a:defRPr sz="1800" kern="1200">
+          <a:solidFill>
+            <a:schemeClr val="tx1"/>
+          </a:solidFill>
+          <a:latin typeface="+mn-lt"/>
+          <a:ea typeface="+mn-ea"/>
+          <a:cs typeface="+mn-cs"/>
+        </a:defRPr>
+      </a:lvl7pPr>
+      <a:lvl8pPr marL="3200400" algn="l" defTabSz="457200" rtl="0" eaLnBrk="1" latinLnBrk="0" hangingPunct="1">
+        <a:defRPr sz="1800" kern="1200">
+          <a:solidFill>
+            <a:schemeClr val="tx1"/>
+          </a:solidFill>
+          <a:latin typeface="+mn-lt"/>
+          <a:ea typeface="+mn-ea"/>
+          <a:cs typeface="+mn-cs"/>
+        </a:defRPr>
+      </a:lvl8pPr>
+      <a:lvl9pPr marL="3657600" algn="l" defTabSz="457200" rtl="0" eaLnBrk="1" latinLnBrk="0" hangingPunct="1">
+        <a:defRPr sz="1800" kern="1200">
+          <a:solidFill>
+            <a:schemeClr val="tx1"/>
+          </a:solidFill>
+          <a:latin typeface="+mn-lt"/>
+          <a:ea typeface="+mn-ea"/>
+          <a:cs typeface="+mn-cs"/>
+        </a:defRPr>
+      </a:lvl9pPr>
+    </p:otherStyle>
+  </p:txStyles>
+</p:sldMaster>
+</file>
+
 <file path=ppt/slides/slide1.xml><?xml version="1.0" encoding="utf-8"?>
 <p:sld xmlns:a="http://schemas.openxmlformats.org/drawingml/2006/main" xmlns:r="http://schemas.openxmlformats.org/officeDocument/2006/relationships" xmlns:p="http://schemas.openxmlformats.org/presentationml/2006/main">
   <p:cSld>
@@ -2992,41 +5948,29 @@
           <a:bodyPr/>
           <a:lstStyle/>
           <a:p>
-            <a:endParaRPr lang="en-US" dirty="0" smtClean="0"/>
-          </a:p>
-          <a:p>
-            <a:endParaRPr lang="en-IN" sz="4800" b="1" dirty="0" smtClean="0"/>
+            <a:endParaRPr lang="en-US" dirty="0"/>
           </a:p>
           <a:p>
             <a:endParaRPr lang="en-IN" sz="4800" b="1" dirty="0"/>
           </a:p>
           <a:p>
-            <a:r>
-              <a:rPr lang="en-IN" sz="4800" b="1" dirty="0" smtClean="0"/>
-              <a:t>Grafana </a:t>
-            </a:r>
+            <a:endParaRPr lang="en-IN" sz="4800" b="1" dirty="0"/>
+          </a:p>
+          <a:p>
             <a:r>
               <a:rPr lang="en-IN" sz="4800" b="1" dirty="0"/>
-              <a:t>Monitoring </a:t>
-            </a:r>
-            <a:r>
-              <a:rPr lang="en-IN" sz="4800" b="1" dirty="0" smtClean="0"/>
-              <a:t>Solution</a:t>
-            </a:r>
-          </a:p>
-          <a:p>
-            <a:r>
-              <a:rPr lang="en-US" sz="2800" dirty="0" smtClean="0"/>
-              <a:t>Azure </a:t>
-            </a:r>
+              <a:t>Grafana Monitoring Solution</a:t>
+            </a:r>
+          </a:p>
+          <a:p>
             <a:r>
               <a:rPr lang="en-US" sz="2800" dirty="0"/>
-              <a:t>Bot &amp; Web App Monitoring with Loki and Promtail</a:t>
+              <a:t>Chatbot Monitoring with Loki and Promtail</a:t>
             </a:r>
             <a:endParaRPr lang="en-IN" sz="2800" b="1" dirty="0"/>
           </a:p>
           <a:p>
-            <a:endParaRPr lang="en-US" dirty="0" smtClean="0"/>
+            <a:endParaRPr lang="en-US" dirty="0"/>
           </a:p>
           <a:p>
             <a:r>
@@ -3072,35 +6016,704 @@
       </p:grpSpPr>
       <p:sp>
         <p:nvSpPr>
-          <p:cNvPr id="3" name="Subtitle 2"/>
-          <p:cNvSpPr>
-            <a:spLocks noGrp="1"/>
-          </p:cNvSpPr>
-          <p:nvPr>
-            <p:ph type="subTitle" idx="1"/>
-          </p:nvPr>
+          <p:cNvPr id="2" name="TextBox 1"/>
+          <p:cNvSpPr txBox="1"/>
+          <p:nvPr/>
         </p:nvSpPr>
         <p:spPr>
           <a:xfrm>
-            <a:off x="931817" y="383177"/>
-            <a:ext cx="9736183" cy="5765073"/>
-          </a:xfrm>
-        </p:spPr>
-        <p:txBody>
-          <a:bodyPr/>
-          <a:lstStyle/>
-          <a:p>
-            <a:endParaRPr lang="en-IN" dirty="0">
+            <a:off x="2438400" y="274321"/>
+            <a:ext cx="4159728" cy="584775"/>
+          </a:xfrm>
+          <a:prstGeom prst="rect">
+            <a:avLst/>
+          </a:prstGeom>
+          <a:noFill/>
+        </p:spPr>
+        <p:txBody>
+          <a:bodyPr wrap="none">
+            <a:spAutoFit/>
+          </a:bodyPr>
+          <a:lstStyle/>
+          <a:p>
+            <a:pPr algn="ctr" defTabSz="457200">
+              <a:defRPr sz="3200" b="1"/>
+            </a:pPr>
+            <a:r>
+              <a:rPr sz="3200" b="1" dirty="0">
+                <a:solidFill>
+                  <a:prstClr val="black"/>
+                </a:solidFill>
+                <a:latin typeface="Calibri"/>
+              </a:rPr>
+              <a:t>High-Level Architecture</a:t>
+            </a:r>
+          </a:p>
+        </p:txBody>
+      </p:sp>
+      <p:sp>
+        <p:nvSpPr>
+          <p:cNvPr id="3" name="Rectangle 2"/>
+          <p:cNvSpPr/>
+          <p:nvPr/>
+        </p:nvSpPr>
+        <p:spPr>
+          <a:xfrm>
+            <a:off x="1709546" y="2396940"/>
+            <a:ext cx="1766259" cy="522157"/>
+          </a:xfrm>
+          <a:prstGeom prst="rect">
+            <a:avLst/>
+          </a:prstGeom>
+          <a:solidFill>
+            <a:srgbClr val="0070C0"/>
+          </a:solidFill>
+        </p:spPr>
+        <p:style>
+          <a:lnRef idx="1">
+            <a:schemeClr val="accent1"/>
+          </a:lnRef>
+          <a:fillRef idx="3">
+            <a:schemeClr val="accent1"/>
+          </a:fillRef>
+          <a:effectRef idx="2">
+            <a:schemeClr val="accent1"/>
+          </a:effectRef>
+          <a:fontRef idx="minor">
+            <a:schemeClr val="lt1"/>
+          </a:fontRef>
+        </p:style>
+        <p:txBody>
+          <a:bodyPr rtlCol="0" anchor="ctr"/>
+          <a:lstStyle/>
+          <a:p>
+            <a:pPr defTabSz="457200">
+              <a:defRPr sz="1400" b="1"/>
+            </a:pPr>
+            <a:r>
+              <a:rPr sz="1400" b="1" dirty="0">
+                <a:solidFill>
+                  <a:prstClr val="white"/>
+                </a:solidFill>
+                <a:latin typeface="Calibri"/>
+              </a:rPr>
+              <a:t>Azure Bot Service</a:t>
+            </a:r>
+          </a:p>
+          <a:p>
+            <a:pPr defTabSz="457200"/>
+            <a:r>
+              <a:rPr sz="1000" dirty="0">
+                <a:solidFill>
+                  <a:prstClr val="white"/>
+                </a:solidFill>
+                <a:latin typeface="Calibri"/>
+              </a:rPr>
+              <a:t>Application Logs</a:t>
+            </a:r>
+          </a:p>
+        </p:txBody>
+      </p:sp>
+      <p:sp>
+        <p:nvSpPr>
+          <p:cNvPr id="4" name="Rectangle 3"/>
+          <p:cNvSpPr/>
+          <p:nvPr/>
+        </p:nvSpPr>
+        <p:spPr>
+          <a:xfrm>
+            <a:off x="1742019" y="3106697"/>
+            <a:ext cx="1759305" cy="562141"/>
+          </a:xfrm>
+          <a:prstGeom prst="rect">
+            <a:avLst/>
+          </a:prstGeom>
+          <a:solidFill>
+            <a:srgbClr val="0070C0"/>
+          </a:solidFill>
+        </p:spPr>
+        <p:style>
+          <a:lnRef idx="1">
+            <a:schemeClr val="accent1"/>
+          </a:lnRef>
+          <a:fillRef idx="3">
+            <a:schemeClr val="accent1"/>
+          </a:fillRef>
+          <a:effectRef idx="2">
+            <a:schemeClr val="accent1"/>
+          </a:effectRef>
+          <a:fontRef idx="minor">
+            <a:schemeClr val="lt1"/>
+          </a:fontRef>
+        </p:style>
+        <p:txBody>
+          <a:bodyPr rtlCol="0" anchor="ctr"/>
+          <a:lstStyle/>
+          <a:p>
+            <a:pPr defTabSz="457200">
+              <a:defRPr sz="1400" b="1"/>
+            </a:pPr>
+            <a:r>
+              <a:rPr sz="1400" b="1" dirty="0">
+                <a:solidFill>
+                  <a:prstClr val="white"/>
+                </a:solidFill>
+                <a:latin typeface="Calibri"/>
+              </a:rPr>
+              <a:t>Azure Web App</a:t>
+            </a:r>
+          </a:p>
+          <a:p>
+            <a:pPr defTabSz="457200"/>
+            <a:r>
+              <a:rPr sz="1000" dirty="0">
+                <a:solidFill>
+                  <a:prstClr val="white"/>
+                </a:solidFill>
+                <a:latin typeface="Calibri"/>
+              </a:rPr>
+              <a:t>Application Logs</a:t>
+            </a:r>
+          </a:p>
+        </p:txBody>
+      </p:sp>
+      <p:sp>
+        <p:nvSpPr>
+          <p:cNvPr id="5" name="Rectangle 4"/>
+          <p:cNvSpPr/>
+          <p:nvPr/>
+        </p:nvSpPr>
+        <p:spPr>
+          <a:xfrm>
+            <a:off x="4322232" y="2633134"/>
+            <a:ext cx="1596327" cy="693394"/>
+          </a:xfrm>
+          <a:prstGeom prst="rect">
+            <a:avLst/>
+          </a:prstGeom>
+          <a:solidFill>
+            <a:srgbClr val="ED7D31"/>
+          </a:solidFill>
+        </p:spPr>
+        <p:style>
+          <a:lnRef idx="1">
+            <a:schemeClr val="accent1"/>
+          </a:lnRef>
+          <a:fillRef idx="3">
+            <a:schemeClr val="accent1"/>
+          </a:fillRef>
+          <a:effectRef idx="2">
+            <a:schemeClr val="accent1"/>
+          </a:effectRef>
+          <a:fontRef idx="minor">
+            <a:schemeClr val="lt1"/>
+          </a:fontRef>
+        </p:style>
+        <p:txBody>
+          <a:bodyPr rtlCol="0" anchor="ctr"/>
+          <a:lstStyle/>
+          <a:p>
+            <a:pPr defTabSz="457200">
+              <a:defRPr sz="1400" b="1"/>
+            </a:pPr>
+            <a:r>
+              <a:rPr sz="1400" b="1" dirty="0" err="1">
+                <a:solidFill>
+                  <a:prstClr val="white"/>
+                </a:solidFill>
+                <a:latin typeface="Calibri"/>
+              </a:rPr>
+              <a:t>Promtail</a:t>
+            </a:r>
+            <a:endParaRPr sz="1400" b="1" dirty="0">
               <a:solidFill>
-                <a:schemeClr val="tx2"/>
+                <a:prstClr val="white"/>
               </a:solidFill>
+              <a:latin typeface="Calibri"/>
             </a:endParaRPr>
           </a:p>
-        </p:txBody>
-      </p:sp>
+          <a:p>
+            <a:pPr defTabSz="457200"/>
+            <a:r>
+              <a:rPr sz="1000" dirty="0">
+                <a:solidFill>
+                  <a:prstClr val="white"/>
+                </a:solidFill>
+                <a:latin typeface="Calibri"/>
+              </a:rPr>
+              <a:t>Log Collector &amp; Shipper</a:t>
+            </a:r>
+          </a:p>
+        </p:txBody>
+      </p:sp>
+      <p:sp>
+        <p:nvSpPr>
+          <p:cNvPr id="6" name="Rectangle 5"/>
+          <p:cNvSpPr/>
+          <p:nvPr/>
+        </p:nvSpPr>
+        <p:spPr>
+          <a:xfrm>
+            <a:off x="6739467" y="2633134"/>
+            <a:ext cx="1596327" cy="672207"/>
+          </a:xfrm>
+          <a:prstGeom prst="rect">
+            <a:avLst/>
+          </a:prstGeom>
+          <a:solidFill>
+            <a:srgbClr val="ED7D31"/>
+          </a:solidFill>
+        </p:spPr>
+        <p:style>
+          <a:lnRef idx="1">
+            <a:schemeClr val="accent1"/>
+          </a:lnRef>
+          <a:fillRef idx="3">
+            <a:schemeClr val="accent1"/>
+          </a:fillRef>
+          <a:effectRef idx="2">
+            <a:schemeClr val="accent1"/>
+          </a:effectRef>
+          <a:fontRef idx="minor">
+            <a:schemeClr val="lt1"/>
+          </a:fontRef>
+        </p:style>
+        <p:txBody>
+          <a:bodyPr rtlCol="0" anchor="ctr"/>
+          <a:lstStyle/>
+          <a:p>
+            <a:pPr defTabSz="457200">
+              <a:defRPr sz="1400" b="1"/>
+            </a:pPr>
+            <a:r>
+              <a:rPr sz="1400" b="1" dirty="0">
+                <a:solidFill>
+                  <a:prstClr val="white"/>
+                </a:solidFill>
+                <a:latin typeface="Calibri"/>
+              </a:rPr>
+              <a:t>Loki</a:t>
+            </a:r>
+          </a:p>
+          <a:p>
+            <a:pPr defTabSz="457200"/>
+            <a:r>
+              <a:rPr sz="1000" dirty="0">
+                <a:solidFill>
+                  <a:prstClr val="white"/>
+                </a:solidFill>
+                <a:latin typeface="Calibri"/>
+              </a:rPr>
+              <a:t>Log Aggregation Storage</a:t>
+            </a:r>
+          </a:p>
+        </p:txBody>
+      </p:sp>
+      <p:sp>
+        <p:nvSpPr>
+          <p:cNvPr id="7" name="Rectangle 6"/>
+          <p:cNvSpPr/>
+          <p:nvPr/>
+        </p:nvSpPr>
+        <p:spPr>
+          <a:xfrm>
+            <a:off x="4326099" y="3841230"/>
+            <a:ext cx="1615206" cy="693393"/>
+          </a:xfrm>
+          <a:prstGeom prst="rect">
+            <a:avLst/>
+          </a:prstGeom>
+          <a:solidFill>
+            <a:srgbClr val="ED7D31"/>
+          </a:solidFill>
+        </p:spPr>
+        <p:style>
+          <a:lnRef idx="1">
+            <a:schemeClr val="accent1"/>
+          </a:lnRef>
+          <a:fillRef idx="3">
+            <a:schemeClr val="accent1"/>
+          </a:fillRef>
+          <a:effectRef idx="2">
+            <a:schemeClr val="accent1"/>
+          </a:effectRef>
+          <a:fontRef idx="minor">
+            <a:schemeClr val="lt1"/>
+          </a:fontRef>
+        </p:style>
+        <p:txBody>
+          <a:bodyPr rtlCol="0" anchor="ctr"/>
+          <a:lstStyle/>
+          <a:p>
+            <a:pPr defTabSz="457200"/>
+            <a:r>
+              <a:rPr sz="1400" b="1" dirty="0">
+                <a:solidFill>
+                  <a:prstClr val="white"/>
+                </a:solidFill>
+                <a:latin typeface="Calibri"/>
+              </a:rPr>
+              <a:t>Azure Monitor</a:t>
+            </a:r>
+          </a:p>
+          <a:p>
+            <a:pPr defTabSz="457200"/>
+            <a:r>
+              <a:rPr sz="1000" b="1" dirty="0">
+                <a:solidFill>
+                  <a:prstClr val="white"/>
+                </a:solidFill>
+                <a:latin typeface="Calibri"/>
+              </a:rPr>
+              <a:t>Metrics API</a:t>
+            </a:r>
+          </a:p>
+        </p:txBody>
+      </p:sp>
+      <p:sp>
+        <p:nvSpPr>
+          <p:cNvPr id="8" name="Rectangle 7"/>
+          <p:cNvSpPr/>
+          <p:nvPr/>
+        </p:nvSpPr>
+        <p:spPr>
+          <a:xfrm>
+            <a:off x="6757742" y="3877733"/>
+            <a:ext cx="1578052" cy="672207"/>
+          </a:xfrm>
+          <a:prstGeom prst="rect">
+            <a:avLst/>
+          </a:prstGeom>
+          <a:solidFill>
+            <a:srgbClr val="ED7D31"/>
+          </a:solidFill>
+        </p:spPr>
+        <p:style>
+          <a:lnRef idx="1">
+            <a:schemeClr val="accent1"/>
+          </a:lnRef>
+          <a:fillRef idx="3">
+            <a:schemeClr val="accent1"/>
+          </a:fillRef>
+          <a:effectRef idx="2">
+            <a:schemeClr val="accent1"/>
+          </a:effectRef>
+          <a:fontRef idx="minor">
+            <a:schemeClr val="lt1"/>
+          </a:fontRef>
+        </p:style>
+        <p:txBody>
+          <a:bodyPr rtlCol="0" anchor="ctr"/>
+          <a:lstStyle/>
+          <a:p>
+            <a:pPr defTabSz="457200">
+              <a:defRPr sz="1400" b="1"/>
+            </a:pPr>
+            <a:r>
+              <a:rPr sz="1400" b="1" dirty="0">
+                <a:solidFill>
+                  <a:prstClr val="white"/>
+                </a:solidFill>
+                <a:latin typeface="Calibri"/>
+              </a:rPr>
+              <a:t>Grafana</a:t>
+            </a:r>
+          </a:p>
+          <a:p>
+            <a:pPr defTabSz="457200"/>
+            <a:r>
+              <a:rPr sz="1000" dirty="0">
+                <a:solidFill>
+                  <a:prstClr val="white"/>
+                </a:solidFill>
+                <a:latin typeface="Calibri"/>
+              </a:rPr>
+              <a:t>Visualization &amp; Dashboards</a:t>
+            </a:r>
+          </a:p>
+        </p:txBody>
+      </p:sp>
+      <p:cxnSp>
+        <p:nvCxnSpPr>
+          <p:cNvPr id="10" name="Straight Arrow Connector 9">
+            <a:extLst>
+              <a:ext uri="{FF2B5EF4-FFF2-40B4-BE49-F238E27FC236}">
+                <a16:creationId xmlns:a16="http://schemas.microsoft.com/office/drawing/2014/main" id="{51673CE6-4D5E-4065-AB1F-57129065C513}"/>
+              </a:ext>
+            </a:extLst>
+          </p:cNvPr>
+          <p:cNvCxnSpPr>
+            <a:cxnSpLocks/>
+            <a:stCxn id="3" idx="3"/>
+            <a:endCxn id="5" idx="1"/>
+          </p:cNvCxnSpPr>
+          <p:nvPr/>
+        </p:nvCxnSpPr>
+        <p:spPr>
+          <a:xfrm>
+            <a:off x="3475805" y="2658019"/>
+            <a:ext cx="846427" cy="321812"/>
+          </a:xfrm>
+          <a:prstGeom prst="straightConnector1">
+            <a:avLst/>
+          </a:prstGeom>
+          <a:ln>
+            <a:tailEnd type="triangle"/>
+          </a:ln>
+        </p:spPr>
+        <p:style>
+          <a:lnRef idx="2">
+            <a:schemeClr val="dk1"/>
+          </a:lnRef>
+          <a:fillRef idx="0">
+            <a:schemeClr val="dk1"/>
+          </a:fillRef>
+          <a:effectRef idx="1">
+            <a:schemeClr val="dk1"/>
+          </a:effectRef>
+          <a:fontRef idx="minor">
+            <a:schemeClr val="tx1"/>
+          </a:fontRef>
+        </p:style>
+      </p:cxnSp>
+      <p:cxnSp>
+        <p:nvCxnSpPr>
+          <p:cNvPr id="12" name="Straight Arrow Connector 11">
+            <a:extLst>
+              <a:ext uri="{FF2B5EF4-FFF2-40B4-BE49-F238E27FC236}">
+                <a16:creationId xmlns:a16="http://schemas.microsoft.com/office/drawing/2014/main" id="{CFEFE8EC-3599-4ED1-B2B1-EE7BE62239BF}"/>
+              </a:ext>
+            </a:extLst>
+          </p:cNvPr>
+          <p:cNvCxnSpPr>
+            <a:cxnSpLocks/>
+          </p:cNvCxnSpPr>
+          <p:nvPr/>
+        </p:nvCxnSpPr>
+        <p:spPr>
+          <a:xfrm flipV="1">
+            <a:off x="3488565" y="3090094"/>
+            <a:ext cx="833667" cy="331313"/>
+          </a:xfrm>
+          <a:prstGeom prst="straightConnector1">
+            <a:avLst/>
+          </a:prstGeom>
+          <a:ln>
+            <a:tailEnd type="triangle"/>
+          </a:ln>
+        </p:spPr>
+        <p:style>
+          <a:lnRef idx="2">
+            <a:schemeClr val="dk1"/>
+          </a:lnRef>
+          <a:fillRef idx="0">
+            <a:schemeClr val="dk1"/>
+          </a:fillRef>
+          <a:effectRef idx="1">
+            <a:schemeClr val="dk1"/>
+          </a:effectRef>
+          <a:fontRef idx="minor">
+            <a:schemeClr val="tx1"/>
+          </a:fontRef>
+        </p:style>
+      </p:cxnSp>
+      <p:cxnSp>
+        <p:nvCxnSpPr>
+          <p:cNvPr id="14" name="Straight Arrow Connector 13">
+            <a:extLst>
+              <a:ext uri="{FF2B5EF4-FFF2-40B4-BE49-F238E27FC236}">
+                <a16:creationId xmlns:a16="http://schemas.microsoft.com/office/drawing/2014/main" id="{AC821A01-8D5A-4E54-B4A5-6B06390DACF7}"/>
+              </a:ext>
+            </a:extLst>
+          </p:cNvPr>
+          <p:cNvCxnSpPr>
+            <a:cxnSpLocks/>
+          </p:cNvCxnSpPr>
+          <p:nvPr/>
+        </p:nvCxnSpPr>
+        <p:spPr>
+          <a:xfrm flipV="1">
+            <a:off x="5918559" y="2989754"/>
+            <a:ext cx="820908" cy="1"/>
+          </a:xfrm>
+          <a:prstGeom prst="straightConnector1">
+            <a:avLst/>
+          </a:prstGeom>
+          <a:ln>
+            <a:tailEnd type="triangle"/>
+          </a:ln>
+        </p:spPr>
+        <p:style>
+          <a:lnRef idx="2">
+            <a:schemeClr val="dk1"/>
+          </a:lnRef>
+          <a:fillRef idx="0">
+            <a:schemeClr val="dk1"/>
+          </a:fillRef>
+          <a:effectRef idx="1">
+            <a:schemeClr val="dk1"/>
+          </a:effectRef>
+          <a:fontRef idx="minor">
+            <a:schemeClr val="tx1"/>
+          </a:fontRef>
+        </p:style>
+      </p:cxnSp>
+      <p:sp>
+        <p:nvSpPr>
+          <p:cNvPr id="22" name="TextBox 21">
+            <a:extLst>
+              <a:ext uri="{FF2B5EF4-FFF2-40B4-BE49-F238E27FC236}">
+                <a16:creationId xmlns:a16="http://schemas.microsoft.com/office/drawing/2014/main" id="{9BAAE51E-2AC8-4779-939B-CD2341BB7CCB}"/>
+              </a:ext>
+            </a:extLst>
+          </p:cNvPr>
+          <p:cNvSpPr txBox="1"/>
+          <p:nvPr/>
+        </p:nvSpPr>
+        <p:spPr>
+          <a:xfrm>
+            <a:off x="3723329" y="2579685"/>
+            <a:ext cx="351378" cy="215444"/>
+          </a:xfrm>
+          <a:prstGeom prst="rect">
+            <a:avLst/>
+          </a:prstGeom>
+          <a:noFill/>
+        </p:spPr>
+        <p:txBody>
+          <a:bodyPr wrap="none" rtlCol="0">
+            <a:spAutoFit/>
+          </a:bodyPr>
+          <a:lstStyle/>
+          <a:p>
+            <a:r>
+              <a:rPr lang="en-US" sz="800" dirty="0"/>
+              <a:t>logs</a:t>
+            </a:r>
+          </a:p>
+        </p:txBody>
+      </p:sp>
+      <p:sp>
+        <p:nvSpPr>
+          <p:cNvPr id="27" name="TextBox 26">
+            <a:extLst>
+              <a:ext uri="{FF2B5EF4-FFF2-40B4-BE49-F238E27FC236}">
+                <a16:creationId xmlns:a16="http://schemas.microsoft.com/office/drawing/2014/main" id="{3C5AE9C2-188D-4BC8-A074-4C659585E4DC}"/>
+              </a:ext>
+            </a:extLst>
+          </p:cNvPr>
+          <p:cNvSpPr txBox="1"/>
+          <p:nvPr/>
+        </p:nvSpPr>
+        <p:spPr>
+          <a:xfrm>
+            <a:off x="3707292" y="3280045"/>
+            <a:ext cx="351378" cy="215444"/>
+          </a:xfrm>
+          <a:prstGeom prst="rect">
+            <a:avLst/>
+          </a:prstGeom>
+          <a:noFill/>
+        </p:spPr>
+        <p:txBody>
+          <a:bodyPr wrap="none" rtlCol="0">
+            <a:spAutoFit/>
+          </a:bodyPr>
+          <a:lstStyle/>
+          <a:p>
+            <a:r>
+              <a:rPr lang="en-US" sz="800" dirty="0"/>
+              <a:t>logs</a:t>
+            </a:r>
+          </a:p>
+        </p:txBody>
+      </p:sp>
+      <p:sp>
+        <p:nvSpPr>
+          <p:cNvPr id="43" name="TextBox 42">
+            <a:extLst>
+              <a:ext uri="{FF2B5EF4-FFF2-40B4-BE49-F238E27FC236}">
+                <a16:creationId xmlns:a16="http://schemas.microsoft.com/office/drawing/2014/main" id="{50B473DC-32B3-4783-98B9-5A91190C813B}"/>
+              </a:ext>
+            </a:extLst>
+          </p:cNvPr>
+          <p:cNvSpPr txBox="1"/>
+          <p:nvPr/>
+        </p:nvSpPr>
+        <p:spPr>
+          <a:xfrm>
+            <a:off x="6096000" y="2730866"/>
+            <a:ext cx="435213" cy="215444"/>
+          </a:xfrm>
+          <a:prstGeom prst="rect">
+            <a:avLst/>
+          </a:prstGeom>
+          <a:noFill/>
+        </p:spPr>
+        <p:txBody>
+          <a:bodyPr wrap="square" rtlCol="0">
+            <a:spAutoFit/>
+          </a:bodyPr>
+          <a:lstStyle/>
+          <a:p>
+            <a:r>
+              <a:rPr lang="en-US" sz="800" dirty="0"/>
+              <a:t>push</a:t>
+            </a:r>
+          </a:p>
+        </p:txBody>
+      </p:sp>
+      <p:cxnSp>
+        <p:nvCxnSpPr>
+          <p:cNvPr id="45" name="Straight Arrow Connector 44">
+            <a:extLst>
+              <a:ext uri="{FF2B5EF4-FFF2-40B4-BE49-F238E27FC236}">
+                <a16:creationId xmlns:a16="http://schemas.microsoft.com/office/drawing/2014/main" id="{AF3C8FAB-ACD7-4199-9464-26CEB4391D08}"/>
+              </a:ext>
+            </a:extLst>
+          </p:cNvPr>
+          <p:cNvCxnSpPr>
+            <a:cxnSpLocks/>
+            <a:stCxn id="6" idx="2"/>
+          </p:cNvCxnSpPr>
+          <p:nvPr/>
+        </p:nvCxnSpPr>
+        <p:spPr>
+          <a:xfrm>
+            <a:off x="7537631" y="3305341"/>
+            <a:ext cx="0" cy="572392"/>
+          </a:xfrm>
+          <a:prstGeom prst="straightConnector1">
+            <a:avLst/>
+          </a:prstGeom>
+          <a:ln>
+            <a:tailEnd type="triangle"/>
+          </a:ln>
+        </p:spPr>
+        <p:style>
+          <a:lnRef idx="2">
+            <a:schemeClr val="dk1"/>
+          </a:lnRef>
+          <a:fillRef idx="0">
+            <a:schemeClr val="dk1"/>
+          </a:fillRef>
+          <a:effectRef idx="1">
+            <a:schemeClr val="dk1"/>
+          </a:effectRef>
+          <a:fontRef idx="minor">
+            <a:schemeClr val="tx1"/>
+          </a:fontRef>
+        </p:style>
+      </p:cxnSp>
       <p:pic>
         <p:nvPicPr>
-          <p:cNvPr id="2" name="Picture 1"/>
+          <p:cNvPr id="49" name="Picture 48">
+            <a:extLst>
+              <a:ext uri="{FF2B5EF4-FFF2-40B4-BE49-F238E27FC236}">
+                <a16:creationId xmlns:a16="http://schemas.microsoft.com/office/drawing/2014/main" id="{FE965CF4-2479-40AB-B3B2-3D27F5D95A36}"/>
+              </a:ext>
+            </a:extLst>
+          </p:cNvPr>
           <p:cNvPicPr>
             <a:picLocks noChangeAspect="1"/>
           </p:cNvPicPr>
@@ -3114,20 +6727,203 @@
         </p:blipFill>
         <p:spPr>
           <a:xfrm>
-            <a:off x="2429691" y="1081836"/>
-            <a:ext cx="6668849" cy="4694327"/>
+            <a:off x="8936509" y="4009020"/>
+            <a:ext cx="562053" cy="409632"/>
           </a:xfrm>
           <a:prstGeom prst="rect">
             <a:avLst/>
           </a:prstGeom>
         </p:spPr>
       </p:pic>
+      <p:sp>
+        <p:nvSpPr>
+          <p:cNvPr id="52" name="TextBox 51">
+            <a:extLst>
+              <a:ext uri="{FF2B5EF4-FFF2-40B4-BE49-F238E27FC236}">
+                <a16:creationId xmlns:a16="http://schemas.microsoft.com/office/drawing/2014/main" id="{24973676-9F72-4AE4-8164-C4E523892365}"/>
+              </a:ext>
+            </a:extLst>
+          </p:cNvPr>
+          <p:cNvSpPr txBox="1"/>
+          <p:nvPr/>
+        </p:nvSpPr>
+        <p:spPr>
+          <a:xfrm>
+            <a:off x="7546768" y="3444938"/>
+            <a:ext cx="426720" cy="215444"/>
+          </a:xfrm>
+          <a:prstGeom prst="rect">
+            <a:avLst/>
+          </a:prstGeom>
+          <a:noFill/>
+        </p:spPr>
+        <p:txBody>
+          <a:bodyPr wrap="square" rtlCol="0">
+            <a:spAutoFit/>
+          </a:bodyPr>
+          <a:lstStyle/>
+          <a:p>
+            <a:r>
+              <a:rPr lang="en-US" sz="800" dirty="0"/>
+              <a:t>query</a:t>
+            </a:r>
+          </a:p>
+        </p:txBody>
+      </p:sp>
+      <p:sp>
+        <p:nvSpPr>
+          <p:cNvPr id="53" name="TextBox 52">
+            <a:extLst>
+              <a:ext uri="{FF2B5EF4-FFF2-40B4-BE49-F238E27FC236}">
+                <a16:creationId xmlns:a16="http://schemas.microsoft.com/office/drawing/2014/main" id="{D0D527A3-6E32-493B-BB15-7AF3E9487EAC}"/>
+              </a:ext>
+            </a:extLst>
+          </p:cNvPr>
+          <p:cNvSpPr txBox="1"/>
+          <p:nvPr/>
+        </p:nvSpPr>
+        <p:spPr>
+          <a:xfrm>
+            <a:off x="6100264" y="4248832"/>
+            <a:ext cx="494046" cy="215444"/>
+          </a:xfrm>
+          <a:prstGeom prst="rect">
+            <a:avLst/>
+          </a:prstGeom>
+          <a:noFill/>
+        </p:spPr>
+        <p:txBody>
+          <a:bodyPr wrap="none" rtlCol="0">
+            <a:spAutoFit/>
+          </a:bodyPr>
+          <a:lstStyle/>
+          <a:p>
+            <a:r>
+              <a:rPr lang="en-US" sz="800" dirty="0"/>
+              <a:t>metrics</a:t>
+            </a:r>
+          </a:p>
+        </p:txBody>
+      </p:sp>
+      <p:sp>
+        <p:nvSpPr>
+          <p:cNvPr id="54" name="TextBox 53">
+            <a:extLst>
+              <a:ext uri="{FF2B5EF4-FFF2-40B4-BE49-F238E27FC236}">
+                <a16:creationId xmlns:a16="http://schemas.microsoft.com/office/drawing/2014/main" id="{753B9116-D93C-4886-AD57-C0C63685E281}"/>
+              </a:ext>
+            </a:extLst>
+          </p:cNvPr>
+          <p:cNvSpPr txBox="1"/>
+          <p:nvPr/>
+        </p:nvSpPr>
+        <p:spPr>
+          <a:xfrm>
+            <a:off x="8446035" y="4248832"/>
+            <a:ext cx="380232" cy="215444"/>
+          </a:xfrm>
+          <a:prstGeom prst="rect">
+            <a:avLst/>
+          </a:prstGeom>
+          <a:noFill/>
+        </p:spPr>
+        <p:txBody>
+          <a:bodyPr wrap="none" rtlCol="0">
+            <a:spAutoFit/>
+          </a:bodyPr>
+          <a:lstStyle/>
+          <a:p>
+            <a:r>
+              <a:rPr lang="en-US" sz="800" dirty="0"/>
+              <a:t>view</a:t>
+            </a:r>
+          </a:p>
+        </p:txBody>
+      </p:sp>
+      <p:cxnSp>
+        <p:nvCxnSpPr>
+          <p:cNvPr id="92" name="Straight Arrow Connector 91">
+            <a:extLst>
+              <a:ext uri="{FF2B5EF4-FFF2-40B4-BE49-F238E27FC236}">
+                <a16:creationId xmlns:a16="http://schemas.microsoft.com/office/drawing/2014/main" id="{6C85C896-9007-4BD3-AE38-A095C1D7724E}"/>
+              </a:ext>
+            </a:extLst>
+          </p:cNvPr>
+          <p:cNvCxnSpPr>
+            <a:cxnSpLocks/>
+          </p:cNvCxnSpPr>
+          <p:nvPr/>
+        </p:nvCxnSpPr>
+        <p:spPr>
+          <a:xfrm flipV="1">
+            <a:off x="5936833" y="4213836"/>
+            <a:ext cx="820908" cy="1"/>
+          </a:xfrm>
+          <a:prstGeom prst="straightConnector1">
+            <a:avLst/>
+          </a:prstGeom>
+          <a:ln>
+            <a:tailEnd type="triangle"/>
+          </a:ln>
+        </p:spPr>
+        <p:style>
+          <a:lnRef idx="2">
+            <a:schemeClr val="dk1"/>
+          </a:lnRef>
+          <a:fillRef idx="0">
+            <a:schemeClr val="dk1"/>
+          </a:fillRef>
+          <a:effectRef idx="1">
+            <a:schemeClr val="dk1"/>
+          </a:effectRef>
+          <a:fontRef idx="minor">
+            <a:schemeClr val="tx1"/>
+          </a:fontRef>
+        </p:style>
+      </p:cxnSp>
+      <p:cxnSp>
+        <p:nvCxnSpPr>
+          <p:cNvPr id="97" name="Straight Arrow Connector 96">
+            <a:extLst>
+              <a:ext uri="{FF2B5EF4-FFF2-40B4-BE49-F238E27FC236}">
+                <a16:creationId xmlns:a16="http://schemas.microsoft.com/office/drawing/2014/main" id="{A4437C12-761C-4CA9-9DB3-F81C1DF6F4DC}"/>
+              </a:ext>
+            </a:extLst>
+          </p:cNvPr>
+          <p:cNvCxnSpPr>
+            <a:cxnSpLocks/>
+            <a:endCxn id="49" idx="1"/>
+          </p:cNvCxnSpPr>
+          <p:nvPr/>
+        </p:nvCxnSpPr>
+        <p:spPr>
+          <a:xfrm flipV="1">
+            <a:off x="8334138" y="4213836"/>
+            <a:ext cx="602371" cy="2"/>
+          </a:xfrm>
+          <a:prstGeom prst="straightConnector1">
+            <a:avLst/>
+          </a:prstGeom>
+          <a:ln>
+            <a:tailEnd type="triangle"/>
+          </a:ln>
+        </p:spPr>
+        <p:style>
+          <a:lnRef idx="2">
+            <a:schemeClr val="dk1"/>
+          </a:lnRef>
+          <a:fillRef idx="0">
+            <a:schemeClr val="dk1"/>
+          </a:fillRef>
+          <a:effectRef idx="1">
+            <a:schemeClr val="dk1"/>
+          </a:effectRef>
+          <a:fontRef idx="minor">
+            <a:schemeClr val="tx1"/>
+          </a:fontRef>
+        </p:style>
+      </p:cxnSp>
     </p:spTree>
-    <p:extLst>
-      <p:ext uri="{BB962C8B-B14F-4D97-AF65-F5344CB8AC3E}">
-        <p14:creationId xmlns:p14="http://schemas.microsoft.com/office/powerpoint/2010/main" val="2963556895"/>
-      </p:ext>
-    </p:extLst>
   </p:cSld>
   <p:clrMapOvr>
     <a:masterClrMapping/>
@@ -3180,7 +6976,7 @@
               <a:buFont typeface="Wingdings" panose="05000000000000000000" pitchFamily="2" charset="2"/>
               <a:buChar char="§"/>
             </a:pPr>
-            <a:endParaRPr lang="en-US" sz="1800" b="0" i="0" dirty="0" smtClean="0">
+            <a:endParaRPr lang="en-US" sz="1800" b="0" i="0" dirty="0">
               <a:solidFill>
                 <a:srgbClr val="374151"/>
               </a:solidFill>
@@ -3190,7 +6986,7 @@
           </a:p>
           <a:p>
             <a:pPr algn="l"/>
-            <a:endParaRPr lang="en-IN" sz="3200" b="1" dirty="0" smtClean="0"/>
+            <a:endParaRPr lang="en-IN" sz="3200" b="1" dirty="0"/>
           </a:p>
           <a:p>
             <a:endParaRPr lang="en-IN" dirty="0"/>
@@ -3467,36 +7263,1025 @@
           <a:chExt cx="0" cy="0"/>
         </a:xfrm>
       </p:grpSpPr>
-      <p:pic>
-        <p:nvPicPr>
-          <p:cNvPr id="2" name="Picture 1"/>
-          <p:cNvPicPr>
-            <a:picLocks noChangeAspect="1"/>
-          </p:cNvPicPr>
+      <p:sp>
+        <p:nvSpPr>
+          <p:cNvPr id="2" name="TextBox 1"/>
+          <p:cNvSpPr txBox="1"/>
           <p:nvPr/>
-        </p:nvPicPr>
-        <p:blipFill>
-          <a:blip r:embed="rId2"/>
-          <a:stretch>
-            <a:fillRect/>
-          </a:stretch>
-        </p:blipFill>
+        </p:nvSpPr>
         <p:spPr>
           <a:xfrm>
-            <a:off x="3040115" y="323581"/>
-            <a:ext cx="6111770" cy="6210838"/>
+            <a:off x="2255520" y="274321"/>
+            <a:ext cx="4646208" cy="584775"/>
           </a:xfrm>
           <a:prstGeom prst="rect">
             <a:avLst/>
           </a:prstGeom>
-        </p:spPr>
-      </p:pic>
+          <a:noFill/>
+        </p:spPr>
+        <p:txBody>
+          <a:bodyPr wrap="none">
+            <a:spAutoFit/>
+          </a:bodyPr>
+          <a:lstStyle/>
+          <a:p>
+            <a:pPr defTabSz="457200">
+              <a:defRPr sz="3200" b="1"/>
+            </a:pPr>
+            <a:r>
+              <a:rPr sz="3200" b="1">
+                <a:solidFill>
+                  <a:prstClr val="black"/>
+                </a:solidFill>
+                <a:latin typeface="Calibri"/>
+              </a:rPr>
+              <a:t>Implementation Roadmap</a:t>
+            </a:r>
+          </a:p>
+        </p:txBody>
+      </p:sp>
+      <p:sp>
+        <p:nvSpPr>
+          <p:cNvPr id="3" name="Rounded Rectangle 2"/>
+          <p:cNvSpPr/>
+          <p:nvPr/>
+        </p:nvSpPr>
+        <p:spPr>
+          <a:xfrm>
+            <a:off x="2164080" y="1188720"/>
+            <a:ext cx="8046720" cy="822960"/>
+          </a:xfrm>
+          <a:prstGeom prst="roundRect">
+            <a:avLst/>
+          </a:prstGeom>
+          <a:solidFill>
+            <a:srgbClr val="F2F6FC"/>
+          </a:solidFill>
+          <a:ln>
+            <a:solidFill>
+              <a:srgbClr val="DCE1EB"/>
+            </a:solidFill>
+          </a:ln>
+        </p:spPr>
+        <p:style>
+          <a:lnRef idx="1">
+            <a:schemeClr val="accent1"/>
+          </a:lnRef>
+          <a:fillRef idx="3">
+            <a:schemeClr val="accent1"/>
+          </a:fillRef>
+          <a:effectRef idx="2">
+            <a:schemeClr val="accent1"/>
+          </a:effectRef>
+          <a:fontRef idx="minor">
+            <a:schemeClr val="lt1"/>
+          </a:fontRef>
+        </p:style>
+        <p:txBody>
+          <a:bodyPr rtlCol="0" anchor="ctr"/>
+          <a:lstStyle/>
+          <a:p>
+            <a:pPr algn="ctr" defTabSz="457200"/>
+            <a:endParaRPr>
+              <a:solidFill>
+                <a:prstClr val="white"/>
+              </a:solidFill>
+              <a:latin typeface="Calibri"/>
+            </a:endParaRPr>
+          </a:p>
+        </p:txBody>
+      </p:sp>
+      <p:sp>
+        <p:nvSpPr>
+          <p:cNvPr id="4" name="Oval 3"/>
+          <p:cNvSpPr/>
+          <p:nvPr/>
+        </p:nvSpPr>
+        <p:spPr>
+          <a:xfrm>
+            <a:off x="2346960" y="1325880"/>
+            <a:ext cx="457200" cy="457200"/>
+          </a:xfrm>
+          <a:prstGeom prst="ellipse">
+            <a:avLst/>
+          </a:prstGeom>
+          <a:solidFill>
+            <a:srgbClr val="ED7D31"/>
+          </a:solidFill>
+        </p:spPr>
+        <p:style>
+          <a:lnRef idx="1">
+            <a:schemeClr val="accent1"/>
+          </a:lnRef>
+          <a:fillRef idx="3">
+            <a:schemeClr val="accent1"/>
+          </a:fillRef>
+          <a:effectRef idx="2">
+            <a:schemeClr val="accent1"/>
+          </a:effectRef>
+          <a:fontRef idx="minor">
+            <a:schemeClr val="lt1"/>
+          </a:fontRef>
+        </p:style>
+        <p:txBody>
+          <a:bodyPr rtlCol="0" anchor="ctr"/>
+          <a:lstStyle/>
+          <a:p>
+            <a:pPr defTabSz="457200">
+              <a:defRPr b="1">
+                <a:solidFill>
+                  <a:srgbClr val="FFFFFF"/>
+                </a:solidFill>
+              </a:defRPr>
+            </a:pPr>
+            <a:r>
+              <a:rPr b="1">
+                <a:solidFill>
+                  <a:srgbClr val="FFFFFF"/>
+                </a:solidFill>
+                <a:latin typeface="Calibri"/>
+              </a:rPr>
+              <a:t>1</a:t>
+            </a:r>
+          </a:p>
+        </p:txBody>
+      </p:sp>
+      <p:sp>
+        <p:nvSpPr>
+          <p:cNvPr id="5" name="TextBox 4"/>
+          <p:cNvSpPr txBox="1"/>
+          <p:nvPr/>
+        </p:nvSpPr>
+        <p:spPr>
+          <a:xfrm>
+            <a:off x="2987040" y="1325880"/>
+            <a:ext cx="2136482" cy="523220"/>
+          </a:xfrm>
+          <a:prstGeom prst="rect">
+            <a:avLst/>
+          </a:prstGeom>
+          <a:noFill/>
+        </p:spPr>
+        <p:txBody>
+          <a:bodyPr wrap="none">
+            <a:spAutoFit/>
+          </a:bodyPr>
+          <a:lstStyle/>
+          <a:p>
+            <a:pPr defTabSz="457200">
+              <a:defRPr sz="1600" b="1"/>
+            </a:pPr>
+            <a:r>
+              <a:rPr sz="1600" b="1" dirty="0">
+                <a:solidFill>
+                  <a:prstClr val="black"/>
+                </a:solidFill>
+                <a:latin typeface="Calibri"/>
+              </a:rPr>
+              <a:t>Setup Loki</a:t>
+            </a:r>
+          </a:p>
+          <a:p>
+            <a:pPr defTabSz="457200">
+              <a:defRPr sz="1200">
+                <a:solidFill>
+                  <a:srgbClr val="505050"/>
+                </a:solidFill>
+              </a:defRPr>
+            </a:pPr>
+            <a:r>
+              <a:rPr sz="1200" dirty="0">
+                <a:solidFill>
+                  <a:srgbClr val="505050"/>
+                </a:solidFill>
+                <a:latin typeface="Calibri"/>
+              </a:rPr>
+              <a:t>Deploy Loki in Docker</a:t>
+            </a:r>
+            <a:r>
+              <a:rPr lang="en-US" sz="1200" dirty="0">
+                <a:solidFill>
+                  <a:srgbClr val="505050"/>
+                </a:solidFill>
+                <a:latin typeface="Calibri"/>
+              </a:rPr>
+              <a:t> compose</a:t>
+            </a:r>
+            <a:endParaRPr sz="1200" dirty="0">
+              <a:solidFill>
+                <a:srgbClr val="505050"/>
+              </a:solidFill>
+              <a:latin typeface="Calibri"/>
+            </a:endParaRPr>
+          </a:p>
+        </p:txBody>
+      </p:sp>
+      <p:sp>
+        <p:nvSpPr>
+          <p:cNvPr id="6" name="Rounded Rectangle 5"/>
+          <p:cNvSpPr/>
+          <p:nvPr/>
+        </p:nvSpPr>
+        <p:spPr>
+          <a:xfrm>
+            <a:off x="2164080" y="2103120"/>
+            <a:ext cx="8046720" cy="822960"/>
+          </a:xfrm>
+          <a:prstGeom prst="roundRect">
+            <a:avLst/>
+          </a:prstGeom>
+          <a:solidFill>
+            <a:srgbClr val="F2F6FC"/>
+          </a:solidFill>
+          <a:ln>
+            <a:solidFill>
+              <a:srgbClr val="DCE1EB"/>
+            </a:solidFill>
+          </a:ln>
+        </p:spPr>
+        <p:style>
+          <a:lnRef idx="1">
+            <a:schemeClr val="accent1"/>
+          </a:lnRef>
+          <a:fillRef idx="3">
+            <a:schemeClr val="accent1"/>
+          </a:fillRef>
+          <a:effectRef idx="2">
+            <a:schemeClr val="accent1"/>
+          </a:effectRef>
+          <a:fontRef idx="minor">
+            <a:schemeClr val="lt1"/>
+          </a:fontRef>
+        </p:style>
+        <p:txBody>
+          <a:bodyPr rtlCol="0" anchor="ctr"/>
+          <a:lstStyle/>
+          <a:p>
+            <a:pPr algn="ctr" defTabSz="457200"/>
+            <a:endParaRPr>
+              <a:solidFill>
+                <a:prstClr val="white"/>
+              </a:solidFill>
+              <a:latin typeface="Calibri"/>
+            </a:endParaRPr>
+          </a:p>
+        </p:txBody>
+      </p:sp>
+      <p:sp>
+        <p:nvSpPr>
+          <p:cNvPr id="7" name="Oval 6"/>
+          <p:cNvSpPr/>
+          <p:nvPr/>
+        </p:nvSpPr>
+        <p:spPr>
+          <a:xfrm>
+            <a:off x="2346960" y="2240279"/>
+            <a:ext cx="457200" cy="457200"/>
+          </a:xfrm>
+          <a:prstGeom prst="ellipse">
+            <a:avLst/>
+          </a:prstGeom>
+          <a:solidFill>
+            <a:srgbClr val="ED7D31"/>
+          </a:solidFill>
+        </p:spPr>
+        <p:style>
+          <a:lnRef idx="1">
+            <a:schemeClr val="accent1"/>
+          </a:lnRef>
+          <a:fillRef idx="3">
+            <a:schemeClr val="accent1"/>
+          </a:fillRef>
+          <a:effectRef idx="2">
+            <a:schemeClr val="accent1"/>
+          </a:effectRef>
+          <a:fontRef idx="minor">
+            <a:schemeClr val="lt1"/>
+          </a:fontRef>
+        </p:style>
+        <p:txBody>
+          <a:bodyPr rtlCol="0" anchor="ctr"/>
+          <a:lstStyle/>
+          <a:p>
+            <a:pPr defTabSz="457200">
+              <a:defRPr b="1">
+                <a:solidFill>
+                  <a:srgbClr val="FFFFFF"/>
+                </a:solidFill>
+              </a:defRPr>
+            </a:pPr>
+            <a:r>
+              <a:rPr b="1">
+                <a:solidFill>
+                  <a:srgbClr val="FFFFFF"/>
+                </a:solidFill>
+                <a:latin typeface="Calibri"/>
+              </a:rPr>
+              <a:t>2</a:t>
+            </a:r>
+          </a:p>
+        </p:txBody>
+      </p:sp>
+      <p:sp>
+        <p:nvSpPr>
+          <p:cNvPr id="8" name="TextBox 7"/>
+          <p:cNvSpPr txBox="1"/>
+          <p:nvPr/>
+        </p:nvSpPr>
+        <p:spPr>
+          <a:xfrm>
+            <a:off x="2987041" y="2240279"/>
+            <a:ext cx="3464923" cy="523220"/>
+          </a:xfrm>
+          <a:prstGeom prst="rect">
+            <a:avLst/>
+          </a:prstGeom>
+          <a:noFill/>
+        </p:spPr>
+        <p:txBody>
+          <a:bodyPr wrap="none">
+            <a:spAutoFit/>
+          </a:bodyPr>
+          <a:lstStyle/>
+          <a:p>
+            <a:pPr defTabSz="457200">
+              <a:defRPr sz="1600" b="1"/>
+            </a:pPr>
+            <a:r>
+              <a:rPr sz="1600" b="1">
+                <a:solidFill>
+                  <a:prstClr val="black"/>
+                </a:solidFill>
+                <a:latin typeface="Calibri"/>
+              </a:rPr>
+              <a:t>Configure Promtail</a:t>
+            </a:r>
+          </a:p>
+          <a:p>
+            <a:pPr defTabSz="457200">
+              <a:defRPr sz="1200">
+                <a:solidFill>
+                  <a:srgbClr val="505050"/>
+                </a:solidFill>
+              </a:defRPr>
+            </a:pPr>
+            <a:r>
+              <a:rPr sz="1200">
+                <a:solidFill>
+                  <a:srgbClr val="505050"/>
+                </a:solidFill>
+                <a:latin typeface="Calibri"/>
+              </a:rPr>
+              <a:t>Install agents on Azure resources with scrape configs</a:t>
+            </a:r>
+          </a:p>
+        </p:txBody>
+      </p:sp>
+      <p:sp>
+        <p:nvSpPr>
+          <p:cNvPr id="9" name="Rounded Rectangle 8"/>
+          <p:cNvSpPr/>
+          <p:nvPr/>
+        </p:nvSpPr>
+        <p:spPr>
+          <a:xfrm>
+            <a:off x="2164080" y="3017520"/>
+            <a:ext cx="8046720" cy="822960"/>
+          </a:xfrm>
+          <a:prstGeom prst="roundRect">
+            <a:avLst/>
+          </a:prstGeom>
+          <a:solidFill>
+            <a:srgbClr val="F2F6FC"/>
+          </a:solidFill>
+          <a:ln>
+            <a:solidFill>
+              <a:srgbClr val="DCE1EB"/>
+            </a:solidFill>
+          </a:ln>
+        </p:spPr>
+        <p:style>
+          <a:lnRef idx="1">
+            <a:schemeClr val="accent1"/>
+          </a:lnRef>
+          <a:fillRef idx="3">
+            <a:schemeClr val="accent1"/>
+          </a:fillRef>
+          <a:effectRef idx="2">
+            <a:schemeClr val="accent1"/>
+          </a:effectRef>
+          <a:fontRef idx="minor">
+            <a:schemeClr val="lt1"/>
+          </a:fontRef>
+        </p:style>
+        <p:txBody>
+          <a:bodyPr rtlCol="0" anchor="ctr"/>
+          <a:lstStyle/>
+          <a:p>
+            <a:pPr algn="ctr" defTabSz="457200"/>
+            <a:endParaRPr>
+              <a:solidFill>
+                <a:prstClr val="white"/>
+              </a:solidFill>
+              <a:latin typeface="Calibri"/>
+            </a:endParaRPr>
+          </a:p>
+        </p:txBody>
+      </p:sp>
+      <p:sp>
+        <p:nvSpPr>
+          <p:cNvPr id="10" name="Oval 9"/>
+          <p:cNvSpPr/>
+          <p:nvPr/>
+        </p:nvSpPr>
+        <p:spPr>
+          <a:xfrm>
+            <a:off x="2346960" y="3154679"/>
+            <a:ext cx="457200" cy="457200"/>
+          </a:xfrm>
+          <a:prstGeom prst="ellipse">
+            <a:avLst/>
+          </a:prstGeom>
+          <a:solidFill>
+            <a:srgbClr val="ED7D31"/>
+          </a:solidFill>
+        </p:spPr>
+        <p:style>
+          <a:lnRef idx="1">
+            <a:schemeClr val="accent1"/>
+          </a:lnRef>
+          <a:fillRef idx="3">
+            <a:schemeClr val="accent1"/>
+          </a:fillRef>
+          <a:effectRef idx="2">
+            <a:schemeClr val="accent1"/>
+          </a:effectRef>
+          <a:fontRef idx="minor">
+            <a:schemeClr val="lt1"/>
+          </a:fontRef>
+        </p:style>
+        <p:txBody>
+          <a:bodyPr rtlCol="0" anchor="ctr"/>
+          <a:lstStyle/>
+          <a:p>
+            <a:pPr defTabSz="457200">
+              <a:defRPr b="1">
+                <a:solidFill>
+                  <a:srgbClr val="FFFFFF"/>
+                </a:solidFill>
+              </a:defRPr>
+            </a:pPr>
+            <a:r>
+              <a:rPr b="1">
+                <a:solidFill>
+                  <a:srgbClr val="FFFFFF"/>
+                </a:solidFill>
+                <a:latin typeface="Calibri"/>
+              </a:rPr>
+              <a:t>3</a:t>
+            </a:r>
+          </a:p>
+        </p:txBody>
+      </p:sp>
+      <p:sp>
+        <p:nvSpPr>
+          <p:cNvPr id="11" name="TextBox 10"/>
+          <p:cNvSpPr txBox="1"/>
+          <p:nvPr/>
+        </p:nvSpPr>
+        <p:spPr>
+          <a:xfrm>
+            <a:off x="2987040" y="3154679"/>
+            <a:ext cx="2905988" cy="523220"/>
+          </a:xfrm>
+          <a:prstGeom prst="rect">
+            <a:avLst/>
+          </a:prstGeom>
+          <a:noFill/>
+        </p:spPr>
+        <p:txBody>
+          <a:bodyPr wrap="none">
+            <a:spAutoFit/>
+          </a:bodyPr>
+          <a:lstStyle/>
+          <a:p>
+            <a:pPr defTabSz="457200">
+              <a:defRPr sz="1600" b="1"/>
+            </a:pPr>
+            <a:r>
+              <a:rPr sz="1600" b="1">
+                <a:solidFill>
+                  <a:prstClr val="black"/>
+                </a:solidFill>
+                <a:latin typeface="Calibri"/>
+              </a:rPr>
+              <a:t>Install Grafana</a:t>
+            </a:r>
+          </a:p>
+          <a:p>
+            <a:pPr defTabSz="457200">
+              <a:defRPr sz="1200">
+                <a:solidFill>
+                  <a:srgbClr val="505050"/>
+                </a:solidFill>
+              </a:defRPr>
+            </a:pPr>
+            <a:r>
+              <a:rPr sz="1200">
+                <a:solidFill>
+                  <a:srgbClr val="505050"/>
+                </a:solidFill>
+                <a:latin typeface="Calibri"/>
+              </a:rPr>
+              <a:t>Deploy Grafana and add Loki as data source</a:t>
+            </a:r>
+          </a:p>
+        </p:txBody>
+      </p:sp>
+      <p:sp>
+        <p:nvSpPr>
+          <p:cNvPr id="12" name="Rounded Rectangle 11"/>
+          <p:cNvSpPr/>
+          <p:nvPr/>
+        </p:nvSpPr>
+        <p:spPr>
+          <a:xfrm>
+            <a:off x="2164080" y="3931920"/>
+            <a:ext cx="8046720" cy="822960"/>
+          </a:xfrm>
+          <a:prstGeom prst="roundRect">
+            <a:avLst/>
+          </a:prstGeom>
+          <a:solidFill>
+            <a:srgbClr val="F2F6FC"/>
+          </a:solidFill>
+          <a:ln>
+            <a:solidFill>
+              <a:srgbClr val="DCE1EB"/>
+            </a:solidFill>
+          </a:ln>
+        </p:spPr>
+        <p:style>
+          <a:lnRef idx="1">
+            <a:schemeClr val="accent1"/>
+          </a:lnRef>
+          <a:fillRef idx="3">
+            <a:schemeClr val="accent1"/>
+          </a:fillRef>
+          <a:effectRef idx="2">
+            <a:schemeClr val="accent1"/>
+          </a:effectRef>
+          <a:fontRef idx="minor">
+            <a:schemeClr val="lt1"/>
+          </a:fontRef>
+        </p:style>
+        <p:txBody>
+          <a:bodyPr rtlCol="0" anchor="ctr"/>
+          <a:lstStyle/>
+          <a:p>
+            <a:pPr algn="ctr" defTabSz="457200"/>
+            <a:endParaRPr>
+              <a:solidFill>
+                <a:prstClr val="white"/>
+              </a:solidFill>
+              <a:latin typeface="Calibri"/>
+            </a:endParaRPr>
+          </a:p>
+        </p:txBody>
+      </p:sp>
+      <p:sp>
+        <p:nvSpPr>
+          <p:cNvPr id="13" name="Oval 12"/>
+          <p:cNvSpPr/>
+          <p:nvPr/>
+        </p:nvSpPr>
+        <p:spPr>
+          <a:xfrm>
+            <a:off x="2346960" y="4069080"/>
+            <a:ext cx="457200" cy="457200"/>
+          </a:xfrm>
+          <a:prstGeom prst="ellipse">
+            <a:avLst/>
+          </a:prstGeom>
+          <a:solidFill>
+            <a:srgbClr val="ED7D31"/>
+          </a:solidFill>
+        </p:spPr>
+        <p:style>
+          <a:lnRef idx="1">
+            <a:schemeClr val="accent1"/>
+          </a:lnRef>
+          <a:fillRef idx="3">
+            <a:schemeClr val="accent1"/>
+          </a:fillRef>
+          <a:effectRef idx="2">
+            <a:schemeClr val="accent1"/>
+          </a:effectRef>
+          <a:fontRef idx="minor">
+            <a:schemeClr val="lt1"/>
+          </a:fontRef>
+        </p:style>
+        <p:txBody>
+          <a:bodyPr rtlCol="0" anchor="ctr"/>
+          <a:lstStyle/>
+          <a:p>
+            <a:pPr defTabSz="457200">
+              <a:defRPr b="1">
+                <a:solidFill>
+                  <a:srgbClr val="FFFFFF"/>
+                </a:solidFill>
+              </a:defRPr>
+            </a:pPr>
+            <a:r>
+              <a:rPr b="1">
+                <a:solidFill>
+                  <a:srgbClr val="FFFFFF"/>
+                </a:solidFill>
+                <a:latin typeface="Calibri"/>
+              </a:rPr>
+              <a:t>4</a:t>
+            </a:r>
+          </a:p>
+        </p:txBody>
+      </p:sp>
+      <p:sp>
+        <p:nvSpPr>
+          <p:cNvPr id="14" name="TextBox 13"/>
+          <p:cNvSpPr txBox="1"/>
+          <p:nvPr/>
+        </p:nvSpPr>
+        <p:spPr>
+          <a:xfrm>
+            <a:off x="2987041" y="4069080"/>
+            <a:ext cx="3170483" cy="523220"/>
+          </a:xfrm>
+          <a:prstGeom prst="rect">
+            <a:avLst/>
+          </a:prstGeom>
+          <a:noFill/>
+        </p:spPr>
+        <p:txBody>
+          <a:bodyPr wrap="none">
+            <a:spAutoFit/>
+          </a:bodyPr>
+          <a:lstStyle/>
+          <a:p>
+            <a:pPr defTabSz="457200">
+              <a:defRPr sz="1600" b="1"/>
+            </a:pPr>
+            <a:r>
+              <a:rPr sz="1600" b="1">
+                <a:solidFill>
+                  <a:prstClr val="black"/>
+                </a:solidFill>
+                <a:latin typeface="Calibri"/>
+              </a:rPr>
+              <a:t>Azure Integration</a:t>
+            </a:r>
+          </a:p>
+          <a:p>
+            <a:pPr defTabSz="457200">
+              <a:defRPr sz="1200">
+                <a:solidFill>
+                  <a:srgbClr val="505050"/>
+                </a:solidFill>
+              </a:defRPr>
+            </a:pPr>
+            <a:r>
+              <a:rPr sz="1200">
+                <a:solidFill>
+                  <a:srgbClr val="505050"/>
+                </a:solidFill>
+                <a:latin typeface="Calibri"/>
+              </a:rPr>
+              <a:t>Configure Azure Monitor data source in Grafana</a:t>
+            </a:r>
+          </a:p>
+        </p:txBody>
+      </p:sp>
+      <p:sp>
+        <p:nvSpPr>
+          <p:cNvPr id="15" name="Rounded Rectangle 14"/>
+          <p:cNvSpPr/>
+          <p:nvPr/>
+        </p:nvSpPr>
+        <p:spPr>
+          <a:xfrm>
+            <a:off x="2164080" y="4846320"/>
+            <a:ext cx="8046720" cy="822960"/>
+          </a:xfrm>
+          <a:prstGeom prst="roundRect">
+            <a:avLst/>
+          </a:prstGeom>
+          <a:solidFill>
+            <a:srgbClr val="F2F6FC"/>
+          </a:solidFill>
+          <a:ln>
+            <a:solidFill>
+              <a:srgbClr val="DCE1EB"/>
+            </a:solidFill>
+          </a:ln>
+        </p:spPr>
+        <p:style>
+          <a:lnRef idx="1">
+            <a:schemeClr val="accent1"/>
+          </a:lnRef>
+          <a:fillRef idx="3">
+            <a:schemeClr val="accent1"/>
+          </a:fillRef>
+          <a:effectRef idx="2">
+            <a:schemeClr val="accent1"/>
+          </a:effectRef>
+          <a:fontRef idx="minor">
+            <a:schemeClr val="lt1"/>
+          </a:fontRef>
+        </p:style>
+        <p:txBody>
+          <a:bodyPr rtlCol="0" anchor="ctr"/>
+          <a:lstStyle/>
+          <a:p>
+            <a:pPr algn="ctr" defTabSz="457200"/>
+            <a:endParaRPr>
+              <a:solidFill>
+                <a:prstClr val="white"/>
+              </a:solidFill>
+              <a:latin typeface="Calibri"/>
+            </a:endParaRPr>
+          </a:p>
+        </p:txBody>
+      </p:sp>
+      <p:sp>
+        <p:nvSpPr>
+          <p:cNvPr id="16" name="Oval 15"/>
+          <p:cNvSpPr/>
+          <p:nvPr/>
+        </p:nvSpPr>
+        <p:spPr>
+          <a:xfrm>
+            <a:off x="2346960" y="4983480"/>
+            <a:ext cx="457200" cy="457200"/>
+          </a:xfrm>
+          <a:prstGeom prst="ellipse">
+            <a:avLst/>
+          </a:prstGeom>
+          <a:solidFill>
+            <a:srgbClr val="ED7D31"/>
+          </a:solidFill>
+        </p:spPr>
+        <p:style>
+          <a:lnRef idx="1">
+            <a:schemeClr val="accent1"/>
+          </a:lnRef>
+          <a:fillRef idx="3">
+            <a:schemeClr val="accent1"/>
+          </a:fillRef>
+          <a:effectRef idx="2">
+            <a:schemeClr val="accent1"/>
+          </a:effectRef>
+          <a:fontRef idx="minor">
+            <a:schemeClr val="lt1"/>
+          </a:fontRef>
+        </p:style>
+        <p:txBody>
+          <a:bodyPr rtlCol="0" anchor="ctr"/>
+          <a:lstStyle/>
+          <a:p>
+            <a:pPr defTabSz="457200">
+              <a:defRPr b="1">
+                <a:solidFill>
+                  <a:srgbClr val="FFFFFF"/>
+                </a:solidFill>
+              </a:defRPr>
+            </a:pPr>
+            <a:r>
+              <a:rPr b="1">
+                <a:solidFill>
+                  <a:srgbClr val="FFFFFF"/>
+                </a:solidFill>
+                <a:latin typeface="Calibri"/>
+              </a:rPr>
+              <a:t>5</a:t>
+            </a:r>
+          </a:p>
+        </p:txBody>
+      </p:sp>
+      <p:sp>
+        <p:nvSpPr>
+          <p:cNvPr id="17" name="TextBox 16"/>
+          <p:cNvSpPr txBox="1"/>
+          <p:nvPr/>
+        </p:nvSpPr>
+        <p:spPr>
+          <a:xfrm>
+            <a:off x="2987040" y="4983480"/>
+            <a:ext cx="2673296" cy="523220"/>
+          </a:xfrm>
+          <a:prstGeom prst="rect">
+            <a:avLst/>
+          </a:prstGeom>
+          <a:noFill/>
+        </p:spPr>
+        <p:txBody>
+          <a:bodyPr wrap="none">
+            <a:spAutoFit/>
+          </a:bodyPr>
+          <a:lstStyle/>
+          <a:p>
+            <a:pPr defTabSz="457200">
+              <a:defRPr sz="1600" b="1"/>
+            </a:pPr>
+            <a:r>
+              <a:rPr sz="1600" b="1">
+                <a:solidFill>
+                  <a:prstClr val="black"/>
+                </a:solidFill>
+                <a:latin typeface="Calibri"/>
+              </a:rPr>
+              <a:t>Create Dashboards</a:t>
+            </a:r>
+          </a:p>
+          <a:p>
+            <a:pPr defTabSz="457200">
+              <a:defRPr sz="1200">
+                <a:solidFill>
+                  <a:srgbClr val="505050"/>
+                </a:solidFill>
+              </a:defRPr>
+            </a:pPr>
+            <a:r>
+              <a:rPr sz="1200">
+                <a:solidFill>
+                  <a:srgbClr val="505050"/>
+                </a:solidFill>
+                <a:latin typeface="Calibri"/>
+              </a:rPr>
+              <a:t>Build panels for logs, metrics, and alerts</a:t>
+            </a:r>
+          </a:p>
+        </p:txBody>
+      </p:sp>
+      <p:sp>
+        <p:nvSpPr>
+          <p:cNvPr id="18" name="Rounded Rectangle 17"/>
+          <p:cNvSpPr/>
+          <p:nvPr/>
+        </p:nvSpPr>
+        <p:spPr>
+          <a:xfrm>
+            <a:off x="2164080" y="5760720"/>
+            <a:ext cx="8046720" cy="822960"/>
+          </a:xfrm>
+          <a:prstGeom prst="roundRect">
+            <a:avLst/>
+          </a:prstGeom>
+          <a:solidFill>
+            <a:srgbClr val="F2F6FC"/>
+          </a:solidFill>
+          <a:ln>
+            <a:solidFill>
+              <a:srgbClr val="DCE1EB"/>
+            </a:solidFill>
+          </a:ln>
+        </p:spPr>
+        <p:style>
+          <a:lnRef idx="1">
+            <a:schemeClr val="accent1"/>
+          </a:lnRef>
+          <a:fillRef idx="3">
+            <a:schemeClr val="accent1"/>
+          </a:fillRef>
+          <a:effectRef idx="2">
+            <a:schemeClr val="accent1"/>
+          </a:effectRef>
+          <a:fontRef idx="minor">
+            <a:schemeClr val="lt1"/>
+          </a:fontRef>
+        </p:style>
+        <p:txBody>
+          <a:bodyPr rtlCol="0" anchor="ctr"/>
+          <a:lstStyle/>
+          <a:p>
+            <a:pPr algn="ctr" defTabSz="457200"/>
+            <a:endParaRPr>
+              <a:solidFill>
+                <a:prstClr val="white"/>
+              </a:solidFill>
+              <a:latin typeface="Calibri"/>
+            </a:endParaRPr>
+          </a:p>
+        </p:txBody>
+      </p:sp>
+      <p:sp>
+        <p:nvSpPr>
+          <p:cNvPr id="19" name="Oval 18"/>
+          <p:cNvSpPr/>
+          <p:nvPr/>
+        </p:nvSpPr>
+        <p:spPr>
+          <a:xfrm>
+            <a:off x="2346960" y="5897880"/>
+            <a:ext cx="457200" cy="457200"/>
+          </a:xfrm>
+          <a:prstGeom prst="ellipse">
+            <a:avLst/>
+          </a:prstGeom>
+          <a:solidFill>
+            <a:srgbClr val="ED7D31"/>
+          </a:solidFill>
+        </p:spPr>
+        <p:style>
+          <a:lnRef idx="1">
+            <a:schemeClr val="accent1"/>
+          </a:lnRef>
+          <a:fillRef idx="3">
+            <a:schemeClr val="accent1"/>
+          </a:fillRef>
+          <a:effectRef idx="2">
+            <a:schemeClr val="accent1"/>
+          </a:effectRef>
+          <a:fontRef idx="minor">
+            <a:schemeClr val="lt1"/>
+          </a:fontRef>
+        </p:style>
+        <p:txBody>
+          <a:bodyPr rtlCol="0" anchor="ctr"/>
+          <a:lstStyle/>
+          <a:p>
+            <a:pPr defTabSz="457200">
+              <a:defRPr b="1">
+                <a:solidFill>
+                  <a:srgbClr val="FFFFFF"/>
+                </a:solidFill>
+              </a:defRPr>
+            </a:pPr>
+            <a:r>
+              <a:rPr b="1">
+                <a:solidFill>
+                  <a:srgbClr val="FFFFFF"/>
+                </a:solidFill>
+                <a:latin typeface="Calibri"/>
+              </a:rPr>
+              <a:t>6</a:t>
+            </a:r>
+          </a:p>
+        </p:txBody>
+      </p:sp>
+      <p:sp>
+        <p:nvSpPr>
+          <p:cNvPr id="20" name="TextBox 19"/>
+          <p:cNvSpPr txBox="1"/>
+          <p:nvPr/>
+        </p:nvSpPr>
+        <p:spPr>
+          <a:xfrm>
+            <a:off x="2987041" y="5897880"/>
+            <a:ext cx="3064429" cy="523220"/>
+          </a:xfrm>
+          <a:prstGeom prst="rect">
+            <a:avLst/>
+          </a:prstGeom>
+          <a:noFill/>
+        </p:spPr>
+        <p:txBody>
+          <a:bodyPr wrap="none">
+            <a:spAutoFit/>
+          </a:bodyPr>
+          <a:lstStyle/>
+          <a:p>
+            <a:pPr defTabSz="457200">
+              <a:defRPr sz="1600" b="1"/>
+            </a:pPr>
+            <a:r>
+              <a:rPr sz="1600" b="1">
+                <a:solidFill>
+                  <a:prstClr val="black"/>
+                </a:solidFill>
+                <a:latin typeface="Calibri"/>
+              </a:rPr>
+              <a:t>Setup Alerts</a:t>
+            </a:r>
+          </a:p>
+          <a:p>
+            <a:pPr defTabSz="457200">
+              <a:defRPr sz="1200">
+                <a:solidFill>
+                  <a:srgbClr val="505050"/>
+                </a:solidFill>
+              </a:defRPr>
+            </a:pPr>
+            <a:r>
+              <a:rPr sz="1200">
+                <a:solidFill>
+                  <a:srgbClr val="505050"/>
+                </a:solidFill>
+                <a:latin typeface="Calibri"/>
+              </a:rPr>
+              <a:t>Configure alert rules and notification channels</a:t>
+            </a:r>
+          </a:p>
+        </p:txBody>
+      </p:sp>
     </p:spTree>
-    <p:extLst>
-      <p:ext uri="{BB962C8B-B14F-4D97-AF65-F5344CB8AC3E}">
-        <p14:creationId xmlns:p14="http://schemas.microsoft.com/office/powerpoint/2010/main" val="758833444"/>
-      </p:ext>
-    </p:extLst>
   </p:cSld>
   <p:clrMapOvr>
     <a:masterClrMapping/>
@@ -3817,4 +8602,324 @@
     </a:ext>
   </a:extLst>
 </a:theme>
+</file>
+
+<file path=ppt/theme/theme2.xml><?xml version="1.0" encoding="utf-8"?>
+<a:theme xmlns:a="http://schemas.openxmlformats.org/drawingml/2006/main" name="1_Office Theme">
+  <a:themeElements>
+    <a:clrScheme name="Office">
+      <a:dk1>
+        <a:sysClr val="windowText" lastClr="000000"/>
+      </a:dk1>
+      <a:lt1>
+        <a:sysClr val="window" lastClr="FFFFFF"/>
+      </a:lt1>
+      <a:dk2>
+        <a:srgbClr val="1F497D"/>
+      </a:dk2>
+      <a:lt2>
+        <a:srgbClr val="EEECE1"/>
+      </a:lt2>
+      <a:accent1>
+        <a:srgbClr val="4F81BD"/>
+      </a:accent1>
+      <a:accent2>
+        <a:srgbClr val="C0504D"/>
+      </a:accent2>
+      <a:accent3>
+        <a:srgbClr val="9BBB59"/>
+      </a:accent3>
+      <a:accent4>
+        <a:srgbClr val="8064A2"/>
+      </a:accent4>
+      <a:accent5>
+        <a:srgbClr val="4BACC6"/>
+      </a:accent5>
+      <a:accent6>
+        <a:srgbClr val="F79646"/>
+      </a:accent6>
+      <a:hlink>
+        <a:srgbClr val="0000FF"/>
+      </a:hlink>
+      <a:folHlink>
+        <a:srgbClr val="800080"/>
+      </a:folHlink>
+    </a:clrScheme>
+    <a:fontScheme name="Office">
+      <a:majorFont>
+        <a:latin typeface="Calibri"/>
+        <a:ea typeface=""/>
+        <a:cs typeface=""/>
+        <a:font script="Jpan" typeface="ＭＳ Ｐゴシック"/>
+        <a:font script="Hang" typeface="맑은 고딕"/>
+        <a:font script="Hans" typeface="宋体"/>
+        <a:font script="Hant" typeface="新細明體"/>
+        <a:font script="Arab" typeface="Times New Roman"/>
+        <a:font script="Hebr" typeface="Times New Roman"/>
+        <a:font script="Thai" typeface="Angsana New"/>
+        <a:font script="Ethi" typeface="Nyala"/>
+        <a:font script="Beng" typeface="Vrinda"/>
+        <a:font script="Gujr" typeface="Shruti"/>
+        <a:font script="Khmr" typeface="MoolBoran"/>
+        <a:font script="Knda" typeface="Tunga"/>
+        <a:font script="Guru" typeface="Raavi"/>
+        <a:font script="Cans" typeface="Euphemia"/>
+        <a:font script="Cher" typeface="Plantagenet Cherokee"/>
+        <a:font script="Yiii" typeface="Microsoft Yi Baiti"/>
+        <a:font script="Tibt" typeface="Microsoft Himalaya"/>
+        <a:font script="Thaa" typeface="MV Boli"/>
+        <a:font script="Deva" typeface="Mangal"/>
+        <a:font script="Telu" typeface="Gautami"/>
+        <a:font script="Taml" typeface="Latha"/>
+        <a:font script="Syrc" typeface="Estrangelo Edessa"/>
+        <a:font script="Orya" typeface="Kalinga"/>
+        <a:font script="Mlym" typeface="Kartika"/>
+        <a:font script="Laoo" typeface="DokChampa"/>
+        <a:font script="Sinh" typeface="Iskoola Pota"/>
+        <a:font script="Mong" typeface="Mongolian Baiti"/>
+        <a:font script="Viet" typeface="Times New Roman"/>
+        <a:font script="Uigh" typeface="Microsoft Uighur"/>
+        <a:font script="Geor" typeface="Sylfaen"/>
+      </a:majorFont>
+      <a:minorFont>
+        <a:latin typeface="Calibri"/>
+        <a:ea typeface=""/>
+        <a:cs typeface=""/>
+        <a:font script="Jpan" typeface="ＭＳ Ｐゴシック"/>
+        <a:font script="Hang" typeface="맑은 고딕"/>
+        <a:font script="Hans" typeface="宋体"/>
+        <a:font script="Hant" typeface="新細明體"/>
+        <a:font script="Arab" typeface="Arial"/>
+        <a:font script="Hebr" typeface="Arial"/>
+        <a:font script="Thai" typeface="Cordia New"/>
+        <a:font script="Ethi" typeface="Nyala"/>
+        <a:font script="Beng" typeface="Vrinda"/>
+        <a:font script="Gujr" typeface="Shruti"/>
+        <a:font script="Khmr" typeface="DaunPenh"/>
+        <a:font script="Knda" typeface="Tunga"/>
+        <a:font script="Guru" typeface="Raavi"/>
+        <a:font script="Cans" typeface="Euphemia"/>
+        <a:font script="Cher" typeface="Plantagenet Cherokee"/>
+        <a:font script="Yiii" typeface="Microsoft Yi Baiti"/>
+        <a:font script="Tibt" typeface="Microsoft Himalaya"/>
+        <a:font script="Thaa" typeface="MV Boli"/>
+        <a:font script="Deva" typeface="Mangal"/>
+        <a:font script="Telu" typeface="Gautami"/>
+        <a:font script="Taml" typeface="Latha"/>
+        <a:font script="Syrc" typeface="Estrangelo Edessa"/>
+        <a:font script="Orya" typeface="Kalinga"/>
+        <a:font script="Mlym" typeface="Kartika"/>
+        <a:font script="Laoo" typeface="DokChampa"/>
+        <a:font script="Sinh" typeface="Iskoola Pota"/>
+        <a:font script="Mong" typeface="Mongolian Baiti"/>
+        <a:font script="Viet" typeface="Arial"/>
+        <a:font script="Uigh" typeface="Microsoft Uighur"/>
+        <a:font script="Geor" typeface="Sylfaen"/>
+      </a:minorFont>
+    </a:fontScheme>
+    <a:fmtScheme name="Office">
+      <a:fillStyleLst>
+        <a:solidFill>
+          <a:schemeClr val="phClr"/>
+        </a:solidFill>
+        <a:gradFill rotWithShape="1">
+          <a:gsLst>
+            <a:gs pos="0">
+              <a:schemeClr val="phClr">
+                <a:tint val="50000"/>
+                <a:satMod val="300000"/>
+              </a:schemeClr>
+            </a:gs>
+            <a:gs pos="35000">
+              <a:schemeClr val="phClr">
+                <a:tint val="37000"/>
+                <a:satMod val="300000"/>
+              </a:schemeClr>
+            </a:gs>
+            <a:gs pos="100000">
+              <a:schemeClr val="phClr">
+                <a:tint val="15000"/>
+                <a:satMod val="350000"/>
+              </a:schemeClr>
+            </a:gs>
+          </a:gsLst>
+          <a:lin ang="16200000" scaled="1"/>
+        </a:gradFill>
+        <a:gradFill rotWithShape="1">
+          <a:gsLst>
+            <a:gs pos="0">
+              <a:schemeClr val="phClr">
+                <a:tint val="100000"/>
+                <a:shade val="100000"/>
+                <a:satMod val="130000"/>
+              </a:schemeClr>
+            </a:gs>
+            <a:gs pos="100000">
+              <a:schemeClr val="phClr">
+                <a:tint val="50000"/>
+                <a:shade val="100000"/>
+                <a:satMod val="350000"/>
+              </a:schemeClr>
+            </a:gs>
+          </a:gsLst>
+          <a:lin ang="16200000" scaled="0"/>
+        </a:gradFill>
+      </a:fillStyleLst>
+      <a:lnStyleLst>
+        <a:ln w="9525" cap="flat" cmpd="sng" algn="ctr">
+          <a:solidFill>
+            <a:schemeClr val="phClr">
+              <a:shade val="95000"/>
+              <a:satMod val="105000"/>
+            </a:schemeClr>
+          </a:solidFill>
+          <a:prstDash val="solid"/>
+        </a:ln>
+        <a:ln w="25400" cap="flat" cmpd="sng" algn="ctr">
+          <a:solidFill>
+            <a:schemeClr val="phClr"/>
+          </a:solidFill>
+          <a:prstDash val="solid"/>
+        </a:ln>
+        <a:ln w="38100" cap="flat" cmpd="sng" algn="ctr">
+          <a:solidFill>
+            <a:schemeClr val="phClr"/>
+          </a:solidFill>
+          <a:prstDash val="solid"/>
+        </a:ln>
+      </a:lnStyleLst>
+      <a:effectStyleLst>
+        <a:effectStyle>
+          <a:effectLst>
+            <a:outerShdw blurRad="40000" dist="20000" dir="5400000" rotWithShape="0">
+              <a:srgbClr val="000000">
+                <a:alpha val="38000"/>
+              </a:srgbClr>
+            </a:outerShdw>
+          </a:effectLst>
+        </a:effectStyle>
+        <a:effectStyle>
+          <a:effectLst>
+            <a:outerShdw blurRad="40000" dist="23000" dir="5400000" rotWithShape="0">
+              <a:srgbClr val="000000">
+                <a:alpha val="35000"/>
+              </a:srgbClr>
+            </a:outerShdw>
+          </a:effectLst>
+        </a:effectStyle>
+        <a:effectStyle>
+          <a:effectLst>
+            <a:outerShdw blurRad="40000" dist="23000" dir="5400000" rotWithShape="0">
+              <a:srgbClr val="000000">
+                <a:alpha val="35000"/>
+              </a:srgbClr>
+            </a:outerShdw>
+          </a:effectLst>
+          <a:scene3d>
+            <a:camera prst="orthographicFront">
+              <a:rot lat="0" lon="0" rev="0"/>
+            </a:camera>
+            <a:lightRig rig="threePt" dir="t">
+              <a:rot lat="0" lon="0" rev="1200000"/>
+            </a:lightRig>
+          </a:scene3d>
+          <a:sp3d>
+            <a:bevelT w="63500" h="25400"/>
+          </a:sp3d>
+        </a:effectStyle>
+      </a:effectStyleLst>
+      <a:bgFillStyleLst>
+        <a:solidFill>
+          <a:schemeClr val="phClr"/>
+        </a:solidFill>
+        <a:gradFill rotWithShape="1">
+          <a:gsLst>
+            <a:gs pos="0">
+              <a:schemeClr val="phClr">
+                <a:tint val="40000"/>
+                <a:satMod val="350000"/>
+              </a:schemeClr>
+            </a:gs>
+            <a:gs pos="40000">
+              <a:schemeClr val="phClr">
+                <a:tint val="45000"/>
+                <a:shade val="99000"/>
+                <a:satMod val="350000"/>
+              </a:schemeClr>
+            </a:gs>
+            <a:gs pos="100000">
+              <a:schemeClr val="phClr">
+                <a:shade val="20000"/>
+                <a:satMod val="255000"/>
+              </a:schemeClr>
+            </a:gs>
+          </a:gsLst>
+          <a:path path="circle">
+            <a:fillToRect l="50000" t="-80000" r="50000" b="180000"/>
+          </a:path>
+        </a:gradFill>
+        <a:gradFill rotWithShape="1">
+          <a:gsLst>
+            <a:gs pos="0">
+              <a:schemeClr val="phClr">
+                <a:tint val="80000"/>
+                <a:satMod val="300000"/>
+              </a:schemeClr>
+            </a:gs>
+            <a:gs pos="100000">
+              <a:schemeClr val="phClr">
+                <a:shade val="30000"/>
+                <a:satMod val="200000"/>
+              </a:schemeClr>
+            </a:gs>
+          </a:gsLst>
+          <a:path path="circle">
+            <a:fillToRect l="50000" t="50000" r="50000" b="50000"/>
+          </a:path>
+        </a:gradFill>
+      </a:bgFillStyleLst>
+    </a:fmtScheme>
+  </a:themeElements>
+  <a:objectDefaults>
+    <a:spDef>
+      <a:spPr/>
+      <a:bodyPr/>
+      <a:lstStyle/>
+      <a:style>
+        <a:lnRef idx="1">
+          <a:schemeClr val="accent1"/>
+        </a:lnRef>
+        <a:fillRef idx="3">
+          <a:schemeClr val="accent1"/>
+        </a:fillRef>
+        <a:effectRef idx="2">
+          <a:schemeClr val="accent1"/>
+        </a:effectRef>
+        <a:fontRef idx="minor">
+          <a:schemeClr val="lt1"/>
+        </a:fontRef>
+      </a:style>
+    </a:spDef>
+    <a:lnDef>
+      <a:spPr/>
+      <a:bodyPr/>
+      <a:lstStyle/>
+      <a:style>
+        <a:lnRef idx="2">
+          <a:schemeClr val="accent1"/>
+        </a:lnRef>
+        <a:fillRef idx="0">
+          <a:schemeClr val="accent1"/>
+        </a:fillRef>
+        <a:effectRef idx="1">
+          <a:schemeClr val="accent1"/>
+        </a:effectRef>
+        <a:fontRef idx="minor">
+          <a:schemeClr val="tx1"/>
+        </a:fontRef>
+      </a:style>
+    </a:lnDef>
+  </a:objectDefaults>
+  <a:extraClrSchemeLst/>
+</a:theme>
 </file>
--- a/Presentation1.pptx
+++ b/Presentation1.pptx
@@ -10,11 +10,10 @@
     <p:sldId id="266" r:id="rId4"/>
     <p:sldId id="258" r:id="rId5"/>
     <p:sldId id="259" r:id="rId6"/>
-    <p:sldId id="260" r:id="rId7"/>
-    <p:sldId id="261" r:id="rId8"/>
-    <p:sldId id="262" r:id="rId9"/>
-    <p:sldId id="267" r:id="rId10"/>
-    <p:sldId id="264" r:id="rId11"/>
+    <p:sldId id="261" r:id="rId7"/>
+    <p:sldId id="262" r:id="rId8"/>
+    <p:sldId id="267" r:id="rId9"/>
+    <p:sldId id="264" r:id="rId10"/>
   </p:sldIdLst>
   <p:sldSz cx="12192000" cy="6858000"/>
   <p:notesSz cx="6858000" cy="9144000"/>
@@ -6053,14 +6052,14 @@
       </p:sp>
       <p:sp>
         <p:nvSpPr>
-          <p:cNvPr id="3" name="Rectangle 2"/>
+          <p:cNvPr id="4" name="Rectangle 3"/>
           <p:cNvSpPr/>
           <p:nvPr/>
         </p:nvSpPr>
         <p:spPr>
           <a:xfrm>
-            <a:off x="1709546" y="2396940"/>
-            <a:ext cx="1766259" cy="522157"/>
+            <a:off x="1729260" y="2621637"/>
+            <a:ext cx="1994069" cy="714814"/>
           </a:xfrm>
           <a:prstGeom prst="rect">
             <a:avLst/>
@@ -6091,45 +6090,53 @@
               <a:defRPr sz="1400" b="1"/>
             </a:pPr>
             <a:r>
-              <a:rPr sz="1400" b="1" dirty="0">
+              <a:rPr lang="en-US" sz="1400" b="1" dirty="0">
                 <a:solidFill>
                   <a:prstClr val="white"/>
                 </a:solidFill>
                 <a:latin typeface="Calibri"/>
               </a:rPr>
-              <a:t>Azure Bot Service</a:t>
-            </a:r>
-          </a:p>
-          <a:p>
-            <a:pPr defTabSz="457200"/>
-            <a:r>
-              <a:rPr sz="1000" dirty="0">
+              <a:t>Log Analytics workspace </a:t>
+            </a:r>
+          </a:p>
+          <a:p>
+            <a:pPr defTabSz="457200">
+              <a:defRPr sz="1400" b="1"/>
+            </a:pPr>
+            <a:r>
+              <a:rPr lang="en-US" sz="1000" b="1" dirty="0">
                 <a:solidFill>
                   <a:prstClr val="white"/>
                 </a:solidFill>
                 <a:latin typeface="Calibri"/>
               </a:rPr>
-              <a:t>Application Logs</a:t>
-            </a:r>
-          </a:p>
-        </p:txBody>
-      </p:sp>
-      <p:sp>
-        <p:nvSpPr>
-          <p:cNvPr id="4" name="Rectangle 3"/>
+              <a:t>(system logs, Application logs)</a:t>
+            </a:r>
+            <a:endParaRPr sz="1000" dirty="0">
+              <a:solidFill>
+                <a:prstClr val="white"/>
+              </a:solidFill>
+              <a:latin typeface="Calibri"/>
+            </a:endParaRPr>
+          </a:p>
+        </p:txBody>
+      </p:sp>
+      <p:sp>
+        <p:nvSpPr>
+          <p:cNvPr id="5" name="Rectangle 4"/>
           <p:cNvSpPr/>
           <p:nvPr/>
         </p:nvSpPr>
         <p:spPr>
           <a:xfrm>
-            <a:off x="1742019" y="3106697"/>
-            <a:ext cx="1759305" cy="562141"/>
+            <a:off x="4322232" y="2643057"/>
+            <a:ext cx="1596327" cy="693394"/>
           </a:xfrm>
           <a:prstGeom prst="rect">
             <a:avLst/>
           </a:prstGeom>
           <a:solidFill>
-            <a:srgbClr val="0070C0"/>
+            <a:srgbClr val="ED7D31"/>
           </a:solidFill>
         </p:spPr>
         <p:style>
@@ -6154,14 +6161,20 @@
               <a:defRPr sz="1400" b="1"/>
             </a:pPr>
             <a:r>
-              <a:rPr sz="1400" b="1" dirty="0">
+              <a:rPr sz="1400" b="1" dirty="0" err="1">
                 <a:solidFill>
                   <a:prstClr val="white"/>
                 </a:solidFill>
                 <a:latin typeface="Calibri"/>
               </a:rPr>
-              <a:t>Azure Web App</a:t>
-            </a:r>
+              <a:t>Promtail</a:t>
+            </a:r>
+            <a:endParaRPr sz="1400" b="1" dirty="0">
+              <a:solidFill>
+                <a:prstClr val="white"/>
+              </a:solidFill>
+              <a:latin typeface="Calibri"/>
+            </a:endParaRPr>
           </a:p>
           <a:p>
             <a:pPr defTabSz="457200"/>
@@ -6172,21 +6185,21 @@
                 </a:solidFill>
                 <a:latin typeface="Calibri"/>
               </a:rPr>
-              <a:t>Application Logs</a:t>
-            </a:r>
-          </a:p>
-        </p:txBody>
-      </p:sp>
-      <p:sp>
-        <p:nvSpPr>
-          <p:cNvPr id="5" name="Rectangle 4"/>
+              <a:t>Log Collector &amp; Shipper</a:t>
+            </a:r>
+          </a:p>
+        </p:txBody>
+      </p:sp>
+      <p:sp>
+        <p:nvSpPr>
+          <p:cNvPr id="6" name="Rectangle 5"/>
           <p:cNvSpPr/>
           <p:nvPr/>
         </p:nvSpPr>
         <p:spPr>
           <a:xfrm>
-            <a:off x="4322232" y="2633134"/>
-            <a:ext cx="1596327" cy="693394"/>
+            <a:off x="6739467" y="2633134"/>
+            <a:ext cx="1596327" cy="672207"/>
           </a:xfrm>
           <a:prstGeom prst="rect">
             <a:avLst/>
@@ -6217,20 +6230,14 @@
               <a:defRPr sz="1400" b="1"/>
             </a:pPr>
             <a:r>
-              <a:rPr sz="1400" b="1" dirty="0" err="1">
+              <a:rPr sz="1400" b="1" dirty="0">
                 <a:solidFill>
                   <a:prstClr val="white"/>
                 </a:solidFill>
                 <a:latin typeface="Calibri"/>
               </a:rPr>
-              <a:t>Promtail</a:t>
-            </a:r>
-            <a:endParaRPr sz="1400" b="1" dirty="0">
-              <a:solidFill>
-                <a:prstClr val="white"/>
-              </a:solidFill>
-              <a:latin typeface="Calibri"/>
-            </a:endParaRPr>
+              <a:t>Loki</a:t>
+            </a:r>
           </a:p>
           <a:p>
             <a:pPr defTabSz="457200"/>
@@ -6241,21 +6248,21 @@
                 </a:solidFill>
                 <a:latin typeface="Calibri"/>
               </a:rPr>
-              <a:t>Log Collector &amp; Shipper</a:t>
-            </a:r>
-          </a:p>
-        </p:txBody>
-      </p:sp>
-      <p:sp>
-        <p:nvSpPr>
-          <p:cNvPr id="6" name="Rectangle 5"/>
+              <a:t>Log Aggregation Storage</a:t>
+            </a:r>
+          </a:p>
+        </p:txBody>
+      </p:sp>
+      <p:sp>
+        <p:nvSpPr>
+          <p:cNvPr id="7" name="Rectangle 6"/>
           <p:cNvSpPr/>
           <p:nvPr/>
         </p:nvSpPr>
         <p:spPr>
           <a:xfrm>
-            <a:off x="6739467" y="2633134"/>
-            <a:ext cx="1596327" cy="672207"/>
+            <a:off x="4326099" y="3841230"/>
+            <a:ext cx="1615206" cy="693393"/>
           </a:xfrm>
           <a:prstGeom prst="rect">
             <a:avLst/>
@@ -6282,9 +6289,7 @@
           <a:bodyPr rtlCol="0" anchor="ctr"/>
           <a:lstStyle/>
           <a:p>
-            <a:pPr defTabSz="457200">
-              <a:defRPr sz="1400" b="1"/>
-            </a:pPr>
+            <a:pPr defTabSz="457200"/>
             <a:r>
               <a:rPr sz="1400" b="1" dirty="0">
                 <a:solidFill>
@@ -6292,33 +6297,33 @@
                 </a:solidFill>
                 <a:latin typeface="Calibri"/>
               </a:rPr>
-              <a:t>Loki</a:t>
+              <a:t>Azure Monitor</a:t>
             </a:r>
           </a:p>
           <a:p>
             <a:pPr defTabSz="457200"/>
             <a:r>
-              <a:rPr sz="1000" dirty="0">
+              <a:rPr sz="1000" b="1" dirty="0">
                 <a:solidFill>
                   <a:prstClr val="white"/>
                 </a:solidFill>
                 <a:latin typeface="Calibri"/>
               </a:rPr>
-              <a:t>Log Aggregation Storage</a:t>
-            </a:r>
-          </a:p>
-        </p:txBody>
-      </p:sp>
-      <p:sp>
-        <p:nvSpPr>
-          <p:cNvPr id="7" name="Rectangle 6"/>
+              <a:t>Metrics API</a:t>
+            </a:r>
+          </a:p>
+        </p:txBody>
+      </p:sp>
+      <p:sp>
+        <p:nvSpPr>
+          <p:cNvPr id="8" name="Rectangle 7"/>
           <p:cNvSpPr/>
           <p:nvPr/>
         </p:nvSpPr>
         <p:spPr>
           <a:xfrm>
-            <a:off x="4326099" y="3841230"/>
-            <a:ext cx="1615206" cy="693393"/>
+            <a:off x="6757742" y="3877733"/>
+            <a:ext cx="1578052" cy="672207"/>
           </a:xfrm>
           <a:prstGeom prst="rect">
             <a:avLst/>
@@ -6345,67 +6350,6 @@
           <a:bodyPr rtlCol="0" anchor="ctr"/>
           <a:lstStyle/>
           <a:p>
-            <a:pPr defTabSz="457200"/>
-            <a:r>
-              <a:rPr sz="1400" b="1" dirty="0">
-                <a:solidFill>
-                  <a:prstClr val="white"/>
-                </a:solidFill>
-                <a:latin typeface="Calibri"/>
-              </a:rPr>
-              <a:t>Azure Monitor</a:t>
-            </a:r>
-          </a:p>
-          <a:p>
-            <a:pPr defTabSz="457200"/>
-            <a:r>
-              <a:rPr sz="1000" b="1" dirty="0">
-                <a:solidFill>
-                  <a:prstClr val="white"/>
-                </a:solidFill>
-                <a:latin typeface="Calibri"/>
-              </a:rPr>
-              <a:t>Metrics API</a:t>
-            </a:r>
-          </a:p>
-        </p:txBody>
-      </p:sp>
-      <p:sp>
-        <p:nvSpPr>
-          <p:cNvPr id="8" name="Rectangle 7"/>
-          <p:cNvSpPr/>
-          <p:nvPr/>
-        </p:nvSpPr>
-        <p:spPr>
-          <a:xfrm>
-            <a:off x="6757742" y="3877733"/>
-            <a:ext cx="1578052" cy="672207"/>
-          </a:xfrm>
-          <a:prstGeom prst="rect">
-            <a:avLst/>
-          </a:prstGeom>
-          <a:solidFill>
-            <a:srgbClr val="ED7D31"/>
-          </a:solidFill>
-        </p:spPr>
-        <p:style>
-          <a:lnRef idx="1">
-            <a:schemeClr val="accent1"/>
-          </a:lnRef>
-          <a:fillRef idx="3">
-            <a:schemeClr val="accent1"/>
-          </a:fillRef>
-          <a:effectRef idx="2">
-            <a:schemeClr val="accent1"/>
-          </a:effectRef>
-          <a:fontRef idx="minor">
-            <a:schemeClr val="lt1"/>
-          </a:fontRef>
-        </p:style>
-        <p:txBody>
-          <a:bodyPr rtlCol="0" anchor="ctr"/>
-          <a:lstStyle/>
-          <a:p>
             <a:pPr defTabSz="457200">
               <a:defRPr sz="1400" b="1"/>
             </a:pPr>
@@ -6433,49 +6377,6 @@
           </a:p>
         </p:txBody>
       </p:sp>
-      <p:cxnSp>
-        <p:nvCxnSpPr>
-          <p:cNvPr id="10" name="Straight Arrow Connector 9">
-            <a:extLst>
-              <a:ext uri="{FF2B5EF4-FFF2-40B4-BE49-F238E27FC236}">
-                <a16:creationId xmlns:a16="http://schemas.microsoft.com/office/drawing/2014/main" id="{51673CE6-4D5E-4065-AB1F-57129065C513}"/>
-              </a:ext>
-            </a:extLst>
-          </p:cNvPr>
-          <p:cNvCxnSpPr>
-            <a:cxnSpLocks/>
-            <a:stCxn id="3" idx="3"/>
-            <a:endCxn id="5" idx="1"/>
-          </p:cNvCxnSpPr>
-          <p:nvPr/>
-        </p:nvCxnSpPr>
-        <p:spPr>
-          <a:xfrm>
-            <a:off x="3475805" y="2658019"/>
-            <a:ext cx="846427" cy="321812"/>
-          </a:xfrm>
-          <a:prstGeom prst="straightConnector1">
-            <a:avLst/>
-          </a:prstGeom>
-          <a:ln>
-            <a:tailEnd type="triangle"/>
-          </a:ln>
-        </p:spPr>
-        <p:style>
-          <a:lnRef idx="2">
-            <a:schemeClr val="dk1"/>
-          </a:lnRef>
-          <a:fillRef idx="0">
-            <a:schemeClr val="dk1"/>
-          </a:fillRef>
-          <a:effectRef idx="1">
-            <a:schemeClr val="dk1"/>
-          </a:effectRef>
-          <a:fontRef idx="minor">
-            <a:schemeClr val="tx1"/>
-          </a:fontRef>
-        </p:style>
-      </p:cxnSp>
       <p:cxnSp>
         <p:nvCxnSpPr>
           <p:cNvPr id="12" name="Straight Arrow Connector 11">
@@ -6491,9 +6392,9 @@
           <p:nvPr/>
         </p:nvCxnSpPr>
         <p:spPr>
-          <a:xfrm flipV="1">
-            <a:off x="3488565" y="3090094"/>
-            <a:ext cx="833667" cy="331313"/>
+          <a:xfrm>
+            <a:off x="3723329" y="3010697"/>
+            <a:ext cx="592523" cy="1"/>
           </a:xfrm>
           <a:prstGeom prst="straightConnector1">
             <a:avLst/>
@@ -6572,42 +6473,7 @@
         </p:nvSpPr>
         <p:spPr>
           <a:xfrm>
-            <a:off x="3723329" y="2579685"/>
-            <a:ext cx="351378" cy="215444"/>
-          </a:xfrm>
-          <a:prstGeom prst="rect">
-            <a:avLst/>
-          </a:prstGeom>
-          <a:noFill/>
-        </p:spPr>
-        <p:txBody>
-          <a:bodyPr wrap="none" rtlCol="0">
-            <a:spAutoFit/>
-          </a:bodyPr>
-          <a:lstStyle/>
-          <a:p>
-            <a:r>
-              <a:rPr lang="en-US" sz="800" dirty="0"/>
-              <a:t>logs</a:t>
-            </a:r>
-          </a:p>
-        </p:txBody>
-      </p:sp>
-      <p:sp>
-        <p:nvSpPr>
-          <p:cNvPr id="27" name="TextBox 26">
-            <a:extLst>
-              <a:ext uri="{FF2B5EF4-FFF2-40B4-BE49-F238E27FC236}">
-                <a16:creationId xmlns:a16="http://schemas.microsoft.com/office/drawing/2014/main" id="{3C5AE9C2-188D-4BC8-A074-4C659585E4DC}"/>
-              </a:ext>
-            </a:extLst>
-          </p:cNvPr>
-          <p:cNvSpPr txBox="1"/>
-          <p:nvPr/>
-        </p:nvSpPr>
-        <p:spPr>
-          <a:xfrm>
-            <a:off x="3707292" y="3280045"/>
+            <a:off x="3777331" y="2795254"/>
             <a:ext cx="351378" cy="215444"/>
           </a:xfrm>
           <a:prstGeom prst="rect">
@@ -6642,7 +6508,7 @@
         </p:nvSpPr>
         <p:spPr>
           <a:xfrm>
-            <a:off x="6096000" y="2730866"/>
+            <a:off x="6082249" y="2781787"/>
             <a:ext cx="435213" cy="215444"/>
           </a:xfrm>
           <a:prstGeom prst="rect">
@@ -6727,7 +6593,7 @@
         </p:blipFill>
         <p:spPr>
           <a:xfrm>
-            <a:off x="8936509" y="4009020"/>
+            <a:off x="8826267" y="4009020"/>
             <a:ext cx="562053" cy="409632"/>
           </a:xfrm>
           <a:prstGeom prst="rect">
@@ -6784,7 +6650,7 @@
         </p:nvSpPr>
         <p:spPr>
           <a:xfrm>
-            <a:off x="6100264" y="4248832"/>
+            <a:off x="6066583" y="4239607"/>
             <a:ext cx="494046" cy="215444"/>
           </a:xfrm>
           <a:prstGeom prst="rect">
@@ -6892,14 +6758,13 @@
           </p:cNvPr>
           <p:cNvCxnSpPr>
             <a:cxnSpLocks/>
-            <a:endCxn id="49" idx="1"/>
           </p:cNvCxnSpPr>
           <p:nvPr/>
         </p:nvCxnSpPr>
         <p:spPr>
-          <a:xfrm flipV="1">
-            <a:off x="8334138" y="4213836"/>
-            <a:ext cx="602371" cy="2"/>
+          <a:xfrm>
+            <a:off x="8334138" y="4213838"/>
+            <a:ext cx="492129" cy="0"/>
           </a:xfrm>
           <a:prstGeom prst="straightConnector1">
             <a:avLst/>
@@ -7103,7 +6968,7 @@
       </p:grpSpPr>
       <p:pic>
         <p:nvPicPr>
-          <p:cNvPr id="3" name="Picture 2"/>
+          <p:cNvPr id="2" name="Picture 1"/>
           <p:cNvPicPr>
             <a:picLocks noChangeAspect="1"/>
           </p:cNvPicPr>
@@ -7117,8 +6982,8 @@
         </p:blipFill>
         <p:spPr>
           <a:xfrm>
-            <a:off x="3021063" y="1253301"/>
-            <a:ext cx="6149873" cy="4351397"/>
+            <a:off x="1461131" y="508695"/>
+            <a:ext cx="6378493" cy="4900085"/>
           </a:xfrm>
           <a:prstGeom prst="rect">
             <a:avLst/>
@@ -7128,7 +6993,7 @@
     </p:spTree>
     <p:extLst>
       <p:ext uri="{BB962C8B-B14F-4D97-AF65-F5344CB8AC3E}">
-        <p14:creationId xmlns:p14="http://schemas.microsoft.com/office/powerpoint/2010/main" val="1860000548"/>
+        <p14:creationId xmlns:p14="http://schemas.microsoft.com/office/powerpoint/2010/main" val="3306138112"/>
       </p:ext>
     </p:extLst>
   </p:cSld>
@@ -7171,8 +7036,8 @@
         </p:blipFill>
         <p:spPr>
           <a:xfrm>
-            <a:off x="1461131" y="508695"/>
-            <a:ext cx="6378493" cy="4900085"/>
+            <a:off x="2906753" y="1177095"/>
+            <a:ext cx="6378493" cy="4503810"/>
           </a:xfrm>
           <a:prstGeom prst="rect">
             <a:avLst/>
@@ -7182,7 +7047,7 @@
     </p:spTree>
     <p:extLst>
       <p:ext uri="{BB962C8B-B14F-4D97-AF65-F5344CB8AC3E}">
-        <p14:creationId xmlns:p14="http://schemas.microsoft.com/office/powerpoint/2010/main" val="3306138112"/>
+        <p14:creationId xmlns:p14="http://schemas.microsoft.com/office/powerpoint/2010/main" val="1111901740"/>
       </p:ext>
     </p:extLst>
   </p:cSld>
@@ -7209,60 +7074,6 @@
           <a:chExt cx="0" cy="0"/>
         </a:xfrm>
       </p:grpSpPr>
-      <p:pic>
-        <p:nvPicPr>
-          <p:cNvPr id="2" name="Picture 1"/>
-          <p:cNvPicPr>
-            <a:picLocks noChangeAspect="1"/>
-          </p:cNvPicPr>
-          <p:nvPr/>
-        </p:nvPicPr>
-        <p:blipFill>
-          <a:blip r:embed="rId2"/>
-          <a:stretch>
-            <a:fillRect/>
-          </a:stretch>
-        </p:blipFill>
-        <p:spPr>
-          <a:xfrm>
-            <a:off x="2906753" y="1177095"/>
-            <a:ext cx="6378493" cy="4503810"/>
-          </a:xfrm>
-          <a:prstGeom prst="rect">
-            <a:avLst/>
-          </a:prstGeom>
-        </p:spPr>
-      </p:pic>
-    </p:spTree>
-    <p:extLst>
-      <p:ext uri="{BB962C8B-B14F-4D97-AF65-F5344CB8AC3E}">
-        <p14:creationId xmlns:p14="http://schemas.microsoft.com/office/powerpoint/2010/main" val="1111901740"/>
-      </p:ext>
-    </p:extLst>
-  </p:cSld>
-  <p:clrMapOvr>
-    <a:masterClrMapping/>
-  </p:clrMapOvr>
-</p:sld>
-</file>
-
-<file path=ppt/slides/slide8.xml><?xml version="1.0" encoding="utf-8"?>
-<p:sld xmlns:a="http://schemas.openxmlformats.org/drawingml/2006/main" xmlns:r="http://schemas.openxmlformats.org/officeDocument/2006/relationships" xmlns:p="http://schemas.openxmlformats.org/presentationml/2006/main">
-  <p:cSld>
-    <p:spTree>
-      <p:nvGrpSpPr>
-        <p:cNvPr id="1" name=""/>
-        <p:cNvGrpSpPr/>
-        <p:nvPr/>
-      </p:nvGrpSpPr>
-      <p:grpSpPr>
-        <a:xfrm>
-          <a:off x="0" y="0"/>
-          <a:ext cx="0" cy="0"/>
-          <a:chOff x="0" y="0"/>
-          <a:chExt cx="0" cy="0"/>
-        </a:xfrm>
-      </p:grpSpPr>
       <p:sp>
         <p:nvSpPr>
           <p:cNvPr id="2" name="TextBox 1"/>
@@ -8289,7 +8100,7 @@
 </p:sld>
 </file>
 
-<file path=ppt/slides/slide9.xml><?xml version="1.0" encoding="utf-8"?>
+<file path=ppt/slides/slide8.xml><?xml version="1.0" encoding="utf-8"?>
 <p:sld xmlns:a="http://schemas.openxmlformats.org/drawingml/2006/main" xmlns:r="http://schemas.openxmlformats.org/officeDocument/2006/relationships" xmlns:p="http://schemas.openxmlformats.org/presentationml/2006/main">
   <p:cSld>
     <p:spTree>
